--- a/docs/final_presentation.pptx
+++ b/docs/final_presentation.pptx
@@ -18,11 +18,11 @@
     <p:sldId id="282" r:id="rId9"/>
     <p:sldId id="283" r:id="rId10"/>
     <p:sldId id="284" r:id="rId11"/>
-    <p:sldId id="285" r:id="rId12"/>
-    <p:sldId id="267" r:id="rId13"/>
-    <p:sldId id="272" r:id="rId14"/>
-    <p:sldId id="286" r:id="rId15"/>
-    <p:sldId id="287" r:id="rId16"/>
+    <p:sldId id="267" r:id="rId12"/>
+    <p:sldId id="272" r:id="rId13"/>
+    <p:sldId id="286" r:id="rId14"/>
+    <p:sldId id="287" r:id="rId15"/>
+    <p:sldId id="285" r:id="rId16"/>
     <p:sldId id="288" r:id="rId17"/>
     <p:sldId id="261" r:id="rId18"/>
     <p:sldId id="269" r:id="rId19"/>
@@ -226,7 +226,7 @@
           <a:p>
             <a:fld id="{9F3E5AB5-D5FD-0845-9CB2-99DF1E920971}" type="datetimeFigureOut">
               <a:rPr lang="en-US" smtClean="0"/>
-              <a:t>6/16/20</a:t>
+              <a:t>6/17/2020</a:t>
             </a:fld>
             <a:endParaRPr lang="en-US"/>
           </a:p>
@@ -6394,10 +6394,144 @@
       </p:grpSpPr>
       <p:sp>
         <p:nvSpPr>
+          <p:cNvPr id="3" name="Title 2">
+            <a:extLst>
+              <a:ext uri="{FF2B5EF4-FFF2-40B4-BE49-F238E27FC236}">
+                <a16:creationId xmlns:a16="http://schemas.microsoft.com/office/drawing/2014/main" id="{719FC9C6-AFC1-8C40-B9EF-0514AFC2185A}"/>
+              </a:ext>
+            </a:extLst>
+          </p:cNvPr>
+          <p:cNvSpPr>
+            <a:spLocks noGrp="1"/>
+          </p:cNvSpPr>
+          <p:nvPr>
+            <p:ph type="title"/>
+          </p:nvPr>
+        </p:nvSpPr>
+        <p:spPr>
+          <a:xfrm>
+            <a:off x="1087392" y="242678"/>
+            <a:ext cx="10017215" cy="716260"/>
+          </a:xfrm>
+        </p:spPr>
+        <p:txBody>
+          <a:bodyPr/>
+          <a:lstStyle/>
+          <a:p>
+            <a:r>
+              <a:rPr lang="en-CA" dirty="0"/>
+              <a:t>Data Science Techniques</a:t>
+            </a:r>
+            <a:r>
+              <a:rPr lang="en-US" dirty="0"/>
+              <a:t>: Evaluation Metrics</a:t>
+            </a:r>
+          </a:p>
+        </p:txBody>
+      </p:sp>
+      <p:sp>
+        <p:nvSpPr>
+          <p:cNvPr id="4" name="Content Placeholder 3">
+            <a:extLst>
+              <a:ext uri="{FF2B5EF4-FFF2-40B4-BE49-F238E27FC236}">
+                <a16:creationId xmlns:a16="http://schemas.microsoft.com/office/drawing/2014/main" id="{6E8D4644-885D-E047-A58E-C9F4819C407C}"/>
+              </a:ext>
+            </a:extLst>
+          </p:cNvPr>
+          <p:cNvSpPr>
+            <a:spLocks noGrp="1"/>
+          </p:cNvSpPr>
+          <p:nvPr>
+            <p:ph sz="half" idx="13"/>
+          </p:nvPr>
+        </p:nvSpPr>
+        <p:spPr>
+          <a:xfrm>
+            <a:off x="1087392" y="1372607"/>
+            <a:ext cx="10227537" cy="4351338"/>
+          </a:xfrm>
+        </p:spPr>
+        <p:txBody>
+          <a:bodyPr/>
+          <a:lstStyle/>
+          <a:p>
+            <a:r>
+              <a:rPr lang="en-US" sz="2600" dirty="0"/>
+              <a:t>Total 9 evaluation metrics</a:t>
+            </a:r>
+          </a:p>
+          <a:p>
+            <a:r>
+              <a:rPr lang="en-US" sz="2600" dirty="0"/>
+              <a:t>N-gram based metrics</a:t>
+            </a:r>
+          </a:p>
+          <a:p>
+            <a:pPr lvl="1">
+              <a:buFont typeface="Arial" panose="020B0604020202020204" pitchFamily="34" charset="0"/>
+              <a:buChar char="•"/>
+            </a:pPr>
+            <a:r>
+              <a:rPr lang="en-US" sz="2600" dirty="0"/>
+              <a:t>Bleu 1-4</a:t>
+            </a:r>
+          </a:p>
+          <a:p>
+            <a:pPr lvl="1">
+              <a:buFont typeface="Arial" panose="020B0604020202020204" pitchFamily="34" charset="0"/>
+              <a:buChar char="•"/>
+            </a:pPr>
+            <a:r>
+              <a:rPr lang="en-US" sz="2600" dirty="0"/>
+              <a:t>Rouge L</a:t>
+            </a:r>
+          </a:p>
+          <a:p>
+            <a:pPr lvl="1">
+              <a:buFont typeface="Arial" panose="020B0604020202020204" pitchFamily="34" charset="0"/>
+              <a:buChar char="•"/>
+            </a:pPr>
+            <a:r>
+              <a:rPr lang="en-US" sz="2600" dirty="0" err="1"/>
+              <a:t>Meteror</a:t>
+            </a:r>
+            <a:endParaRPr lang="en-US" sz="2600" dirty="0"/>
+          </a:p>
+          <a:p>
+            <a:pPr lvl="1">
+              <a:buFont typeface="Arial" panose="020B0604020202020204" pitchFamily="34" charset="0"/>
+              <a:buChar char="•"/>
+            </a:pPr>
+            <a:r>
+              <a:rPr lang="en-US" sz="2600" dirty="0" err="1"/>
+              <a:t>CIDEr</a:t>
+            </a:r>
+            <a:endParaRPr lang="en-US" sz="2600" dirty="0"/>
+          </a:p>
+          <a:p>
+            <a:pPr lvl="1">
+              <a:buFont typeface="Arial" panose="020B0604020202020204" pitchFamily="34" charset="0"/>
+              <a:buChar char="•"/>
+            </a:pPr>
+            <a:r>
+              <a:rPr lang="en-US" sz="2600" dirty="0"/>
+              <a:t>Commonly used in the community and research papers</a:t>
+            </a:r>
+          </a:p>
+          <a:p>
+            <a:pPr marL="0" indent="0">
+              <a:buNone/>
+            </a:pPr>
+            <a:endParaRPr lang="en-US" sz="2600" dirty="0"/>
+          </a:p>
+        </p:txBody>
+      </p:sp>
+      <p:sp>
+        <p:nvSpPr>
           <p:cNvPr id="5" name="Footer Placeholder 4">
             <a:extLst>
               <a:ext uri="{FF2B5EF4-FFF2-40B4-BE49-F238E27FC236}">
-                <a16:creationId xmlns:a16="http://schemas.microsoft.com/office/drawing/2014/main" id="{D9C9D3CC-B95D-9541-A8DC-E0FADFB5C819}"/>
+                <a16:creationId xmlns:a16="http://schemas.microsoft.com/office/drawing/2014/main" id="{132D22B5-1708-BF45-994B-6370B8109D37}"/>
               </a:ext>
             </a:extLst>
           </p:cNvPr>
@@ -6431,113 +6565,10 @@
           </a:p>
         </p:txBody>
       </p:sp>
-      <p:sp>
-        <p:nvSpPr>
-          <p:cNvPr id="6" name="Title 1">
-            <a:extLst>
-              <a:ext uri="{FF2B5EF4-FFF2-40B4-BE49-F238E27FC236}">
-                <a16:creationId xmlns:a16="http://schemas.microsoft.com/office/drawing/2014/main" id="{42EC2929-4B37-EB41-8EAE-566B58505BEB}"/>
-              </a:ext>
-            </a:extLst>
-          </p:cNvPr>
-          <p:cNvSpPr>
-            <a:spLocks noGrp="1"/>
-          </p:cNvSpPr>
-          <p:nvPr>
-            <p:ph type="title"/>
-          </p:nvPr>
-        </p:nvSpPr>
-        <p:spPr>
-          <a:xfrm>
-            <a:off x="1178169" y="376848"/>
-            <a:ext cx="10515600" cy="1325563"/>
-          </a:xfrm>
-        </p:spPr>
-        <p:txBody>
-          <a:bodyPr>
-            <a:normAutofit/>
-          </a:bodyPr>
-          <a:lstStyle/>
-          <a:p>
-            <a:r>
-              <a:rPr lang="en-US" sz="3600" b="1" dirty="0"/>
-              <a:t>Transfer Learning vs. Learning from scratch</a:t>
-            </a:r>
-          </a:p>
-        </p:txBody>
-      </p:sp>
-      <p:sp>
-        <p:nvSpPr>
-          <p:cNvPr id="7" name="TextBox 6">
-            <a:extLst>
-              <a:ext uri="{FF2B5EF4-FFF2-40B4-BE49-F238E27FC236}">
-                <a16:creationId xmlns:a16="http://schemas.microsoft.com/office/drawing/2014/main" id="{13809B36-38A7-7148-AD57-CB8286A826A9}"/>
-              </a:ext>
-            </a:extLst>
-          </p:cNvPr>
-          <p:cNvSpPr txBox="1"/>
-          <p:nvPr/>
-        </p:nvSpPr>
-        <p:spPr>
-          <a:xfrm>
-            <a:off x="1178169" y="1702411"/>
-            <a:ext cx="10587111" cy="2893100"/>
-          </a:xfrm>
-          <a:prstGeom prst="rect">
-            <a:avLst/>
-          </a:prstGeom>
-          <a:noFill/>
-        </p:spPr>
-        <p:txBody>
-          <a:bodyPr wrap="square" rtlCol="0">
-            <a:spAutoFit/>
-          </a:bodyPr>
-          <a:lstStyle/>
-          <a:p>
-            <a:pPr marL="342900" indent="-342900">
-              <a:buAutoNum type="arabicPeriod"/>
-            </a:pPr>
-            <a:r>
-              <a:rPr lang="en-US" sz="2600" dirty="0"/>
-              <a:t>Pre-trained CNN model performed better than CNN model learned from scratch</a:t>
-            </a:r>
-          </a:p>
-          <a:p>
-            <a:pPr marL="342900" indent="-342900">
-              <a:buAutoNum type="arabicPeriod"/>
-            </a:pPr>
-            <a:endParaRPr lang="en-US" sz="2600" dirty="0"/>
-          </a:p>
-          <a:p>
-            <a:pPr marL="342900" indent="-342900">
-              <a:buAutoNum type="arabicPeriod"/>
-            </a:pPr>
-            <a:r>
-              <a:rPr lang="en-US" sz="2600" dirty="0"/>
-              <a:t>Pre-trained embeddings weights performed better than embeddings weights learned from scratch</a:t>
-            </a:r>
-          </a:p>
-          <a:p>
-            <a:pPr marL="342900" indent="-342900">
-              <a:buAutoNum type="arabicPeriod"/>
-            </a:pPr>
-            <a:endParaRPr lang="en-US" sz="2600" dirty="0"/>
-          </a:p>
-          <a:p>
-            <a:pPr marL="342900" indent="-342900">
-              <a:buAutoNum type="arabicPeriod"/>
-            </a:pPr>
-            <a:r>
-              <a:rPr lang="en-US" sz="2600" dirty="0"/>
-              <a:t>We decided to use pre-trained CNN model and embeddings weights</a:t>
-            </a:r>
-          </a:p>
-        </p:txBody>
-      </p:sp>
     </p:spTree>
     <p:extLst>
       <p:ext uri="{BB962C8B-B14F-4D97-AF65-F5344CB8AC3E}">
-        <p14:creationId xmlns:p14="http://schemas.microsoft.com/office/powerpoint/2010/main" val="1503655588"/>
+        <p14:creationId xmlns:p14="http://schemas.microsoft.com/office/powerpoint/2010/main" val="4276612545"/>
       </p:ext>
     </p:extLst>
   </p:cSld>
@@ -6569,7 +6600,7 @@
           <p:cNvPr id="3" name="Title 2">
             <a:extLst>
               <a:ext uri="{FF2B5EF4-FFF2-40B4-BE49-F238E27FC236}">
-                <a16:creationId xmlns:a16="http://schemas.microsoft.com/office/drawing/2014/main" id="{719FC9C6-AFC1-8C40-B9EF-0514AFC2185A}"/>
+                <a16:creationId xmlns:a16="http://schemas.microsoft.com/office/drawing/2014/main" id="{080A15B5-E576-B747-B007-A72F3777A4B5}"/>
               </a:ext>
             </a:extLst>
           </p:cNvPr>
@@ -6582,7 +6613,7 @@
         </p:nvSpPr>
         <p:spPr>
           <a:xfrm>
-            <a:off x="1087392" y="242678"/>
+            <a:off x="1112066" y="253978"/>
             <a:ext cx="10017215" cy="716260"/>
           </a:xfrm>
         </p:spPr>
@@ -6596,7 +6627,7 @@
             </a:r>
             <a:r>
               <a:rPr lang="en-US" dirty="0"/>
-              <a:t>: Evaluation Metrics</a:t>
+              <a:t>: : Evaluation Metrics</a:t>
             </a:r>
           </a:p>
         </p:txBody>
@@ -6606,7 +6637,7 @@
           <p:cNvPr id="4" name="Content Placeholder 3">
             <a:extLst>
               <a:ext uri="{FF2B5EF4-FFF2-40B4-BE49-F238E27FC236}">
-                <a16:creationId xmlns:a16="http://schemas.microsoft.com/office/drawing/2014/main" id="{6E8D4644-885D-E047-A58E-C9F4819C407C}"/>
+                <a16:creationId xmlns:a16="http://schemas.microsoft.com/office/drawing/2014/main" id="{208FB8C0-31AA-A248-B300-33329EFE891B}"/>
               </a:ext>
             </a:extLst>
           </p:cNvPr>
@@ -6619,8 +6650,8 @@
         </p:nvSpPr>
         <p:spPr>
           <a:xfrm>
-            <a:off x="1087392" y="1372607"/>
-            <a:ext cx="10227537" cy="4351338"/>
+            <a:off x="1112066" y="1511695"/>
+            <a:ext cx="7070642" cy="4351338"/>
           </a:xfrm>
         </p:spPr>
         <p:txBody>
@@ -6629,13 +6660,7 @@
           <a:p>
             <a:r>
               <a:rPr lang="en-US" sz="2600" dirty="0"/>
-              <a:t>Total 9 evaluation metrics</a:t>
-            </a:r>
-          </a:p>
-          <a:p>
-            <a:r>
-              <a:rPr lang="en-US" sz="2600" dirty="0"/>
-              <a:t>N-gram based metrics</a:t>
+              <a:t>Semantic-based metrics: </a:t>
             </a:r>
           </a:p>
           <a:p>
@@ -6645,7 +6670,15 @@
             </a:pPr>
             <a:r>
               <a:rPr lang="en-US" sz="2600" dirty="0"/>
-              <a:t>Bleu 1-4</a:t>
+              <a:t>SPICE: </a:t>
+            </a:r>
+            <a:r>
+              <a:rPr lang="en-CA" sz="2600" dirty="0"/>
+              <a:t>semantic </a:t>
+            </a:r>
+            <a:r>
+              <a:rPr lang="en-US" sz="2600" dirty="0"/>
+              <a:t>scene graph</a:t>
             </a:r>
           </a:p>
           <a:p>
@@ -6655,46 +6688,11 @@
             </a:pPr>
             <a:r>
               <a:rPr lang="en-US" sz="2600" dirty="0"/>
-              <a:t>Rouge L</a:t>
-            </a:r>
-          </a:p>
-          <a:p>
-            <a:pPr lvl="1">
-              <a:buFont typeface="Arial" panose="020B0604020202020204" pitchFamily="34" charset="0"/>
-              <a:buChar char="•"/>
-            </a:pPr>
-            <a:r>
-              <a:rPr lang="en-US" sz="2600" dirty="0" err="1"/>
-              <a:t>Meteror</a:t>
-            </a:r>
-            <a:endParaRPr lang="en-US" sz="2600" dirty="0"/>
-          </a:p>
-          <a:p>
-            <a:pPr lvl="1">
-              <a:buFont typeface="Arial" panose="020B0604020202020204" pitchFamily="34" charset="0"/>
-              <a:buChar char="•"/>
-            </a:pPr>
-            <a:r>
-              <a:rPr lang="en-US" sz="2600" dirty="0" err="1"/>
-              <a:t>CIDEr</a:t>
-            </a:r>
-            <a:endParaRPr lang="en-US" sz="2600" dirty="0"/>
-          </a:p>
-          <a:p>
-            <a:pPr lvl="1">
-              <a:buFont typeface="Arial" panose="020B0604020202020204" pitchFamily="34" charset="0"/>
-              <a:buChar char="•"/>
-            </a:pPr>
-            <a:r>
-              <a:rPr lang="en-US" sz="2600" dirty="0"/>
-              <a:t>Commonly used in the community and research papers</a:t>
-            </a:r>
-          </a:p>
-          <a:p>
-            <a:pPr marL="0" indent="0">
-              <a:buNone/>
-            </a:pPr>
-            <a:endParaRPr lang="en-US" sz="2600" dirty="0"/>
+              <a:t>Universal Sentence Encoder Similarity</a:t>
+            </a:r>
+          </a:p>
+          <a:p>
+            <a:endParaRPr lang="en-US" dirty="0"/>
           </a:p>
         </p:txBody>
       </p:sp>
@@ -6703,7 +6701,7 @@
           <p:cNvPr id="5" name="Footer Placeholder 4">
             <a:extLst>
               <a:ext uri="{FF2B5EF4-FFF2-40B4-BE49-F238E27FC236}">
-                <a16:creationId xmlns:a16="http://schemas.microsoft.com/office/drawing/2014/main" id="{132D22B5-1708-BF45-994B-6370B8109D37}"/>
+                <a16:creationId xmlns:a16="http://schemas.microsoft.com/office/drawing/2014/main" id="{27546011-A305-C840-80B3-181DE9DE0892}"/>
               </a:ext>
             </a:extLst>
           </p:cNvPr>
@@ -6737,10 +6735,40 @@
           </a:p>
         </p:txBody>
       </p:sp>
+      <p:pic>
+        <p:nvPicPr>
+          <p:cNvPr id="6" name="Picture 5">
+            <a:extLst>
+              <a:ext uri="{FF2B5EF4-FFF2-40B4-BE49-F238E27FC236}">
+                <a16:creationId xmlns:a16="http://schemas.microsoft.com/office/drawing/2014/main" id="{CC009A8B-C648-5645-862D-E70E3D599938}"/>
+              </a:ext>
+            </a:extLst>
+          </p:cNvPr>
+          <p:cNvPicPr>
+            <a:picLocks noChangeAspect="1"/>
+          </p:cNvPicPr>
+          <p:nvPr/>
+        </p:nvPicPr>
+        <p:blipFill>
+          <a:blip r:embed="rId2"/>
+          <a:stretch>
+            <a:fillRect/>
+          </a:stretch>
+        </p:blipFill>
+        <p:spPr>
+          <a:xfrm>
+            <a:off x="3093677" y="2933362"/>
+            <a:ext cx="5397500" cy="3200400"/>
+          </a:xfrm>
+          <a:prstGeom prst="rect">
+            <a:avLst/>
+          </a:prstGeom>
+        </p:spPr>
+      </p:pic>
     </p:spTree>
     <p:extLst>
       <p:ext uri="{BB962C8B-B14F-4D97-AF65-F5344CB8AC3E}">
-        <p14:creationId xmlns:p14="http://schemas.microsoft.com/office/powerpoint/2010/main" val="4276612545"/>
+        <p14:creationId xmlns:p14="http://schemas.microsoft.com/office/powerpoint/2010/main" val="3996265033"/>
       </p:ext>
     </p:extLst>
   </p:cSld>
@@ -6769,10 +6797,49 @@
       </p:grpSpPr>
       <p:sp>
         <p:nvSpPr>
-          <p:cNvPr id="3" name="Title 2">
+          <p:cNvPr id="5" name="Footer Placeholder 4">
             <a:extLst>
               <a:ext uri="{FF2B5EF4-FFF2-40B4-BE49-F238E27FC236}">
-                <a16:creationId xmlns:a16="http://schemas.microsoft.com/office/drawing/2014/main" id="{080A15B5-E576-B747-B007-A72F3777A4B5}"/>
+                <a16:creationId xmlns:a16="http://schemas.microsoft.com/office/drawing/2014/main" id="{F94F5839-A6D2-7543-8A13-3BFB41744AD3}"/>
+              </a:ext>
+            </a:extLst>
+          </p:cNvPr>
+          <p:cNvSpPr>
+            <a:spLocks noGrp="1"/>
+          </p:cNvSpPr>
+          <p:nvPr>
+            <p:ph type="ftr" sz="quarter" idx="3"/>
+          </p:nvPr>
+        </p:nvSpPr>
+        <p:spPr/>
+        <p:txBody>
+          <a:bodyPr/>
+          <a:lstStyle/>
+          <a:p>
+            <a:r>
+              <a:rPr lang="en-US"/>
+              <a:t>Use, duplication or disclosure of this document or any of the information or images contained herein is subject to the restrictions on the title page of this document. </a:t>
+            </a:r>
+          </a:p>
+          <a:p>
+            <a:r>
+              <a:rPr lang="en-US"/>
+              <a:t>COPYRIGHT ©2020 </a:t>
+            </a:r>
+            <a:r>
+              <a:rPr lang="en-CA"/>
+              <a:t>MacDonald, Dettwiler and Associates Inc. (MDA). </a:t>
+            </a:r>
+            <a:endParaRPr lang="en-US" dirty="0"/>
+          </a:p>
+        </p:txBody>
+      </p:sp>
+      <p:sp>
+        <p:nvSpPr>
+          <p:cNvPr id="6" name="Title 1">
+            <a:extLst>
+              <a:ext uri="{FF2B5EF4-FFF2-40B4-BE49-F238E27FC236}">
+                <a16:creationId xmlns:a16="http://schemas.microsoft.com/office/drawing/2014/main" id="{F5FCF839-E946-F947-A45B-E2477889AF90}"/>
               </a:ext>
             </a:extLst>
           </p:cNvPr>
@@ -6785,8 +6852,8 @@
         </p:nvSpPr>
         <p:spPr>
           <a:xfrm>
-            <a:off x="1112066" y="253978"/>
-            <a:ext cx="10017215" cy="716260"/>
+            <a:off x="1051564" y="243934"/>
+            <a:ext cx="11140436" cy="1325563"/>
           </a:xfrm>
         </p:spPr>
         <p:txBody>
@@ -6794,125 +6861,83 @@
           <a:lstStyle/>
           <a:p>
             <a:r>
-              <a:rPr lang="en-CA" dirty="0"/>
-              <a:t>Data Science Techniques</a:t>
-            </a:r>
-            <a:r>
-              <a:rPr lang="en-US" dirty="0"/>
-              <a:t>: : Evaluation Metrics</a:t>
-            </a:r>
-          </a:p>
-        </p:txBody>
-      </p:sp>
-      <p:sp>
-        <p:nvSpPr>
-          <p:cNvPr id="4" name="Content Placeholder 3">
+              <a:rPr lang="en-US" sz="3600" b="1" dirty="0">
+                <a:solidFill>
+                  <a:prstClr val="black"/>
+                </a:solidFill>
+              </a:rPr>
+              <a:t>Evaluation scores from the best model of each structure</a:t>
+            </a:r>
+            <a:endParaRPr lang="en-US" dirty="0"/>
+          </a:p>
+        </p:txBody>
+      </p:sp>
+      <p:sp>
+        <p:nvSpPr>
+          <p:cNvPr id="7" name="TextBox 6">
             <a:extLst>
               <a:ext uri="{FF2B5EF4-FFF2-40B4-BE49-F238E27FC236}">
-                <a16:creationId xmlns:a16="http://schemas.microsoft.com/office/drawing/2014/main" id="{208FB8C0-31AA-A248-B300-33329EFE891B}"/>
+                <a16:creationId xmlns:a16="http://schemas.microsoft.com/office/drawing/2014/main" id="{54D06011-37BF-AC43-BD71-59304B71C804}"/>
               </a:ext>
             </a:extLst>
           </p:cNvPr>
-          <p:cNvSpPr>
-            <a:spLocks noGrp="1"/>
-          </p:cNvSpPr>
-          <p:nvPr>
-            <p:ph sz="half" idx="13"/>
-          </p:nvPr>
-        </p:nvSpPr>
-        <p:spPr>
-          <a:xfrm>
-            <a:off x="1112066" y="1511695"/>
-            <a:ext cx="7070642" cy="4351338"/>
-          </a:xfrm>
-        </p:spPr>
-        <p:txBody>
-          <a:bodyPr/>
+          <p:cNvSpPr txBox="1"/>
+          <p:nvPr/>
+        </p:nvSpPr>
+        <p:spPr>
+          <a:xfrm>
+            <a:off x="575980" y="1546168"/>
+            <a:ext cx="4615452" cy="2492990"/>
+          </a:xfrm>
+          <a:prstGeom prst="rect">
+            <a:avLst/>
+          </a:prstGeom>
+          <a:noFill/>
+        </p:spPr>
+        <p:txBody>
+          <a:bodyPr wrap="square" rtlCol="0">
+            <a:spAutoFit/>
+          </a:bodyPr>
           <a:lstStyle/>
           <a:p>
-            <a:r>
-              <a:rPr lang="en-US" sz="2600" dirty="0"/>
-              <a:t>Semantic-based metrics: </a:t>
-            </a:r>
-          </a:p>
-          <a:p>
-            <a:pPr lvl="1">
+            <a:pPr marL="457200" indent="-457200">
               <a:buFont typeface="Arial" panose="020B0604020202020204" pitchFamily="34" charset="0"/>
               <a:buChar char="•"/>
             </a:pPr>
             <a:r>
               <a:rPr lang="en-US" sz="2600" dirty="0"/>
-              <a:t>SPICE: </a:t>
-            </a:r>
-            <a:r>
-              <a:rPr lang="en-CA" sz="2600" dirty="0"/>
-              <a:t>semantic </a:t>
+              <a:t>Test data and train data are from the </a:t>
+            </a:r>
+            <a:r>
+              <a:rPr lang="en-US" sz="2600" b="1" dirty="0"/>
+              <a:t>same</a:t>
             </a:r>
             <a:r>
               <a:rPr lang="en-US" sz="2600" dirty="0"/>
-              <a:t>scene graph</a:t>
-            </a:r>
-          </a:p>
-          <a:p>
-            <a:pPr lvl="1">
+              <a:t> datasets</a:t>
+            </a:r>
+          </a:p>
+          <a:p>
+            <a:endParaRPr lang="en-US" sz="2600" dirty="0"/>
+          </a:p>
+          <a:p>
+            <a:pPr marL="457200" indent="-457200">
               <a:buFont typeface="Arial" panose="020B0604020202020204" pitchFamily="34" charset="0"/>
               <a:buChar char="•"/>
             </a:pPr>
             <a:r>
               <a:rPr lang="en-US" sz="2600" dirty="0"/>
-              <a:t>Universal Sentence Encoder Similarity</a:t>
-            </a:r>
-          </a:p>
-          <a:p>
-            <a:endParaRPr lang="en-US" dirty="0"/>
-          </a:p>
-        </p:txBody>
-      </p:sp>
-      <p:sp>
-        <p:nvSpPr>
-          <p:cNvPr id="5" name="Footer Placeholder 4">
+              <a:t>BLEU 1 and ROUGE L scores range from 0.5 to 0.8 on the  baseline in literatures</a:t>
+            </a:r>
+          </a:p>
+        </p:txBody>
+      </p:sp>
+      <p:pic>
+        <p:nvPicPr>
+          <p:cNvPr id="9" name="Picture 8">
             <a:extLst>
               <a:ext uri="{FF2B5EF4-FFF2-40B4-BE49-F238E27FC236}">
-                <a16:creationId xmlns:a16="http://schemas.microsoft.com/office/drawing/2014/main" id="{27546011-A305-C840-80B3-181DE9DE0892}"/>
-              </a:ext>
-            </a:extLst>
-          </p:cNvPr>
-          <p:cNvSpPr>
-            <a:spLocks noGrp="1"/>
-          </p:cNvSpPr>
-          <p:nvPr>
-            <p:ph type="ftr" sz="quarter" idx="3"/>
-          </p:nvPr>
-        </p:nvSpPr>
-        <p:spPr/>
-        <p:txBody>
-          <a:bodyPr/>
-          <a:lstStyle/>
-          <a:p>
-            <a:r>
-              <a:rPr lang="en-US"/>
-              <a:t>Use, duplication or disclosure of this document or any of the information or images contained herein is subject to the restrictions on the title page of this document. </a:t>
-            </a:r>
-          </a:p>
-          <a:p>
-            <a:r>
-              <a:rPr lang="en-US"/>
-              <a:t>COPYRIGHT ©2020 </a:t>
-            </a:r>
-            <a:r>
-              <a:rPr lang="en-CA"/>
-              <a:t>MacDonald, Dettwiler and Associates Inc. (MDA). </a:t>
-            </a:r>
-            <a:endParaRPr lang="en-US" dirty="0"/>
-          </a:p>
-        </p:txBody>
-      </p:sp>
-      <p:pic>
-        <p:nvPicPr>
-          <p:cNvPr id="6" name="Picture 5">
-            <a:extLst>
-              <a:ext uri="{FF2B5EF4-FFF2-40B4-BE49-F238E27FC236}">
-                <a16:creationId xmlns:a16="http://schemas.microsoft.com/office/drawing/2014/main" id="{CC009A8B-C648-5645-862D-E70E3D599938}"/>
+                <a16:creationId xmlns:a16="http://schemas.microsoft.com/office/drawing/2014/main" id="{AC90C3CF-D4EF-488A-932B-D5389BBB9605}"/>
               </a:ext>
             </a:extLst>
           </p:cNvPr>
@@ -6929,8 +6954,8 @@
         </p:blipFill>
         <p:spPr>
           <a:xfrm>
-            <a:off x="3093677" y="2933362"/>
-            <a:ext cx="5397500" cy="3200400"/>
+            <a:off x="5114055" y="1620772"/>
+            <a:ext cx="6749319" cy="4138849"/>
           </a:xfrm>
           <a:prstGeom prst="rect">
             <a:avLst/>
@@ -6940,7 +6965,7 @@
     </p:spTree>
     <p:extLst>
       <p:ext uri="{BB962C8B-B14F-4D97-AF65-F5344CB8AC3E}">
-        <p14:creationId xmlns:p14="http://schemas.microsoft.com/office/powerpoint/2010/main" val="3996265033"/>
+        <p14:creationId xmlns:p14="http://schemas.microsoft.com/office/powerpoint/2010/main" val="1676487083"/>
       </p:ext>
     </p:extLst>
   </p:cSld>
@@ -6972,7 +6997,7 @@
           <p:cNvPr id="5" name="Footer Placeholder 4">
             <a:extLst>
               <a:ext uri="{FF2B5EF4-FFF2-40B4-BE49-F238E27FC236}">
-                <a16:creationId xmlns:a16="http://schemas.microsoft.com/office/drawing/2014/main" id="{F94F5839-A6D2-7543-8A13-3BFB41744AD3}"/>
+                <a16:creationId xmlns:a16="http://schemas.microsoft.com/office/drawing/2014/main" id="{4588D238-E86C-4146-AB2A-0834022F788A}"/>
               </a:ext>
             </a:extLst>
           </p:cNvPr>
@@ -7011,7 +7036,7 @@
           <p:cNvPr id="6" name="Title 1">
             <a:extLst>
               <a:ext uri="{FF2B5EF4-FFF2-40B4-BE49-F238E27FC236}">
-                <a16:creationId xmlns:a16="http://schemas.microsoft.com/office/drawing/2014/main" id="{F5FCF839-E946-F947-A45B-E2477889AF90}"/>
+                <a16:creationId xmlns:a16="http://schemas.microsoft.com/office/drawing/2014/main" id="{79AD9F70-3C92-FC44-916B-D40CEEAA523D}"/>
               </a:ext>
             </a:extLst>
           </p:cNvPr>
@@ -7024,12 +7049,14 @@
         </p:nvSpPr>
         <p:spPr>
           <a:xfrm>
-            <a:off x="1051564" y="243934"/>
-            <a:ext cx="11140436" cy="1325563"/>
-          </a:xfrm>
-        </p:spPr>
-        <p:txBody>
-          <a:bodyPr/>
+            <a:off x="1121312" y="330045"/>
+            <a:ext cx="11005916" cy="1325563"/>
+          </a:xfrm>
+        </p:spPr>
+        <p:txBody>
+          <a:bodyPr>
+            <a:normAutofit/>
+          </a:bodyPr>
           <a:lstStyle/>
           <a:p>
             <a:r>
@@ -7040,7 +7067,7 @@
               </a:rPr>
               <a:t>Evaluation scores from the best model of each structure</a:t>
             </a:r>
-            <a:endParaRPr lang="en-US" dirty="0"/>
+            <a:endParaRPr lang="en-US" sz="3600" b="1" dirty="0"/>
           </a:p>
         </p:txBody>
       </p:sp>
@@ -7049,7 +7076,7 @@
           <p:cNvPr id="7" name="TextBox 6">
             <a:extLst>
               <a:ext uri="{FF2B5EF4-FFF2-40B4-BE49-F238E27FC236}">
-                <a16:creationId xmlns:a16="http://schemas.microsoft.com/office/drawing/2014/main" id="{54D06011-37BF-AC43-BD71-59304B71C804}"/>
+                <a16:creationId xmlns:a16="http://schemas.microsoft.com/office/drawing/2014/main" id="{F1B81E3C-A6FF-4346-92A6-F2077641832B}"/>
               </a:ext>
             </a:extLst>
           </p:cNvPr>
@@ -7058,8 +7085,8 @@
         </p:nvSpPr>
         <p:spPr>
           <a:xfrm>
-            <a:off x="1051564" y="1511780"/>
-            <a:ext cx="7161512" cy="492443"/>
+            <a:off x="804223" y="2481147"/>
+            <a:ext cx="4382161" cy="892552"/>
           </a:xfrm>
           <a:prstGeom prst="rect">
             <a:avLst/>
@@ -7067,1010 +7094,95 @@
           <a:noFill/>
         </p:spPr>
         <p:txBody>
+          <a:bodyPr wrap="square" rtlCol="0">
+            <a:spAutoFit/>
+          </a:bodyPr>
+          <a:lstStyle/>
+          <a:p>
+            <a:r>
+              <a:rPr lang="en-US" sz="2600" dirty="0"/>
+              <a:t>Test data and train data are from </a:t>
+            </a:r>
+            <a:r>
+              <a:rPr lang="en-US" sz="2600" b="1" dirty="0"/>
+              <a:t>different</a:t>
+            </a:r>
+            <a:r>
+              <a:rPr lang="en-US" sz="2600" dirty="0"/>
+              <a:t> datasets</a:t>
+            </a:r>
+          </a:p>
+        </p:txBody>
+      </p:sp>
+      <p:sp>
+        <p:nvSpPr>
+          <p:cNvPr id="8" name="TextBox 7">
+            <a:extLst>
+              <a:ext uri="{FF2B5EF4-FFF2-40B4-BE49-F238E27FC236}">
+                <a16:creationId xmlns:a16="http://schemas.microsoft.com/office/drawing/2014/main" id="{13AC1009-D7F3-E74B-8E01-EC694A547454}"/>
+              </a:ext>
+            </a:extLst>
+          </p:cNvPr>
+          <p:cNvSpPr txBox="1"/>
+          <p:nvPr/>
+        </p:nvSpPr>
+        <p:spPr>
+          <a:xfrm>
+            <a:off x="804223" y="1730485"/>
+            <a:ext cx="4221990" cy="492443"/>
+          </a:xfrm>
+          <a:prstGeom prst="rect">
+            <a:avLst/>
+          </a:prstGeom>
+          <a:noFill/>
+        </p:spPr>
+        <p:txBody>
           <a:bodyPr wrap="none" rtlCol="0">
             <a:spAutoFit/>
           </a:bodyPr>
           <a:lstStyle/>
           <a:p>
             <a:r>
-              <a:rPr lang="en-US" sz="2600" dirty="0"/>
-              <a:t>Test data and train data are from the </a:t>
-            </a:r>
-            <a:r>
               <a:rPr lang="en-US" sz="2600" b="1" dirty="0"/>
-              <a:t>same</a:t>
-            </a:r>
-            <a:r>
-              <a:rPr lang="en-US" sz="2600" dirty="0"/>
-              <a:t> datasets</a:t>
-            </a:r>
-          </a:p>
-        </p:txBody>
-      </p:sp>
-      <p:graphicFrame>
-        <p:nvGraphicFramePr>
-          <p:cNvPr id="8" name="Table 3">
+              <a:t>Testing Model Generalization</a:t>
+            </a:r>
+          </a:p>
+        </p:txBody>
+      </p:sp>
+      <p:pic>
+        <p:nvPicPr>
+          <p:cNvPr id="10" name="Picture 9">
             <a:extLst>
               <a:ext uri="{FF2B5EF4-FFF2-40B4-BE49-F238E27FC236}">
-                <a16:creationId xmlns:a16="http://schemas.microsoft.com/office/drawing/2014/main" id="{D79F06D4-59CF-F941-B91D-2B3B3D6EF48B}"/>
+                <a16:creationId xmlns:a16="http://schemas.microsoft.com/office/drawing/2014/main" id="{70C88513-638D-4C4B-88E7-D3E2CA46499E}"/>
               </a:ext>
             </a:extLst>
           </p:cNvPr>
-          <p:cNvGraphicFramePr>
-            <a:graphicFrameLocks noGrp="1"/>
-          </p:cNvGraphicFramePr>
-          <p:nvPr>
-            <p:extLst>
-              <p:ext uri="{D42A27DB-BD31-4B8C-83A1-F6EECF244321}">
-                <p14:modId xmlns:p14="http://schemas.microsoft.com/office/powerpoint/2010/main" val="2656455394"/>
-              </p:ext>
-            </p:extLst>
-          </p:nvPr>
-        </p:nvGraphicFramePr>
-        <p:xfrm>
-          <a:off x="1051564" y="2309446"/>
-          <a:ext cx="10645144" cy="2733148"/>
-        </p:xfrm>
-        <a:graphic>
-          <a:graphicData uri="http://schemas.openxmlformats.org/drawingml/2006/table">
-            <a:tbl>
-              <a:tblPr firstRow="1" bandRow="1">
-                <a:tableStyleId>{5C22544A-7EE6-4342-B048-85BDC9FD1C3A}</a:tableStyleId>
-              </a:tblPr>
-              <a:tblGrid>
-                <a:gridCol w="1211580">
-                  <a:extLst>
-                    <a:ext uri="{9D8B030D-6E8A-4147-A177-3AD203B41FA5}">
-                      <a16:colId xmlns:a16="http://schemas.microsoft.com/office/drawing/2014/main" val="2078863130"/>
-                    </a:ext>
-                  </a:extLst>
-                </a:gridCol>
-                <a:gridCol w="845820">
-                  <a:extLst>
-                    <a:ext uri="{9D8B030D-6E8A-4147-A177-3AD203B41FA5}">
-                      <a16:colId xmlns:a16="http://schemas.microsoft.com/office/drawing/2014/main" val="3621588296"/>
-                    </a:ext>
-                  </a:extLst>
-                </a:gridCol>
-                <a:gridCol w="906781">
-                  <a:extLst>
-                    <a:ext uri="{9D8B030D-6E8A-4147-A177-3AD203B41FA5}">
-                      <a16:colId xmlns:a16="http://schemas.microsoft.com/office/drawing/2014/main" val="4155945170"/>
-                    </a:ext>
-                  </a:extLst>
-                </a:gridCol>
-                <a:gridCol w="906780">
-                  <a:extLst>
-                    <a:ext uri="{9D8B030D-6E8A-4147-A177-3AD203B41FA5}">
-                      <a16:colId xmlns:a16="http://schemas.microsoft.com/office/drawing/2014/main" val="993797696"/>
-                    </a:ext>
-                  </a:extLst>
-                </a:gridCol>
-                <a:gridCol w="876301">
-                  <a:extLst>
-                    <a:ext uri="{9D8B030D-6E8A-4147-A177-3AD203B41FA5}">
-                      <a16:colId xmlns:a16="http://schemas.microsoft.com/office/drawing/2014/main" val="1765691710"/>
-                    </a:ext>
-                  </a:extLst>
-                </a:gridCol>
-                <a:gridCol w="1150620">
-                  <a:extLst>
-                    <a:ext uri="{9D8B030D-6E8A-4147-A177-3AD203B41FA5}">
-                      <a16:colId xmlns:a16="http://schemas.microsoft.com/office/drawing/2014/main" val="1250124610"/>
-                    </a:ext>
-                  </a:extLst>
-                </a:gridCol>
-                <a:gridCol w="1150621">
-                  <a:extLst>
-                    <a:ext uri="{9D8B030D-6E8A-4147-A177-3AD203B41FA5}">
-                      <a16:colId xmlns:a16="http://schemas.microsoft.com/office/drawing/2014/main" val="2692160144"/>
-                    </a:ext>
-                  </a:extLst>
-                </a:gridCol>
-                <a:gridCol w="952501">
-                  <a:extLst>
-                    <a:ext uri="{9D8B030D-6E8A-4147-A177-3AD203B41FA5}">
-                      <a16:colId xmlns:a16="http://schemas.microsoft.com/office/drawing/2014/main" val="1671396394"/>
-                    </a:ext>
-                  </a:extLst>
-                </a:gridCol>
-                <a:gridCol w="914400">
-                  <a:extLst>
-                    <a:ext uri="{9D8B030D-6E8A-4147-A177-3AD203B41FA5}">
-                      <a16:colId xmlns:a16="http://schemas.microsoft.com/office/drawing/2014/main" val="707221176"/>
-                    </a:ext>
-                  </a:extLst>
-                </a:gridCol>
-                <a:gridCol w="1729740">
-                  <a:extLst>
-                    <a:ext uri="{9D8B030D-6E8A-4147-A177-3AD203B41FA5}">
-                      <a16:colId xmlns:a16="http://schemas.microsoft.com/office/drawing/2014/main" val="3156725575"/>
-                    </a:ext>
-                  </a:extLst>
-                </a:gridCol>
-              </a:tblGrid>
-              <a:tr h="611367">
-                <a:tc>
-                  <a:txBody>
-                    <a:bodyPr/>
-                    <a:lstStyle/>
-                    <a:p>
-                      <a:pPr algn="l" fontAlgn="ctr"/>
-                      <a:endParaRPr lang="en-US" sz="2000" b="1" dirty="0">
-                        <a:effectLst/>
-                      </a:endParaRPr>
-                    </a:p>
-                  </a:txBody>
-                  <a:tcPr marL="21771" marR="21771" marT="21771" marB="21771" anchor="ctr"/>
-                </a:tc>
-                <a:tc gridSpan="7">
-                  <a:txBody>
-                    <a:bodyPr/>
-                    <a:lstStyle/>
-                    <a:p>
-                      <a:pPr algn="ctr" fontAlgn="ctr"/>
-                      <a:r>
-                        <a:rPr lang="en-US" sz="2000" dirty="0">
-                          <a:effectLst/>
-                        </a:rPr>
-                        <a:t>n-gram Comparison Evaluation</a:t>
-                      </a:r>
-                      <a:endParaRPr lang="en-US" sz="2000" b="1" dirty="0">
-                        <a:effectLst/>
-                      </a:endParaRPr>
-                    </a:p>
-                  </a:txBody>
-                  <a:tcPr marL="21771" marR="21771" marT="21771" marB="21771" anchor="ctr"/>
-                </a:tc>
-                <a:tc hMerge="1">
-                  <a:txBody>
-                    <a:bodyPr/>
-                    <a:lstStyle/>
-                    <a:p>
-                      <a:pPr algn="l" fontAlgn="ctr"/>
-                      <a:endParaRPr lang="en-US" b="1" dirty="0">
-                        <a:effectLst/>
-                      </a:endParaRPr>
-                    </a:p>
-                  </a:txBody>
-                  <a:tcPr marL="21771" marR="21771" marT="21771" marB="21771" anchor="ctr"/>
-                </a:tc>
-                <a:tc hMerge="1">
-                  <a:txBody>
-                    <a:bodyPr/>
-                    <a:lstStyle/>
-                    <a:p>
-                      <a:pPr algn="l" fontAlgn="ctr"/>
-                      <a:endParaRPr lang="en-US" b="1" dirty="0">
-                        <a:effectLst/>
-                      </a:endParaRPr>
-                    </a:p>
-                  </a:txBody>
-                  <a:tcPr marL="21771" marR="21771" marT="21771" marB="21771" anchor="ctr"/>
-                </a:tc>
-                <a:tc hMerge="1">
-                  <a:txBody>
-                    <a:bodyPr/>
-                    <a:lstStyle/>
-                    <a:p>
-                      <a:pPr algn="l" fontAlgn="ctr"/>
-                      <a:endParaRPr lang="en-US" b="1" dirty="0">
-                        <a:effectLst/>
-                      </a:endParaRPr>
-                    </a:p>
-                  </a:txBody>
-                  <a:tcPr marL="21771" marR="21771" marT="21771" marB="21771" anchor="ctr"/>
-                </a:tc>
-                <a:tc hMerge="1">
-                  <a:txBody>
-                    <a:bodyPr/>
-                    <a:lstStyle/>
-                    <a:p>
-                      <a:pPr algn="l" fontAlgn="ctr"/>
-                      <a:endParaRPr lang="en-US" b="1" dirty="0">
-                        <a:effectLst/>
-                      </a:endParaRPr>
-                    </a:p>
-                  </a:txBody>
-                  <a:tcPr marL="21771" marR="21771" marT="21771" marB="21771" anchor="ctr"/>
-                </a:tc>
-                <a:tc hMerge="1">
-                  <a:txBody>
-                    <a:bodyPr/>
-                    <a:lstStyle/>
-                    <a:p>
-                      <a:pPr algn="l" fontAlgn="ctr"/>
-                      <a:endParaRPr lang="en-US" b="1" dirty="0">
-                        <a:effectLst/>
-                      </a:endParaRPr>
-                    </a:p>
-                  </a:txBody>
-                  <a:tcPr marL="21771" marR="21771" marT="21771" marB="21771" anchor="ctr"/>
-                </a:tc>
-                <a:tc hMerge="1">
-                  <a:txBody>
-                    <a:bodyPr/>
-                    <a:lstStyle/>
-                    <a:p>
-                      <a:pPr algn="l" fontAlgn="ctr"/>
-                      <a:endParaRPr lang="en-US" b="1" dirty="0">
-                        <a:effectLst/>
-                      </a:endParaRPr>
-                    </a:p>
-                  </a:txBody>
-                  <a:tcPr marL="21771" marR="21771" marT="21771" marB="21771" anchor="ctr"/>
-                </a:tc>
-                <a:tc gridSpan="2">
-                  <a:txBody>
-                    <a:bodyPr/>
-                    <a:lstStyle/>
-                    <a:p>
-                      <a:pPr algn="ctr" fontAlgn="ctr"/>
-                      <a:r>
-                        <a:rPr lang="en-US" sz="2000" u="none" strike="noStrike" kern="1200" dirty="0">
-                          <a:effectLst/>
-                        </a:rPr>
-                        <a:t>Semantic</a:t>
-                      </a:r>
-                      <a:r>
-                        <a:rPr lang="en-US" sz="2000" dirty="0">
-                          <a:effectLst/>
-                        </a:rPr>
-                        <a:t> Evaluation</a:t>
-                      </a:r>
-                      <a:endParaRPr lang="en-US" sz="2000" b="1" dirty="0">
-                        <a:effectLst/>
-                      </a:endParaRPr>
-                    </a:p>
-                  </a:txBody>
-                  <a:tcPr marL="21771" marR="21771" marT="21771" marB="21771" anchor="ctr"/>
-                </a:tc>
-                <a:tc hMerge="1">
-                  <a:txBody>
-                    <a:bodyPr/>
-                    <a:lstStyle/>
-                    <a:p>
-                      <a:pPr algn="ctr" fontAlgn="ctr"/>
-                      <a:endParaRPr lang="en-US" sz="2000" b="1" dirty="0">
-                        <a:effectLst/>
-                      </a:endParaRPr>
-                    </a:p>
-                  </a:txBody>
-                  <a:tcPr marL="21771" marR="21771" marT="21771" marB="21771" anchor="ctr"/>
-                </a:tc>
-                <a:extLst>
-                  <a:ext uri="{0D108BD9-81ED-4DB2-BD59-A6C34878D82A}">
-                    <a16:rowId xmlns:a16="http://schemas.microsoft.com/office/drawing/2014/main" val="4135081847"/>
-                  </a:ext>
-                </a:extLst>
-              </a:tr>
-              <a:tr h="495656">
-                <a:tc>
-                  <a:txBody>
-                    <a:bodyPr/>
-                    <a:lstStyle/>
-                    <a:p>
-                      <a:pPr algn="ctr" fontAlgn="ctr"/>
-                      <a:r>
-                        <a:rPr lang="en-US" sz="2000" dirty="0">
-                          <a:effectLst/>
-                        </a:rPr>
-                        <a:t>MODEL</a:t>
-                      </a:r>
-                      <a:endParaRPr lang="en-US" sz="2000" b="1" dirty="0">
-                        <a:effectLst/>
-                      </a:endParaRPr>
-                    </a:p>
-                  </a:txBody>
-                  <a:tcPr marL="21771" marR="21771" marT="21771" marB="21771" anchor="ctr"/>
-                </a:tc>
-                <a:tc>
-                  <a:txBody>
-                    <a:bodyPr/>
-                    <a:lstStyle/>
-                    <a:p>
-                      <a:pPr algn="ctr" fontAlgn="ctr"/>
-                      <a:r>
-                        <a:rPr lang="en-US" sz="2000" dirty="0">
-                          <a:effectLst/>
-                        </a:rPr>
-                        <a:t>Bleu 1</a:t>
-                      </a:r>
-                      <a:endParaRPr lang="en-US" sz="2000" b="1" dirty="0">
-                        <a:effectLst/>
-                      </a:endParaRPr>
-                    </a:p>
-                  </a:txBody>
-                  <a:tcPr marL="21771" marR="21771" marT="21771" marB="21771" anchor="ctr"/>
-                </a:tc>
-                <a:tc>
-                  <a:txBody>
-                    <a:bodyPr/>
-                    <a:lstStyle/>
-                    <a:p>
-                      <a:pPr algn="ctr" fontAlgn="ctr"/>
-                      <a:r>
-                        <a:rPr lang="en-US" sz="2000" dirty="0">
-                          <a:effectLst/>
-                        </a:rPr>
-                        <a:t>Bleu 2</a:t>
-                      </a:r>
-                      <a:endParaRPr lang="en-US" sz="2000" b="1" dirty="0">
-                        <a:effectLst/>
-                      </a:endParaRPr>
-                    </a:p>
-                  </a:txBody>
-                  <a:tcPr marL="21771" marR="21771" marT="21771" marB="21771" anchor="ctr"/>
-                </a:tc>
-                <a:tc>
-                  <a:txBody>
-                    <a:bodyPr/>
-                    <a:lstStyle/>
-                    <a:p>
-                      <a:pPr algn="ctr" fontAlgn="ctr"/>
-                      <a:r>
-                        <a:rPr lang="en-US" sz="2000" dirty="0">
-                          <a:effectLst/>
-                        </a:rPr>
-                        <a:t>Bleu 3</a:t>
-                      </a:r>
-                      <a:endParaRPr lang="en-US" sz="2000" b="1" dirty="0">
-                        <a:effectLst/>
-                      </a:endParaRPr>
-                    </a:p>
-                  </a:txBody>
-                  <a:tcPr marL="21771" marR="21771" marT="21771" marB="21771" anchor="ctr"/>
-                </a:tc>
-                <a:tc>
-                  <a:txBody>
-                    <a:bodyPr/>
-                    <a:lstStyle/>
-                    <a:p>
-                      <a:pPr algn="ctr" fontAlgn="ctr"/>
-                      <a:r>
-                        <a:rPr lang="en-US" sz="2000" dirty="0">
-                          <a:effectLst/>
-                        </a:rPr>
-                        <a:t>Bleu 4</a:t>
-                      </a:r>
-                      <a:endParaRPr lang="en-US" sz="2000" b="1" dirty="0">
-                        <a:effectLst/>
-                      </a:endParaRPr>
-                    </a:p>
-                  </a:txBody>
-                  <a:tcPr marL="21771" marR="21771" marT="21771" marB="21771" anchor="ctr"/>
-                </a:tc>
-                <a:tc>
-                  <a:txBody>
-                    <a:bodyPr/>
-                    <a:lstStyle/>
-                    <a:p>
-                      <a:pPr algn="ctr" fontAlgn="ctr"/>
-                      <a:r>
-                        <a:rPr lang="en-US" sz="2000" dirty="0">
-                          <a:effectLst/>
-                        </a:rPr>
-                        <a:t>METEOR</a:t>
-                      </a:r>
-                      <a:endParaRPr lang="en-US" sz="2000" b="1" dirty="0">
-                        <a:effectLst/>
-                      </a:endParaRPr>
-                    </a:p>
-                  </a:txBody>
-                  <a:tcPr marL="21771" marR="21771" marT="21771" marB="21771" anchor="ctr"/>
-                </a:tc>
-                <a:tc>
-                  <a:txBody>
-                    <a:bodyPr/>
-                    <a:lstStyle/>
-                    <a:p>
-                      <a:pPr algn="ctr" fontAlgn="ctr"/>
-                      <a:r>
-                        <a:rPr lang="en-US" sz="2000" dirty="0">
-                          <a:effectLst/>
-                        </a:rPr>
-                        <a:t>ROUGE L</a:t>
-                      </a:r>
-                      <a:endParaRPr lang="en-US" sz="2000" b="1" dirty="0">
-                        <a:effectLst/>
-                      </a:endParaRPr>
-                    </a:p>
-                  </a:txBody>
-                  <a:tcPr marL="21771" marR="21771" marT="21771" marB="21771" anchor="ctr"/>
-                </a:tc>
-                <a:tc>
-                  <a:txBody>
-                    <a:bodyPr/>
-                    <a:lstStyle/>
-                    <a:p>
-                      <a:pPr algn="ctr" fontAlgn="ctr"/>
-                      <a:r>
-                        <a:rPr lang="en-US" sz="2000" dirty="0">
-                          <a:effectLst/>
-                        </a:rPr>
-                        <a:t>CIDEr</a:t>
-                      </a:r>
-                      <a:endParaRPr lang="en-US" sz="2000" b="1" dirty="0">
-                        <a:effectLst/>
-                      </a:endParaRPr>
-                    </a:p>
-                  </a:txBody>
-                  <a:tcPr marL="21771" marR="21771" marT="21771" marB="21771" anchor="ctr"/>
-                </a:tc>
-                <a:tc>
-                  <a:txBody>
-                    <a:bodyPr/>
-                    <a:lstStyle/>
-                    <a:p>
-                      <a:pPr algn="ctr" fontAlgn="ctr"/>
-                      <a:r>
-                        <a:rPr lang="en-US" sz="2000" dirty="0">
-                          <a:effectLst/>
-                        </a:rPr>
-                        <a:t>SPICE</a:t>
-                      </a:r>
-                      <a:endParaRPr lang="en-US" sz="2000" b="1" dirty="0">
-                        <a:effectLst/>
-                      </a:endParaRPr>
-                    </a:p>
-                  </a:txBody>
-                  <a:tcPr marL="21771" marR="21771" marT="21771" marB="21771" anchor="ctr"/>
-                </a:tc>
-                <a:tc>
-                  <a:txBody>
-                    <a:bodyPr/>
-                    <a:lstStyle/>
-                    <a:p>
-                      <a:pPr algn="ctr" fontAlgn="ctr"/>
-                      <a:r>
-                        <a:rPr lang="en-US" sz="2000" dirty="0">
-                          <a:effectLst/>
-                        </a:rPr>
-                        <a:t>USC Similarity</a:t>
-                      </a:r>
-                      <a:endParaRPr lang="en-US" sz="2000" b="1" dirty="0">
-                        <a:effectLst/>
-                      </a:endParaRPr>
-                    </a:p>
-                  </a:txBody>
-                  <a:tcPr marL="21771" marR="21771" marT="21771" marB="21771" anchor="ctr"/>
-                </a:tc>
-                <a:extLst>
-                  <a:ext uri="{0D108BD9-81ED-4DB2-BD59-A6C34878D82A}">
-                    <a16:rowId xmlns:a16="http://schemas.microsoft.com/office/drawing/2014/main" val="2072018098"/>
-                  </a:ext>
-                </a:extLst>
-              </a:tr>
-              <a:tr h="436073">
-                <a:tc>
-                  <a:txBody>
-                    <a:bodyPr/>
-                    <a:lstStyle/>
-                    <a:p>
-                      <a:pPr algn="ctr"/>
-                      <a:r>
-                        <a:rPr lang="en-US" sz="2000" dirty="0"/>
-                        <a:t>Baseline</a:t>
-                      </a:r>
-                    </a:p>
-                  </a:txBody>
-                  <a:tcPr/>
-                </a:tc>
-                <a:tc>
-                  <a:txBody>
-                    <a:bodyPr/>
-                    <a:lstStyle/>
-                    <a:p>
-                      <a:pPr algn="ctr" fontAlgn="ctr"/>
-                      <a:r>
-                        <a:rPr lang="en-US" sz="2000" dirty="0">
-                          <a:effectLst/>
-                        </a:rPr>
-                        <a:t>0.648</a:t>
-                      </a:r>
-                      <a:endParaRPr lang="en-US" sz="2000" b="1" dirty="0">
-                        <a:effectLst/>
-                      </a:endParaRPr>
-                    </a:p>
-                  </a:txBody>
-                  <a:tcPr marL="21771" marR="21771" marT="21771" marB="21771" anchor="ctr"/>
-                </a:tc>
-                <a:tc>
-                  <a:txBody>
-                    <a:bodyPr/>
-                    <a:lstStyle/>
-                    <a:p>
-                      <a:pPr algn="ctr" fontAlgn="ctr"/>
-                      <a:r>
-                        <a:rPr lang="en-US" sz="2000" dirty="0">
-                          <a:effectLst/>
-                        </a:rPr>
-                        <a:t>0.523</a:t>
-                      </a:r>
-                      <a:endParaRPr lang="en-US" sz="2000" b="1" dirty="0">
-                        <a:effectLst/>
-                      </a:endParaRPr>
-                    </a:p>
-                  </a:txBody>
-                  <a:tcPr marL="21771" marR="21771" marT="21771" marB="21771" anchor="ctr"/>
-                </a:tc>
-                <a:tc>
-                  <a:txBody>
-                    <a:bodyPr/>
-                    <a:lstStyle/>
-                    <a:p>
-                      <a:pPr algn="ctr" fontAlgn="ctr"/>
-                      <a:r>
-                        <a:rPr lang="en-US" sz="2000" dirty="0">
-                          <a:effectLst/>
-                        </a:rPr>
-                        <a:t>0.440</a:t>
-                      </a:r>
-                      <a:endParaRPr lang="en-US" sz="2000" b="1" dirty="0">
-                        <a:effectLst/>
-                      </a:endParaRPr>
-                    </a:p>
-                  </a:txBody>
-                  <a:tcPr marL="21771" marR="21771" marT="21771" marB="21771" anchor="ctr"/>
-                </a:tc>
-                <a:tc>
-                  <a:txBody>
-                    <a:bodyPr/>
-                    <a:lstStyle/>
-                    <a:p>
-                      <a:pPr algn="ctr" fontAlgn="ctr"/>
-                      <a:r>
-                        <a:rPr lang="en-US" sz="2000" dirty="0">
-                          <a:effectLst/>
-                        </a:rPr>
-                        <a:t>0.381</a:t>
-                      </a:r>
-                      <a:endParaRPr lang="en-US" sz="2000" b="1" dirty="0">
-                        <a:effectLst/>
-                      </a:endParaRPr>
-                    </a:p>
-                  </a:txBody>
-                  <a:tcPr marL="21771" marR="21771" marT="21771" marB="21771" anchor="ctr"/>
-                </a:tc>
-                <a:tc>
-                  <a:txBody>
-                    <a:bodyPr/>
-                    <a:lstStyle/>
-                    <a:p>
-                      <a:pPr algn="ctr" fontAlgn="ctr"/>
-                      <a:r>
-                        <a:rPr lang="en-US" sz="2000" dirty="0">
-                          <a:effectLst/>
-                        </a:rPr>
-                        <a:t>0.300</a:t>
-                      </a:r>
-                      <a:endParaRPr lang="en-US" sz="2000" b="1" dirty="0">
-                        <a:effectLst/>
-                      </a:endParaRPr>
-                    </a:p>
-                  </a:txBody>
-                  <a:tcPr marL="21771" marR="21771" marT="21771" marB="21771" anchor="ctr"/>
-                </a:tc>
-                <a:tc>
-                  <a:txBody>
-                    <a:bodyPr/>
-                    <a:lstStyle/>
-                    <a:p>
-                      <a:pPr algn="ctr" fontAlgn="ctr"/>
-                      <a:r>
-                        <a:rPr lang="en-US" sz="2000" dirty="0">
-                          <a:effectLst/>
-                        </a:rPr>
-                        <a:t>0.553</a:t>
-                      </a:r>
-                      <a:endParaRPr lang="en-US" sz="2000" b="1" dirty="0">
-                        <a:effectLst/>
-                      </a:endParaRPr>
-                    </a:p>
-                  </a:txBody>
-                  <a:tcPr marL="21771" marR="21771" marT="21771" marB="21771" anchor="ctr"/>
-                </a:tc>
-                <a:tc>
-                  <a:txBody>
-                    <a:bodyPr/>
-                    <a:lstStyle/>
-                    <a:p>
-                      <a:pPr algn="ctr" fontAlgn="ctr"/>
-                      <a:r>
-                        <a:rPr lang="en-US" sz="2000" dirty="0">
-                          <a:effectLst/>
-                        </a:rPr>
-                        <a:t>2.125</a:t>
-                      </a:r>
-                      <a:endParaRPr lang="en-US" sz="2000" b="1" dirty="0">
-                        <a:effectLst/>
-                      </a:endParaRPr>
-                    </a:p>
-                  </a:txBody>
-                  <a:tcPr marL="21771" marR="21771" marT="21771" marB="21771" anchor="ctr"/>
-                </a:tc>
-                <a:tc>
-                  <a:txBody>
-                    <a:bodyPr/>
-                    <a:lstStyle/>
-                    <a:p>
-                      <a:pPr algn="ctr" fontAlgn="ctr"/>
-                      <a:r>
-                        <a:rPr lang="en-US" sz="2000" dirty="0">
-                          <a:effectLst/>
-                        </a:rPr>
-                        <a:t>0.400</a:t>
-                      </a:r>
-                      <a:endParaRPr lang="en-US" sz="2000" b="1" dirty="0">
-                        <a:effectLst/>
-                      </a:endParaRPr>
-                    </a:p>
-                  </a:txBody>
-                  <a:tcPr marL="21771" marR="21771" marT="21771" marB="21771" anchor="ctr"/>
-                </a:tc>
-                <a:tc>
-                  <a:txBody>
-                    <a:bodyPr/>
-                    <a:lstStyle/>
-                    <a:p>
-                      <a:pPr algn="ctr" fontAlgn="ctr"/>
-                      <a:r>
-                        <a:rPr lang="en-US" sz="2000" dirty="0">
-                          <a:effectLst/>
-                        </a:rPr>
-                        <a:t>0.612</a:t>
-                      </a:r>
-                      <a:endParaRPr lang="en-US" sz="2000" b="1" dirty="0">
-                        <a:effectLst/>
-                      </a:endParaRPr>
-                    </a:p>
-                  </a:txBody>
-                  <a:tcPr marL="21771" marR="21771" marT="21771" marB="21771" anchor="ctr"/>
-                </a:tc>
-                <a:extLst>
-                  <a:ext uri="{0D108BD9-81ED-4DB2-BD59-A6C34878D82A}">
-                    <a16:rowId xmlns:a16="http://schemas.microsoft.com/office/drawing/2014/main" val="2426048346"/>
-                  </a:ext>
-                </a:extLst>
-              </a:tr>
-              <a:tr h="489012">
-                <a:tc>
-                  <a:txBody>
-                    <a:bodyPr/>
-                    <a:lstStyle/>
-                    <a:p>
-                      <a:pPr algn="ctr"/>
-                      <a:r>
-                        <a:rPr lang="en-US" sz="2000" dirty="0"/>
-                        <a:t>Attention</a:t>
-                      </a:r>
-                    </a:p>
-                  </a:txBody>
-                  <a:tcPr/>
-                </a:tc>
-                <a:tc>
-                  <a:txBody>
-                    <a:bodyPr/>
-                    <a:lstStyle/>
-                    <a:p>
-                      <a:pPr algn="ctr" fontAlgn="ctr"/>
-                      <a:r>
-                        <a:rPr lang="en-US" sz="2000" dirty="0">
-                          <a:effectLst/>
-                        </a:rPr>
-                        <a:t>0.572</a:t>
-                      </a:r>
-                    </a:p>
-                  </a:txBody>
-                  <a:tcPr marL="21771" marR="21771" marT="21771" marB="21771" anchor="ctr"/>
-                </a:tc>
-                <a:tc>
-                  <a:txBody>
-                    <a:bodyPr/>
-                    <a:lstStyle/>
-                    <a:p>
-                      <a:pPr algn="ctr" fontAlgn="ctr"/>
-                      <a:r>
-                        <a:rPr lang="en-US" sz="2000" dirty="0">
-                          <a:effectLst/>
-                        </a:rPr>
-                        <a:t>0.435</a:t>
-                      </a:r>
-                    </a:p>
-                  </a:txBody>
-                  <a:tcPr marL="21771" marR="21771" marT="21771" marB="21771" anchor="ctr"/>
-                </a:tc>
-                <a:tc>
-                  <a:txBody>
-                    <a:bodyPr/>
-                    <a:lstStyle/>
-                    <a:p>
-                      <a:pPr algn="ctr" fontAlgn="ctr"/>
-                      <a:r>
-                        <a:rPr lang="en-US" sz="2000" dirty="0">
-                          <a:effectLst/>
-                        </a:rPr>
-                        <a:t>0.351</a:t>
-                      </a:r>
-                    </a:p>
-                  </a:txBody>
-                  <a:tcPr marL="21771" marR="21771" marT="21771" marB="21771" anchor="ctr"/>
-                </a:tc>
-                <a:tc>
-                  <a:txBody>
-                    <a:bodyPr/>
-                    <a:lstStyle/>
-                    <a:p>
-                      <a:pPr algn="ctr" fontAlgn="ctr"/>
-                      <a:r>
-                        <a:rPr lang="en-US" sz="2000" dirty="0">
-                          <a:effectLst/>
-                        </a:rPr>
-                        <a:t>0.294</a:t>
-                      </a:r>
-                    </a:p>
-                  </a:txBody>
-                  <a:tcPr marL="21771" marR="21771" marT="21771" marB="21771" anchor="ctr"/>
-                </a:tc>
-                <a:tc>
-                  <a:txBody>
-                    <a:bodyPr/>
-                    <a:lstStyle/>
-                    <a:p>
-                      <a:pPr algn="ctr" fontAlgn="ctr"/>
-                      <a:r>
-                        <a:rPr lang="en-US" sz="2000" dirty="0">
-                          <a:effectLst/>
-                        </a:rPr>
-                        <a:t>0.256</a:t>
-                      </a:r>
-                    </a:p>
-                  </a:txBody>
-                  <a:tcPr marL="21771" marR="21771" marT="21771" marB="21771" anchor="ctr"/>
-                </a:tc>
-                <a:tc>
-                  <a:txBody>
-                    <a:bodyPr/>
-                    <a:lstStyle/>
-                    <a:p>
-                      <a:pPr algn="ctr" fontAlgn="ctr"/>
-                      <a:r>
-                        <a:rPr lang="en-US" sz="2000" dirty="0">
-                          <a:effectLst/>
-                        </a:rPr>
-                        <a:t>0.473</a:t>
-                      </a:r>
-                    </a:p>
-                  </a:txBody>
-                  <a:tcPr marL="21771" marR="21771" marT="21771" marB="21771" anchor="ctr"/>
-                </a:tc>
-                <a:tc>
-                  <a:txBody>
-                    <a:bodyPr/>
-                    <a:lstStyle/>
-                    <a:p>
-                      <a:pPr algn="ctr" fontAlgn="ctr"/>
-                      <a:r>
-                        <a:rPr lang="en-US" sz="2000" dirty="0">
-                          <a:effectLst/>
-                        </a:rPr>
-                        <a:t>1.540</a:t>
-                      </a:r>
-                    </a:p>
-                  </a:txBody>
-                  <a:tcPr marL="21771" marR="21771" marT="21771" marB="21771" anchor="ctr"/>
-                </a:tc>
-                <a:tc>
-                  <a:txBody>
-                    <a:bodyPr/>
-                    <a:lstStyle/>
-                    <a:p>
-                      <a:pPr algn="ctr" fontAlgn="ctr"/>
-                      <a:r>
-                        <a:rPr lang="en-US" sz="2000" dirty="0">
-                          <a:effectLst/>
-                        </a:rPr>
-                        <a:t>0.324</a:t>
-                      </a:r>
-                    </a:p>
-                  </a:txBody>
-                  <a:tcPr marL="21771" marR="21771" marT="21771" marB="21771" anchor="ctr"/>
-                </a:tc>
-                <a:tc>
-                  <a:txBody>
-                    <a:bodyPr/>
-                    <a:lstStyle/>
-                    <a:p>
-                      <a:pPr algn="ctr" fontAlgn="ctr"/>
-                      <a:r>
-                        <a:rPr lang="en-US" sz="2000" dirty="0">
-                          <a:effectLst/>
-                        </a:rPr>
-                        <a:t>0.550</a:t>
-                      </a:r>
-                    </a:p>
-                  </a:txBody>
-                  <a:tcPr marL="21771" marR="21771" marT="21771" marB="21771" anchor="ctr"/>
-                </a:tc>
-                <a:extLst>
-                  <a:ext uri="{0D108BD9-81ED-4DB2-BD59-A6C34878D82A}">
-                    <a16:rowId xmlns:a16="http://schemas.microsoft.com/office/drawing/2014/main" val="2915559009"/>
-                  </a:ext>
-                </a:extLst>
-              </a:tr>
-              <a:tr h="370840">
-                <a:tc>
-                  <a:txBody>
-                    <a:bodyPr/>
-                    <a:lstStyle/>
-                    <a:p>
-                      <a:pPr algn="ctr"/>
-                      <a:r>
-                        <a:rPr lang="en-US" sz="2000" dirty="0"/>
-                        <a:t>Multi-Attention</a:t>
-                      </a:r>
-                    </a:p>
-                  </a:txBody>
-                  <a:tcPr/>
-                </a:tc>
-                <a:tc>
-                  <a:txBody>
-                    <a:bodyPr/>
-                    <a:lstStyle/>
-                    <a:p>
-                      <a:pPr algn="ctr" fontAlgn="ctr"/>
-                      <a:r>
-                        <a:rPr lang="en-US" sz="2000" dirty="0">
-                          <a:effectLst/>
-                        </a:rPr>
-                        <a:t>0.593</a:t>
-                      </a:r>
-                    </a:p>
-                  </a:txBody>
-                  <a:tcPr marL="21771" marR="21771" marT="21771" marB="21771" anchor="ctr"/>
-                </a:tc>
-                <a:tc>
-                  <a:txBody>
-                    <a:bodyPr/>
-                    <a:lstStyle/>
-                    <a:p>
-                      <a:pPr algn="ctr" fontAlgn="ctr"/>
-                      <a:r>
-                        <a:rPr lang="en-US" sz="2000" dirty="0">
-                          <a:effectLst/>
-                        </a:rPr>
-                        <a:t>0.463</a:t>
-                      </a:r>
-                    </a:p>
-                  </a:txBody>
-                  <a:tcPr marL="21771" marR="21771" marT="21771" marB="21771" anchor="ctr"/>
-                </a:tc>
-                <a:tc>
-                  <a:txBody>
-                    <a:bodyPr/>
-                    <a:lstStyle/>
-                    <a:p>
-                      <a:pPr algn="ctr" fontAlgn="ctr"/>
-                      <a:r>
-                        <a:rPr lang="en-US" sz="2000" dirty="0">
-                          <a:effectLst/>
-                        </a:rPr>
-                        <a:t>0.340</a:t>
-                      </a:r>
-                    </a:p>
-                  </a:txBody>
-                  <a:tcPr marL="21771" marR="21771" marT="21771" marB="21771" anchor="ctr"/>
-                </a:tc>
-                <a:tc>
-                  <a:txBody>
-                    <a:bodyPr/>
-                    <a:lstStyle/>
-                    <a:p>
-                      <a:pPr algn="ctr" fontAlgn="ctr"/>
-                      <a:r>
-                        <a:rPr lang="en-US" sz="2000" dirty="0">
-                          <a:effectLst/>
-                        </a:rPr>
-                        <a:t>0.321</a:t>
-                      </a:r>
-                    </a:p>
-                  </a:txBody>
-                  <a:tcPr marL="21771" marR="21771" marT="21771" marB="21771" anchor="ctr"/>
-                </a:tc>
-                <a:tc>
-                  <a:txBody>
-                    <a:bodyPr/>
-                    <a:lstStyle/>
-                    <a:p>
-                      <a:pPr algn="ctr" fontAlgn="ctr"/>
-                      <a:r>
-                        <a:rPr lang="en-US" sz="2000" dirty="0">
-                          <a:effectLst/>
-                        </a:rPr>
-                        <a:t>0.271</a:t>
-                      </a:r>
-                    </a:p>
-                  </a:txBody>
-                  <a:tcPr marL="21771" marR="21771" marT="21771" marB="21771" anchor="ctr"/>
-                </a:tc>
-                <a:tc>
-                  <a:txBody>
-                    <a:bodyPr/>
-                    <a:lstStyle/>
-                    <a:p>
-                      <a:pPr algn="ctr" fontAlgn="ctr"/>
-                      <a:r>
-                        <a:rPr lang="en-US" sz="2000" dirty="0">
-                          <a:effectLst/>
-                        </a:rPr>
-                        <a:t>0.498</a:t>
-                      </a:r>
-                    </a:p>
-                  </a:txBody>
-                  <a:tcPr marL="21771" marR="21771" marT="21771" marB="21771" anchor="ctr"/>
-                </a:tc>
-                <a:tc>
-                  <a:txBody>
-                    <a:bodyPr/>
-                    <a:lstStyle/>
-                    <a:p>
-                      <a:pPr algn="ctr" fontAlgn="ctr"/>
-                      <a:r>
-                        <a:rPr lang="en-US" sz="2000" dirty="0">
-                          <a:effectLst/>
-                        </a:rPr>
-                        <a:t>1.738</a:t>
-                      </a:r>
-                    </a:p>
-                  </a:txBody>
-                  <a:tcPr marL="21771" marR="21771" marT="21771" marB="21771" anchor="ctr"/>
-                </a:tc>
-                <a:tc>
-                  <a:txBody>
-                    <a:bodyPr/>
-                    <a:lstStyle/>
-                    <a:p>
-                      <a:pPr algn="ctr" fontAlgn="ctr"/>
-                      <a:r>
-                        <a:rPr lang="en-US" sz="2000" dirty="0">
-                          <a:effectLst/>
-                        </a:rPr>
-                        <a:t>0.345</a:t>
-                      </a:r>
-                    </a:p>
-                  </a:txBody>
-                  <a:tcPr marL="21771" marR="21771" marT="21771" marB="21771" anchor="ctr"/>
-                </a:tc>
-                <a:tc>
-                  <a:txBody>
-                    <a:bodyPr/>
-                    <a:lstStyle/>
-                    <a:p>
-                      <a:pPr algn="ctr" fontAlgn="ctr"/>
-                      <a:r>
-                        <a:rPr lang="en-US" sz="2000" dirty="0">
-                          <a:effectLst/>
-                        </a:rPr>
-                        <a:t>0.583</a:t>
-                      </a:r>
-                    </a:p>
-                  </a:txBody>
-                  <a:tcPr marL="21771" marR="21771" marT="21771" marB="21771" anchor="ctr"/>
-                </a:tc>
-                <a:extLst>
-                  <a:ext uri="{0D108BD9-81ED-4DB2-BD59-A6C34878D82A}">
-                    <a16:rowId xmlns:a16="http://schemas.microsoft.com/office/drawing/2014/main" val="2467148437"/>
-                  </a:ext>
-                </a:extLst>
-              </a:tr>
-            </a:tbl>
-          </a:graphicData>
-        </a:graphic>
-      </p:graphicFrame>
+          <p:cNvPicPr>
+            <a:picLocks noChangeAspect="1"/>
+          </p:cNvPicPr>
+          <p:nvPr/>
+        </p:nvPicPr>
+        <p:blipFill>
+          <a:blip r:embed="rId2"/>
+          <a:stretch>
+            <a:fillRect/>
+          </a:stretch>
+        </p:blipFill>
+        <p:spPr>
+          <a:xfrm>
+            <a:off x="4908224" y="1480816"/>
+            <a:ext cx="6704906" cy="4191335"/>
+          </a:xfrm>
+          <a:prstGeom prst="rect">
+            <a:avLst/>
+          </a:prstGeom>
+        </p:spPr>
+      </p:pic>
     </p:spTree>
     <p:extLst>
       <p:ext uri="{BB962C8B-B14F-4D97-AF65-F5344CB8AC3E}">
-        <p14:creationId xmlns:p14="http://schemas.microsoft.com/office/powerpoint/2010/main" val="1676487083"/>
+        <p14:creationId xmlns:p14="http://schemas.microsoft.com/office/powerpoint/2010/main" val="3009043558"/>
       </p:ext>
     </p:extLst>
   </p:cSld>
@@ -8102,7 +7214,7 @@
           <p:cNvPr id="5" name="Footer Placeholder 4">
             <a:extLst>
               <a:ext uri="{FF2B5EF4-FFF2-40B4-BE49-F238E27FC236}">
-                <a16:creationId xmlns:a16="http://schemas.microsoft.com/office/drawing/2014/main" id="{4588D238-E86C-4146-AB2A-0834022F788A}"/>
+                <a16:creationId xmlns:a16="http://schemas.microsoft.com/office/drawing/2014/main" id="{D9C9D3CC-B95D-9541-A8DC-E0FADFB5C819}"/>
               </a:ext>
             </a:extLst>
           </p:cNvPr>
@@ -8141,7 +7253,7 @@
           <p:cNvPr id="6" name="Title 1">
             <a:extLst>
               <a:ext uri="{FF2B5EF4-FFF2-40B4-BE49-F238E27FC236}">
-                <a16:creationId xmlns:a16="http://schemas.microsoft.com/office/drawing/2014/main" id="{79AD9F70-3C92-FC44-916B-D40CEEAA523D}"/>
+                <a16:creationId xmlns:a16="http://schemas.microsoft.com/office/drawing/2014/main" id="{42EC2929-4B37-EB41-8EAE-566B58505BEB}"/>
               </a:ext>
             </a:extLst>
           </p:cNvPr>
@@ -8154,8 +7266,8 @@
         </p:nvSpPr>
         <p:spPr>
           <a:xfrm>
-            <a:off x="1121312" y="330045"/>
-            <a:ext cx="11005916" cy="1325563"/>
+            <a:off x="1178169" y="376848"/>
+            <a:ext cx="10515600" cy="1325563"/>
           </a:xfrm>
         </p:spPr>
         <p:txBody>
@@ -8165,14 +7277,9 @@
           <a:lstStyle/>
           <a:p>
             <a:r>
-              <a:rPr lang="en-US" sz="3600" b="1" dirty="0">
-                <a:solidFill>
-                  <a:prstClr val="black"/>
-                </a:solidFill>
-              </a:rPr>
-              <a:t>Evaluation scores from the best model of each structure</a:t>
-            </a:r>
-            <a:endParaRPr lang="en-US" sz="3600" b="1" dirty="0"/>
+              <a:rPr lang="en-US" sz="3600" b="1" dirty="0"/>
+              <a:t>Other considerations</a:t>
+            </a:r>
           </a:p>
         </p:txBody>
       </p:sp>
@@ -8181,7 +7288,7 @@
           <p:cNvPr id="7" name="TextBox 6">
             <a:extLst>
               <a:ext uri="{FF2B5EF4-FFF2-40B4-BE49-F238E27FC236}">
-                <a16:creationId xmlns:a16="http://schemas.microsoft.com/office/drawing/2014/main" id="{F1B81E3C-A6FF-4346-92A6-F2077641832B}"/>
+                <a16:creationId xmlns:a16="http://schemas.microsoft.com/office/drawing/2014/main" id="{13809B36-38A7-7148-AD57-CB8286A826A9}"/>
               </a:ext>
             </a:extLst>
           </p:cNvPr>
@@ -8190,8 +7297,8 @@
         </p:nvSpPr>
         <p:spPr>
           <a:xfrm>
-            <a:off x="1121312" y="1875847"/>
-            <a:ext cx="7107202" cy="492443"/>
+            <a:off x="1178169" y="1702411"/>
+            <a:ext cx="10587111" cy="1692771"/>
           </a:xfrm>
           <a:prstGeom prst="rect">
             <a:avLst/>
@@ -8199,1045 +7306,43 @@
           <a:noFill/>
         </p:spPr>
         <p:txBody>
-          <a:bodyPr wrap="none" rtlCol="0">
+          <a:bodyPr wrap="square" rtlCol="0">
             <a:spAutoFit/>
           </a:bodyPr>
           <a:lstStyle/>
           <a:p>
+            <a:pPr marL="342900" indent="-342900">
+              <a:buAutoNum type="arabicPeriod"/>
+            </a:pPr>
             <a:r>
               <a:rPr lang="en-US" sz="2600" dirty="0"/>
-              <a:t>Test data and train data are from </a:t>
-            </a:r>
-            <a:r>
-              <a:rPr lang="en-US" sz="2600" b="1" dirty="0"/>
-              <a:t>different</a:t>
-            </a:r>
+              <a:t>CNN models learned from scratch</a:t>
+            </a:r>
+          </a:p>
+          <a:p>
+            <a:pPr marL="342900" indent="-342900">
+              <a:buAutoNum type="arabicPeriod"/>
+            </a:pPr>
+            <a:endParaRPr lang="en-US" sz="2600" dirty="0"/>
+          </a:p>
+          <a:p>
+            <a:pPr marL="342900" indent="-342900">
+              <a:buAutoNum type="arabicPeriod"/>
+            </a:pPr>
             <a:r>
               <a:rPr lang="en-US" sz="2600" dirty="0"/>
-              <a:t> datasets</a:t>
-            </a:r>
-          </a:p>
-        </p:txBody>
-      </p:sp>
-      <p:sp>
-        <p:nvSpPr>
-          <p:cNvPr id="8" name="TextBox 7">
-            <a:extLst>
-              <a:ext uri="{FF2B5EF4-FFF2-40B4-BE49-F238E27FC236}">
-                <a16:creationId xmlns:a16="http://schemas.microsoft.com/office/drawing/2014/main" id="{13AC1009-D7F3-E74B-8E01-EC694A547454}"/>
-              </a:ext>
-            </a:extLst>
-          </p:cNvPr>
-          <p:cNvSpPr txBox="1"/>
-          <p:nvPr/>
-        </p:nvSpPr>
-        <p:spPr>
-          <a:xfrm>
-            <a:off x="1121312" y="1273284"/>
-            <a:ext cx="4221990" cy="492443"/>
-          </a:xfrm>
-          <a:prstGeom prst="rect">
-            <a:avLst/>
-          </a:prstGeom>
-          <a:noFill/>
-        </p:spPr>
-        <p:txBody>
-          <a:bodyPr wrap="none" rtlCol="0">
-            <a:spAutoFit/>
-          </a:bodyPr>
-          <a:lstStyle/>
-          <a:p>
-            <a:r>
-              <a:rPr lang="en-US" sz="2600" b="1" dirty="0"/>
-              <a:t>Testing Model Generalization</a:t>
-            </a:r>
-          </a:p>
-        </p:txBody>
-      </p:sp>
-      <p:graphicFrame>
-        <p:nvGraphicFramePr>
-          <p:cNvPr id="9" name="Table 3">
-            <a:extLst>
-              <a:ext uri="{FF2B5EF4-FFF2-40B4-BE49-F238E27FC236}">
-                <a16:creationId xmlns:a16="http://schemas.microsoft.com/office/drawing/2014/main" id="{CE8EC28B-38E6-F24C-893A-E695D2797071}"/>
-              </a:ext>
-            </a:extLst>
-          </p:cNvPr>
-          <p:cNvGraphicFramePr>
-            <a:graphicFrameLocks noGrp="1"/>
-          </p:cNvGraphicFramePr>
-          <p:nvPr>
-            <p:extLst>
-              <p:ext uri="{D42A27DB-BD31-4B8C-83A1-F6EECF244321}">
-                <p14:modId xmlns:p14="http://schemas.microsoft.com/office/powerpoint/2010/main" val="206319611"/>
-              </p:ext>
-            </p:extLst>
-          </p:nvPr>
-        </p:nvGraphicFramePr>
-        <p:xfrm>
-          <a:off x="1060352" y="2588529"/>
-          <a:ext cx="10645144" cy="2792149"/>
-        </p:xfrm>
-        <a:graphic>
-          <a:graphicData uri="http://schemas.openxmlformats.org/drawingml/2006/table">
-            <a:tbl>
-              <a:tblPr firstRow="1" bandRow="1">
-                <a:tableStyleId>{5C22544A-7EE6-4342-B048-85BDC9FD1C3A}</a:tableStyleId>
-              </a:tblPr>
-              <a:tblGrid>
-                <a:gridCol w="1211580">
-                  <a:extLst>
-                    <a:ext uri="{9D8B030D-6E8A-4147-A177-3AD203B41FA5}">
-                      <a16:colId xmlns:a16="http://schemas.microsoft.com/office/drawing/2014/main" val="2078863130"/>
-                    </a:ext>
-                  </a:extLst>
-                </a:gridCol>
-                <a:gridCol w="845820">
-                  <a:extLst>
-                    <a:ext uri="{9D8B030D-6E8A-4147-A177-3AD203B41FA5}">
-                      <a16:colId xmlns:a16="http://schemas.microsoft.com/office/drawing/2014/main" val="3621588296"/>
-                    </a:ext>
-                  </a:extLst>
-                </a:gridCol>
-                <a:gridCol w="906781">
-                  <a:extLst>
-                    <a:ext uri="{9D8B030D-6E8A-4147-A177-3AD203B41FA5}">
-                      <a16:colId xmlns:a16="http://schemas.microsoft.com/office/drawing/2014/main" val="4155945170"/>
-                    </a:ext>
-                  </a:extLst>
-                </a:gridCol>
-                <a:gridCol w="906780">
-                  <a:extLst>
-                    <a:ext uri="{9D8B030D-6E8A-4147-A177-3AD203B41FA5}">
-                      <a16:colId xmlns:a16="http://schemas.microsoft.com/office/drawing/2014/main" val="993797696"/>
-                    </a:ext>
-                  </a:extLst>
-                </a:gridCol>
-                <a:gridCol w="876301">
-                  <a:extLst>
-                    <a:ext uri="{9D8B030D-6E8A-4147-A177-3AD203B41FA5}">
-                      <a16:colId xmlns:a16="http://schemas.microsoft.com/office/drawing/2014/main" val="1765691710"/>
-                    </a:ext>
-                  </a:extLst>
-                </a:gridCol>
-                <a:gridCol w="1150620">
-                  <a:extLst>
-                    <a:ext uri="{9D8B030D-6E8A-4147-A177-3AD203B41FA5}">
-                      <a16:colId xmlns:a16="http://schemas.microsoft.com/office/drawing/2014/main" val="1250124610"/>
-                    </a:ext>
-                  </a:extLst>
-                </a:gridCol>
-                <a:gridCol w="1150621">
-                  <a:extLst>
-                    <a:ext uri="{9D8B030D-6E8A-4147-A177-3AD203B41FA5}">
-                      <a16:colId xmlns:a16="http://schemas.microsoft.com/office/drawing/2014/main" val="2692160144"/>
-                    </a:ext>
-                  </a:extLst>
-                </a:gridCol>
-                <a:gridCol w="952501">
-                  <a:extLst>
-                    <a:ext uri="{9D8B030D-6E8A-4147-A177-3AD203B41FA5}">
-                      <a16:colId xmlns:a16="http://schemas.microsoft.com/office/drawing/2014/main" val="1671396394"/>
-                    </a:ext>
-                  </a:extLst>
-                </a:gridCol>
-                <a:gridCol w="914400">
-                  <a:extLst>
-                    <a:ext uri="{9D8B030D-6E8A-4147-A177-3AD203B41FA5}">
-                      <a16:colId xmlns:a16="http://schemas.microsoft.com/office/drawing/2014/main" val="707221176"/>
-                    </a:ext>
-                  </a:extLst>
-                </a:gridCol>
-                <a:gridCol w="1729740">
-                  <a:extLst>
-                    <a:ext uri="{9D8B030D-6E8A-4147-A177-3AD203B41FA5}">
-                      <a16:colId xmlns:a16="http://schemas.microsoft.com/office/drawing/2014/main" val="3156725575"/>
-                    </a:ext>
-                  </a:extLst>
-                </a:gridCol>
-              </a:tblGrid>
-              <a:tr h="670368">
-                <a:tc>
-                  <a:txBody>
-                    <a:bodyPr/>
-                    <a:lstStyle/>
-                    <a:p>
-                      <a:pPr algn="l" fontAlgn="ctr"/>
-                      <a:endParaRPr lang="en-US" sz="2000" b="1" dirty="0">
-                        <a:effectLst/>
-                      </a:endParaRPr>
-                    </a:p>
-                  </a:txBody>
-                  <a:tcPr marL="21771" marR="21771" marT="21771" marB="21771" anchor="ctr"/>
-                </a:tc>
-                <a:tc gridSpan="7">
-                  <a:txBody>
-                    <a:bodyPr/>
-                    <a:lstStyle/>
-                    <a:p>
-                      <a:pPr algn="ctr" fontAlgn="ctr"/>
-                      <a:r>
-                        <a:rPr lang="en-US" sz="2000" dirty="0">
-                          <a:effectLst/>
-                        </a:rPr>
-                        <a:t>n-gram Comparison Evaluation</a:t>
-                      </a:r>
-                      <a:endParaRPr lang="en-US" sz="2000" b="1" dirty="0">
-                        <a:effectLst/>
-                      </a:endParaRPr>
-                    </a:p>
-                  </a:txBody>
-                  <a:tcPr marL="21771" marR="21771" marT="21771" marB="21771" anchor="ctr"/>
-                </a:tc>
-                <a:tc hMerge="1">
-                  <a:txBody>
-                    <a:bodyPr/>
-                    <a:lstStyle/>
-                    <a:p>
-                      <a:pPr algn="l" fontAlgn="ctr"/>
-                      <a:endParaRPr lang="en-US" b="1" dirty="0">
-                        <a:effectLst/>
-                      </a:endParaRPr>
-                    </a:p>
-                  </a:txBody>
-                  <a:tcPr marL="21771" marR="21771" marT="21771" marB="21771" anchor="ctr"/>
-                </a:tc>
-                <a:tc hMerge="1">
-                  <a:txBody>
-                    <a:bodyPr/>
-                    <a:lstStyle/>
-                    <a:p>
-                      <a:pPr algn="l" fontAlgn="ctr"/>
-                      <a:endParaRPr lang="en-US" b="1" dirty="0">
-                        <a:effectLst/>
-                      </a:endParaRPr>
-                    </a:p>
-                  </a:txBody>
-                  <a:tcPr marL="21771" marR="21771" marT="21771" marB="21771" anchor="ctr"/>
-                </a:tc>
-                <a:tc hMerge="1">
-                  <a:txBody>
-                    <a:bodyPr/>
-                    <a:lstStyle/>
-                    <a:p>
-                      <a:pPr algn="l" fontAlgn="ctr"/>
-                      <a:endParaRPr lang="en-US" b="1" dirty="0">
-                        <a:effectLst/>
-                      </a:endParaRPr>
-                    </a:p>
-                  </a:txBody>
-                  <a:tcPr marL="21771" marR="21771" marT="21771" marB="21771" anchor="ctr"/>
-                </a:tc>
-                <a:tc hMerge="1">
-                  <a:txBody>
-                    <a:bodyPr/>
-                    <a:lstStyle/>
-                    <a:p>
-                      <a:pPr algn="l" fontAlgn="ctr"/>
-                      <a:endParaRPr lang="en-US" b="1" dirty="0">
-                        <a:effectLst/>
-                      </a:endParaRPr>
-                    </a:p>
-                  </a:txBody>
-                  <a:tcPr marL="21771" marR="21771" marT="21771" marB="21771" anchor="ctr"/>
-                </a:tc>
-                <a:tc hMerge="1">
-                  <a:txBody>
-                    <a:bodyPr/>
-                    <a:lstStyle/>
-                    <a:p>
-                      <a:pPr algn="l" fontAlgn="ctr"/>
-                      <a:endParaRPr lang="en-US" b="1" dirty="0">
-                        <a:effectLst/>
-                      </a:endParaRPr>
-                    </a:p>
-                  </a:txBody>
-                  <a:tcPr marL="21771" marR="21771" marT="21771" marB="21771" anchor="ctr"/>
-                </a:tc>
-                <a:tc hMerge="1">
-                  <a:txBody>
-                    <a:bodyPr/>
-                    <a:lstStyle/>
-                    <a:p>
-                      <a:pPr algn="l" fontAlgn="ctr"/>
-                      <a:endParaRPr lang="en-US" b="1" dirty="0">
-                        <a:effectLst/>
-                      </a:endParaRPr>
-                    </a:p>
-                  </a:txBody>
-                  <a:tcPr marL="21771" marR="21771" marT="21771" marB="21771" anchor="ctr"/>
-                </a:tc>
-                <a:tc gridSpan="2">
-                  <a:txBody>
-                    <a:bodyPr/>
-                    <a:lstStyle/>
-                    <a:p>
-                      <a:pPr algn="ctr" fontAlgn="ctr"/>
-                      <a:r>
-                        <a:rPr lang="en-US" sz="2000" u="none" strike="noStrike" kern="1200" dirty="0">
-                          <a:effectLst/>
-                        </a:rPr>
-                        <a:t>Semantic</a:t>
-                      </a:r>
-                      <a:r>
-                        <a:rPr lang="en-US" sz="2000" dirty="0">
-                          <a:effectLst/>
-                        </a:rPr>
-                        <a:t> Evaluation</a:t>
-                      </a:r>
-                      <a:endParaRPr lang="en-US" sz="2000" b="1" dirty="0">
-                        <a:effectLst/>
-                      </a:endParaRPr>
-                    </a:p>
-                  </a:txBody>
-                  <a:tcPr marL="21771" marR="21771" marT="21771" marB="21771" anchor="ctr"/>
-                </a:tc>
-                <a:tc hMerge="1">
-                  <a:txBody>
-                    <a:bodyPr/>
-                    <a:lstStyle/>
-                    <a:p>
-                      <a:pPr algn="ctr" fontAlgn="ctr"/>
-                      <a:endParaRPr lang="en-US" sz="2000" b="1" dirty="0">
-                        <a:effectLst/>
-                      </a:endParaRPr>
-                    </a:p>
-                  </a:txBody>
-                  <a:tcPr marL="21771" marR="21771" marT="21771" marB="21771" anchor="ctr"/>
-                </a:tc>
-                <a:extLst>
-                  <a:ext uri="{0D108BD9-81ED-4DB2-BD59-A6C34878D82A}">
-                    <a16:rowId xmlns:a16="http://schemas.microsoft.com/office/drawing/2014/main" val="4135081847"/>
-                  </a:ext>
-                </a:extLst>
-              </a:tr>
-              <a:tr h="495656">
-                <a:tc>
-                  <a:txBody>
-                    <a:bodyPr/>
-                    <a:lstStyle/>
-                    <a:p>
-                      <a:pPr algn="ctr" fontAlgn="ctr"/>
-                      <a:r>
-                        <a:rPr lang="en-US" sz="2000" dirty="0">
-                          <a:effectLst/>
-                        </a:rPr>
-                        <a:t>MODEL</a:t>
-                      </a:r>
-                      <a:endParaRPr lang="en-US" sz="2000" b="1" dirty="0">
-                        <a:effectLst/>
-                      </a:endParaRPr>
-                    </a:p>
-                  </a:txBody>
-                  <a:tcPr marL="21771" marR="21771" marT="21771" marB="21771" anchor="ctr"/>
-                </a:tc>
-                <a:tc>
-                  <a:txBody>
-                    <a:bodyPr/>
-                    <a:lstStyle/>
-                    <a:p>
-                      <a:pPr algn="ctr" fontAlgn="ctr"/>
-                      <a:r>
-                        <a:rPr lang="en-US" sz="2000" dirty="0">
-                          <a:effectLst/>
-                        </a:rPr>
-                        <a:t>Bleu 1</a:t>
-                      </a:r>
-                      <a:endParaRPr lang="en-US" sz="2000" b="1" dirty="0">
-                        <a:effectLst/>
-                      </a:endParaRPr>
-                    </a:p>
-                  </a:txBody>
-                  <a:tcPr marL="21771" marR="21771" marT="21771" marB="21771" anchor="ctr"/>
-                </a:tc>
-                <a:tc>
-                  <a:txBody>
-                    <a:bodyPr/>
-                    <a:lstStyle/>
-                    <a:p>
-                      <a:pPr algn="ctr" fontAlgn="ctr"/>
-                      <a:r>
-                        <a:rPr lang="en-US" sz="2000" dirty="0">
-                          <a:effectLst/>
-                        </a:rPr>
-                        <a:t>Bleu 2</a:t>
-                      </a:r>
-                      <a:endParaRPr lang="en-US" sz="2000" b="1" dirty="0">
-                        <a:effectLst/>
-                      </a:endParaRPr>
-                    </a:p>
-                  </a:txBody>
-                  <a:tcPr marL="21771" marR="21771" marT="21771" marB="21771" anchor="ctr"/>
-                </a:tc>
-                <a:tc>
-                  <a:txBody>
-                    <a:bodyPr/>
-                    <a:lstStyle/>
-                    <a:p>
-                      <a:pPr algn="ctr" fontAlgn="ctr"/>
-                      <a:r>
-                        <a:rPr lang="en-US" sz="2000" dirty="0">
-                          <a:effectLst/>
-                        </a:rPr>
-                        <a:t>Bleu 3</a:t>
-                      </a:r>
-                      <a:endParaRPr lang="en-US" sz="2000" b="1" dirty="0">
-                        <a:effectLst/>
-                      </a:endParaRPr>
-                    </a:p>
-                  </a:txBody>
-                  <a:tcPr marL="21771" marR="21771" marT="21771" marB="21771" anchor="ctr"/>
-                </a:tc>
-                <a:tc>
-                  <a:txBody>
-                    <a:bodyPr/>
-                    <a:lstStyle/>
-                    <a:p>
-                      <a:pPr algn="ctr" fontAlgn="ctr"/>
-                      <a:r>
-                        <a:rPr lang="en-US" sz="2000" dirty="0">
-                          <a:effectLst/>
-                        </a:rPr>
-                        <a:t>Bleu 4</a:t>
-                      </a:r>
-                      <a:endParaRPr lang="en-US" sz="2000" b="1" dirty="0">
-                        <a:effectLst/>
-                      </a:endParaRPr>
-                    </a:p>
-                  </a:txBody>
-                  <a:tcPr marL="21771" marR="21771" marT="21771" marB="21771" anchor="ctr"/>
-                </a:tc>
-                <a:tc>
-                  <a:txBody>
-                    <a:bodyPr/>
-                    <a:lstStyle/>
-                    <a:p>
-                      <a:pPr algn="ctr" fontAlgn="ctr"/>
-                      <a:r>
-                        <a:rPr lang="en-US" sz="2000" dirty="0">
-                          <a:effectLst/>
-                        </a:rPr>
-                        <a:t>METEOR</a:t>
-                      </a:r>
-                      <a:endParaRPr lang="en-US" sz="2000" b="1" dirty="0">
-                        <a:effectLst/>
-                      </a:endParaRPr>
-                    </a:p>
-                  </a:txBody>
-                  <a:tcPr marL="21771" marR="21771" marT="21771" marB="21771" anchor="ctr"/>
-                </a:tc>
-                <a:tc>
-                  <a:txBody>
-                    <a:bodyPr/>
-                    <a:lstStyle/>
-                    <a:p>
-                      <a:pPr algn="ctr" fontAlgn="ctr"/>
-                      <a:r>
-                        <a:rPr lang="en-US" sz="2000" dirty="0">
-                          <a:effectLst/>
-                        </a:rPr>
-                        <a:t>ROUGE L</a:t>
-                      </a:r>
-                      <a:endParaRPr lang="en-US" sz="2000" b="1" dirty="0">
-                        <a:effectLst/>
-                      </a:endParaRPr>
-                    </a:p>
-                  </a:txBody>
-                  <a:tcPr marL="21771" marR="21771" marT="21771" marB="21771" anchor="ctr"/>
-                </a:tc>
-                <a:tc>
-                  <a:txBody>
-                    <a:bodyPr/>
-                    <a:lstStyle/>
-                    <a:p>
-                      <a:pPr algn="ctr" fontAlgn="ctr"/>
-                      <a:r>
-                        <a:rPr lang="en-US" sz="2000" dirty="0">
-                          <a:effectLst/>
-                        </a:rPr>
-                        <a:t>CIDEr</a:t>
-                      </a:r>
-                      <a:endParaRPr lang="en-US" sz="2000" b="1" dirty="0">
-                        <a:effectLst/>
-                      </a:endParaRPr>
-                    </a:p>
-                  </a:txBody>
-                  <a:tcPr marL="21771" marR="21771" marT="21771" marB="21771" anchor="ctr"/>
-                </a:tc>
-                <a:tc>
-                  <a:txBody>
-                    <a:bodyPr/>
-                    <a:lstStyle/>
-                    <a:p>
-                      <a:pPr algn="ctr" fontAlgn="ctr"/>
-                      <a:r>
-                        <a:rPr lang="en-US" sz="2000" dirty="0">
-                          <a:effectLst/>
-                        </a:rPr>
-                        <a:t>SPICE</a:t>
-                      </a:r>
-                      <a:endParaRPr lang="en-US" sz="2000" b="1" dirty="0">
-                        <a:effectLst/>
-                      </a:endParaRPr>
-                    </a:p>
-                  </a:txBody>
-                  <a:tcPr marL="21771" marR="21771" marT="21771" marB="21771" anchor="ctr"/>
-                </a:tc>
-                <a:tc>
-                  <a:txBody>
-                    <a:bodyPr/>
-                    <a:lstStyle/>
-                    <a:p>
-                      <a:pPr algn="ctr" fontAlgn="ctr"/>
-                      <a:r>
-                        <a:rPr lang="en-US" sz="2000" dirty="0">
-                          <a:effectLst/>
-                        </a:rPr>
-                        <a:t>USC Similarity</a:t>
-                      </a:r>
-                      <a:endParaRPr lang="en-US" sz="2000" b="1" dirty="0">
-                        <a:effectLst/>
-                      </a:endParaRPr>
-                    </a:p>
-                  </a:txBody>
-                  <a:tcPr marL="21771" marR="21771" marT="21771" marB="21771" anchor="ctr"/>
-                </a:tc>
-                <a:extLst>
-                  <a:ext uri="{0D108BD9-81ED-4DB2-BD59-A6C34878D82A}">
-                    <a16:rowId xmlns:a16="http://schemas.microsoft.com/office/drawing/2014/main" val="2072018098"/>
-                  </a:ext>
-                </a:extLst>
-              </a:tr>
-              <a:tr h="436073">
-                <a:tc>
-                  <a:txBody>
-                    <a:bodyPr/>
-                    <a:lstStyle/>
-                    <a:p>
-                      <a:pPr algn="ctr"/>
-                      <a:r>
-                        <a:rPr lang="en-US" sz="2000" dirty="0"/>
-                        <a:t>Baseline</a:t>
-                      </a:r>
-                    </a:p>
-                  </a:txBody>
-                  <a:tcPr/>
-                </a:tc>
-                <a:tc>
-                  <a:txBody>
-                    <a:bodyPr/>
-                    <a:lstStyle/>
-                    <a:p>
-                      <a:pPr algn="ctr" fontAlgn="ctr"/>
-                      <a:r>
-                        <a:rPr lang="en-US" sz="2000" dirty="0">
-                          <a:effectLst/>
-                        </a:rPr>
-                        <a:t>0.453</a:t>
-                      </a:r>
-                      <a:endParaRPr lang="en-US" sz="2000" b="1" dirty="0">
-                        <a:effectLst/>
-                      </a:endParaRPr>
-                    </a:p>
-                  </a:txBody>
-                  <a:tcPr marL="21771" marR="21771" marT="21771" marB="21771" anchor="ctr"/>
-                </a:tc>
-                <a:tc>
-                  <a:txBody>
-                    <a:bodyPr/>
-                    <a:lstStyle/>
-                    <a:p>
-                      <a:pPr algn="ctr" fontAlgn="ctr"/>
-                      <a:r>
-                        <a:rPr lang="en-US" sz="2000" dirty="0">
-                          <a:effectLst/>
-                        </a:rPr>
-                        <a:t>0.220</a:t>
-                      </a:r>
-                      <a:endParaRPr lang="en-US" sz="2000" b="1" dirty="0">
-                        <a:effectLst/>
-                      </a:endParaRPr>
-                    </a:p>
-                  </a:txBody>
-                  <a:tcPr marL="21771" marR="21771" marT="21771" marB="21771" anchor="ctr"/>
-                </a:tc>
-                <a:tc>
-                  <a:txBody>
-                    <a:bodyPr/>
-                    <a:lstStyle/>
-                    <a:p>
-                      <a:pPr algn="ctr" fontAlgn="ctr"/>
-                      <a:r>
-                        <a:rPr lang="en-US" sz="2000" dirty="0">
-                          <a:effectLst/>
-                        </a:rPr>
-                        <a:t>0.117</a:t>
-                      </a:r>
-                      <a:endParaRPr lang="en-US" sz="2000" b="1" dirty="0">
-                        <a:effectLst/>
-                      </a:endParaRPr>
-                    </a:p>
-                  </a:txBody>
-                  <a:tcPr marL="21771" marR="21771" marT="21771" marB="21771" anchor="ctr"/>
-                </a:tc>
-                <a:tc>
-                  <a:txBody>
-                    <a:bodyPr/>
-                    <a:lstStyle/>
-                    <a:p>
-                      <a:pPr algn="ctr" fontAlgn="ctr"/>
-                      <a:r>
-                        <a:rPr lang="en-US" sz="2000" dirty="0">
-                          <a:effectLst/>
-                        </a:rPr>
-                        <a:t>0.0717</a:t>
-                      </a:r>
-                      <a:endParaRPr lang="en-US" sz="2000" b="1" dirty="0">
-                        <a:effectLst/>
-                      </a:endParaRPr>
-                    </a:p>
-                  </a:txBody>
-                  <a:tcPr marL="21771" marR="21771" marT="21771" marB="21771" anchor="ctr"/>
-                </a:tc>
-                <a:tc>
-                  <a:txBody>
-                    <a:bodyPr/>
-                    <a:lstStyle/>
-                    <a:p>
-                      <a:pPr algn="ctr" fontAlgn="ctr"/>
-                      <a:r>
-                        <a:rPr lang="en-US" sz="2000" dirty="0">
-                          <a:effectLst/>
-                        </a:rPr>
-                        <a:t>0.145</a:t>
-                      </a:r>
-                      <a:endParaRPr lang="en-US" sz="2000" b="1" dirty="0">
-                        <a:effectLst/>
-                      </a:endParaRPr>
-                    </a:p>
-                  </a:txBody>
-                  <a:tcPr marL="21771" marR="21771" marT="21771" marB="21771" anchor="ctr"/>
-                </a:tc>
-                <a:tc>
-                  <a:txBody>
-                    <a:bodyPr/>
-                    <a:lstStyle/>
-                    <a:p>
-                      <a:pPr algn="ctr" fontAlgn="ctr"/>
-                      <a:r>
-                        <a:rPr lang="en-US" sz="2000" dirty="0">
-                          <a:effectLst/>
-                        </a:rPr>
-                        <a:t>0.290</a:t>
-                      </a:r>
-                      <a:endParaRPr lang="en-US" sz="2000" b="1" dirty="0">
-                        <a:effectLst/>
-                      </a:endParaRPr>
-                    </a:p>
-                  </a:txBody>
-                  <a:tcPr marL="21771" marR="21771" marT="21771" marB="21771" anchor="ctr"/>
-                </a:tc>
-                <a:tc>
-                  <a:txBody>
-                    <a:bodyPr/>
-                    <a:lstStyle/>
-                    <a:p>
-                      <a:pPr algn="ctr" fontAlgn="ctr"/>
-                      <a:r>
-                        <a:rPr lang="en-US" sz="2000" dirty="0">
-                          <a:effectLst/>
-                        </a:rPr>
-                        <a:t>0.210</a:t>
-                      </a:r>
-                      <a:endParaRPr lang="en-US" sz="2000" b="1" dirty="0">
-                        <a:effectLst/>
-                      </a:endParaRPr>
-                    </a:p>
-                  </a:txBody>
-                  <a:tcPr marL="21771" marR="21771" marT="21771" marB="21771" anchor="ctr"/>
-                </a:tc>
-                <a:tc>
-                  <a:txBody>
-                    <a:bodyPr/>
-                    <a:lstStyle/>
-                    <a:p>
-                      <a:pPr algn="ctr" fontAlgn="ctr"/>
-                      <a:r>
-                        <a:rPr lang="en-US" sz="2000" dirty="0">
-                          <a:effectLst/>
-                        </a:rPr>
-                        <a:t>0.119</a:t>
-                      </a:r>
-                      <a:endParaRPr lang="en-US" sz="2000" b="1" dirty="0">
-                        <a:effectLst/>
-                      </a:endParaRPr>
-                    </a:p>
-                  </a:txBody>
-                  <a:tcPr marL="21771" marR="21771" marT="21771" marB="21771" anchor="ctr"/>
-                </a:tc>
-                <a:tc>
-                  <a:txBody>
-                    <a:bodyPr/>
-                    <a:lstStyle/>
-                    <a:p>
-                      <a:pPr algn="ctr" fontAlgn="ctr"/>
-                      <a:r>
-                        <a:rPr lang="en-US" sz="2000" dirty="0">
-                          <a:effectLst/>
-                        </a:rPr>
-                        <a:t>0.458</a:t>
-                      </a:r>
-                      <a:endParaRPr lang="en-US" sz="2000" b="1" dirty="0">
-                        <a:effectLst/>
-                      </a:endParaRPr>
-                    </a:p>
-                  </a:txBody>
-                  <a:tcPr marL="21771" marR="21771" marT="21771" marB="21771" anchor="ctr"/>
-                </a:tc>
-                <a:extLst>
-                  <a:ext uri="{0D108BD9-81ED-4DB2-BD59-A6C34878D82A}">
-                    <a16:rowId xmlns:a16="http://schemas.microsoft.com/office/drawing/2014/main" val="2426048346"/>
-                  </a:ext>
-                </a:extLst>
-              </a:tr>
-              <a:tr h="489012">
-                <a:tc>
-                  <a:txBody>
-                    <a:bodyPr/>
-                    <a:lstStyle/>
-                    <a:p>
-                      <a:pPr algn="ctr"/>
-                      <a:r>
-                        <a:rPr lang="en-US" sz="2000" dirty="0"/>
-                        <a:t>Attention</a:t>
-                      </a:r>
-                    </a:p>
-                  </a:txBody>
-                  <a:tcPr/>
-                </a:tc>
-                <a:tc>
-                  <a:txBody>
-                    <a:bodyPr/>
-                    <a:lstStyle/>
-                    <a:p>
-                      <a:pPr algn="ctr" fontAlgn="ctr"/>
-                      <a:r>
-                        <a:rPr lang="en-US" sz="2000" dirty="0">
-                          <a:effectLst/>
-                        </a:rPr>
-                        <a:t>0.431</a:t>
-                      </a:r>
-                    </a:p>
-                  </a:txBody>
-                  <a:tcPr marL="21771" marR="21771" marT="21771" marB="21771" anchor="ctr"/>
-                </a:tc>
-                <a:tc>
-                  <a:txBody>
-                    <a:bodyPr/>
-                    <a:lstStyle/>
-                    <a:p>
-                      <a:pPr algn="ctr" fontAlgn="ctr"/>
-                      <a:r>
-                        <a:rPr lang="en-US" sz="2000" dirty="0">
-                          <a:effectLst/>
-                        </a:rPr>
-                        <a:t>0.209</a:t>
-                      </a:r>
-                    </a:p>
-                  </a:txBody>
-                  <a:tcPr marL="21771" marR="21771" marT="21771" marB="21771" anchor="ctr"/>
-                </a:tc>
-                <a:tc>
-                  <a:txBody>
-                    <a:bodyPr/>
-                    <a:lstStyle/>
-                    <a:p>
-                      <a:pPr algn="ctr" fontAlgn="ctr"/>
-                      <a:r>
-                        <a:rPr lang="en-US" sz="2000" dirty="0">
-                          <a:effectLst/>
-                        </a:rPr>
-                        <a:t>0.108</a:t>
-                      </a:r>
-                    </a:p>
-                  </a:txBody>
-                  <a:tcPr marL="21771" marR="21771" marT="21771" marB="21771" anchor="ctr"/>
-                </a:tc>
-                <a:tc>
-                  <a:txBody>
-                    <a:bodyPr/>
-                    <a:lstStyle/>
-                    <a:p>
-                      <a:pPr algn="ctr" fontAlgn="ctr"/>
-                      <a:r>
-                        <a:rPr lang="en-US" sz="2000" dirty="0">
-                          <a:effectLst/>
-                        </a:rPr>
-                        <a:t>0.0687</a:t>
-                      </a:r>
-                    </a:p>
-                  </a:txBody>
-                  <a:tcPr marL="21771" marR="21771" marT="21771" marB="21771" anchor="ctr"/>
-                </a:tc>
-                <a:tc>
-                  <a:txBody>
-                    <a:bodyPr/>
-                    <a:lstStyle/>
-                    <a:p>
-                      <a:pPr algn="ctr" fontAlgn="ctr"/>
-                      <a:r>
-                        <a:rPr lang="en-US" sz="2000" dirty="0">
-                          <a:effectLst/>
-                        </a:rPr>
-                        <a:t>0.140</a:t>
-                      </a:r>
-                    </a:p>
-                  </a:txBody>
-                  <a:tcPr marL="21771" marR="21771" marT="21771" marB="21771" anchor="ctr"/>
-                </a:tc>
-                <a:tc>
-                  <a:txBody>
-                    <a:bodyPr/>
-                    <a:lstStyle/>
-                    <a:p>
-                      <a:pPr algn="ctr" fontAlgn="ctr"/>
-                      <a:r>
-                        <a:rPr lang="en-US" sz="2000" dirty="0">
-                          <a:effectLst/>
-                        </a:rPr>
-                        <a:t>0.280</a:t>
-                      </a:r>
-                    </a:p>
-                  </a:txBody>
-                  <a:tcPr marL="21771" marR="21771" marT="21771" marB="21771" anchor="ctr"/>
-                </a:tc>
-                <a:tc>
-                  <a:txBody>
-                    <a:bodyPr/>
-                    <a:lstStyle/>
-                    <a:p>
-                      <a:pPr algn="ctr" fontAlgn="ctr"/>
-                      <a:r>
-                        <a:rPr lang="en-US" sz="2000" dirty="0">
-                          <a:effectLst/>
-                        </a:rPr>
-                        <a:t>0.146</a:t>
-                      </a:r>
-                    </a:p>
-                  </a:txBody>
-                  <a:tcPr marL="21771" marR="21771" marT="21771" marB="21771" anchor="ctr"/>
-                </a:tc>
-                <a:tc>
-                  <a:txBody>
-                    <a:bodyPr/>
-                    <a:lstStyle/>
-                    <a:p>
-                      <a:pPr algn="ctr" fontAlgn="ctr"/>
-                      <a:r>
-                        <a:rPr lang="en-US" sz="2000" dirty="0">
-                          <a:effectLst/>
-                        </a:rPr>
-                        <a:t>0.114</a:t>
-                      </a:r>
-                    </a:p>
-                  </a:txBody>
-                  <a:tcPr marL="21771" marR="21771" marT="21771" marB="21771" anchor="ctr"/>
-                </a:tc>
-                <a:tc>
-                  <a:txBody>
-                    <a:bodyPr/>
-                    <a:lstStyle/>
-                    <a:p>
-                      <a:pPr algn="ctr" fontAlgn="ctr"/>
-                      <a:r>
-                        <a:rPr lang="en-US" sz="2000" dirty="0">
-                          <a:effectLst/>
-                        </a:rPr>
-                        <a:t>0.449</a:t>
-                      </a:r>
-                    </a:p>
-                  </a:txBody>
-                  <a:tcPr marL="21771" marR="21771" marT="21771" marB="21771" anchor="ctr"/>
-                </a:tc>
-                <a:extLst>
-                  <a:ext uri="{0D108BD9-81ED-4DB2-BD59-A6C34878D82A}">
-                    <a16:rowId xmlns:a16="http://schemas.microsoft.com/office/drawing/2014/main" val="2915559009"/>
-                  </a:ext>
-                </a:extLst>
-              </a:tr>
-              <a:tr h="370840">
-                <a:tc>
-                  <a:txBody>
-                    <a:bodyPr/>
-                    <a:lstStyle/>
-                    <a:p>
-                      <a:pPr algn="ctr"/>
-                      <a:r>
-                        <a:rPr lang="en-US" sz="2000" dirty="0"/>
-                        <a:t>Multi-Attention</a:t>
-                      </a:r>
-                    </a:p>
-                  </a:txBody>
-                  <a:tcPr/>
-                </a:tc>
-                <a:tc>
-                  <a:txBody>
-                    <a:bodyPr/>
-                    <a:lstStyle/>
-                    <a:p>
-                      <a:pPr algn="ctr" fontAlgn="ctr"/>
-                      <a:r>
-                        <a:rPr lang="en-US" sz="2000" dirty="0">
-                          <a:effectLst/>
-                        </a:rPr>
-                        <a:t>0.431</a:t>
-                      </a:r>
-                    </a:p>
-                  </a:txBody>
-                  <a:tcPr marL="21771" marR="21771" marT="21771" marB="21771" anchor="ctr"/>
-                </a:tc>
-                <a:tc>
-                  <a:txBody>
-                    <a:bodyPr/>
-                    <a:lstStyle/>
-                    <a:p>
-                      <a:pPr algn="ctr" fontAlgn="ctr"/>
-                      <a:r>
-                        <a:rPr lang="en-US" sz="2000" dirty="0">
-                          <a:effectLst/>
-                        </a:rPr>
-                        <a:t>0.194</a:t>
-                      </a:r>
-                    </a:p>
-                  </a:txBody>
-                  <a:tcPr marL="21771" marR="21771" marT="21771" marB="21771" anchor="ctr"/>
-                </a:tc>
-                <a:tc>
-                  <a:txBody>
-                    <a:bodyPr/>
-                    <a:lstStyle/>
-                    <a:p>
-                      <a:pPr algn="ctr" fontAlgn="ctr"/>
-                      <a:r>
-                        <a:rPr lang="en-US" sz="2000" dirty="0">
-                          <a:effectLst/>
-                        </a:rPr>
-                        <a:t>0.0778</a:t>
-                      </a:r>
-                    </a:p>
-                  </a:txBody>
-                  <a:tcPr marL="21771" marR="21771" marT="21771" marB="21771" anchor="ctr"/>
-                </a:tc>
-                <a:tc>
-                  <a:txBody>
-                    <a:bodyPr/>
-                    <a:lstStyle/>
-                    <a:p>
-                      <a:pPr algn="ctr" fontAlgn="ctr"/>
-                      <a:r>
-                        <a:rPr lang="en-US" sz="2000" dirty="0">
-                          <a:effectLst/>
-                        </a:rPr>
-                        <a:t>0.0343</a:t>
-                      </a:r>
-                    </a:p>
-                  </a:txBody>
-                  <a:tcPr marL="21771" marR="21771" marT="21771" marB="21771" anchor="ctr"/>
-                </a:tc>
-                <a:tc>
-                  <a:txBody>
-                    <a:bodyPr/>
-                    <a:lstStyle/>
-                    <a:p>
-                      <a:pPr algn="ctr" fontAlgn="ctr"/>
-                      <a:r>
-                        <a:rPr lang="en-US" sz="2000" dirty="0">
-                          <a:effectLst/>
-                        </a:rPr>
-                        <a:t>0.133</a:t>
-                      </a:r>
-                    </a:p>
-                  </a:txBody>
-                  <a:tcPr marL="21771" marR="21771" marT="21771" marB="21771" anchor="ctr"/>
-                </a:tc>
-                <a:tc>
-                  <a:txBody>
-                    <a:bodyPr/>
-                    <a:lstStyle/>
-                    <a:p>
-                      <a:pPr algn="ctr" fontAlgn="ctr"/>
-                      <a:r>
-                        <a:rPr lang="en-US" sz="2000" dirty="0">
-                          <a:effectLst/>
-                        </a:rPr>
-                        <a:t>0.270</a:t>
-                      </a:r>
-                    </a:p>
-                  </a:txBody>
-                  <a:tcPr marL="21771" marR="21771" marT="21771" marB="21771" anchor="ctr"/>
-                </a:tc>
-                <a:tc>
-                  <a:txBody>
-                    <a:bodyPr/>
-                    <a:lstStyle/>
-                    <a:p>
-                      <a:pPr algn="ctr" fontAlgn="ctr"/>
-                      <a:r>
-                        <a:rPr lang="en-US" sz="2000" dirty="0">
-                          <a:effectLst/>
-                        </a:rPr>
-                        <a:t>0.144</a:t>
-                      </a:r>
-                    </a:p>
-                  </a:txBody>
-                  <a:tcPr marL="21771" marR="21771" marT="21771" marB="21771" anchor="ctr"/>
-                </a:tc>
-                <a:tc>
-                  <a:txBody>
-                    <a:bodyPr/>
-                    <a:lstStyle/>
-                    <a:p>
-                      <a:pPr algn="ctr" fontAlgn="ctr"/>
-                      <a:r>
-                        <a:rPr lang="en-US" sz="2000" dirty="0">
-                          <a:effectLst/>
-                        </a:rPr>
-                        <a:t>0.0965</a:t>
-                      </a:r>
-                    </a:p>
-                  </a:txBody>
-                  <a:tcPr marL="21771" marR="21771" marT="21771" marB="21771" anchor="ctr"/>
-                </a:tc>
-                <a:tc>
-                  <a:txBody>
-                    <a:bodyPr/>
-                    <a:lstStyle/>
-                    <a:p>
-                      <a:pPr algn="ctr" fontAlgn="ctr"/>
-                      <a:r>
-                        <a:rPr lang="en-US" sz="2000" dirty="0">
-                          <a:effectLst/>
-                        </a:rPr>
-                        <a:t>0.450</a:t>
-                      </a:r>
-                    </a:p>
-                  </a:txBody>
-                  <a:tcPr marL="21771" marR="21771" marT="21771" marB="21771" anchor="ctr"/>
-                </a:tc>
-                <a:extLst>
-                  <a:ext uri="{0D108BD9-81ED-4DB2-BD59-A6C34878D82A}">
-                    <a16:rowId xmlns:a16="http://schemas.microsoft.com/office/drawing/2014/main" val="2467148437"/>
-                  </a:ext>
-                </a:extLst>
-              </a:tr>
-            </a:tbl>
-          </a:graphicData>
-        </a:graphic>
-      </p:graphicFrame>
+              <a:t>Embeddings learned from scratch</a:t>
+            </a:r>
+          </a:p>
+          <a:p>
+            <a:endParaRPr lang="en-US" sz="2600" dirty="0"/>
+          </a:p>
+        </p:txBody>
+      </p:sp>
     </p:spTree>
     <p:extLst>
       <p:ext uri="{BB962C8B-B14F-4D97-AF65-F5344CB8AC3E}">
-        <p14:creationId xmlns:p14="http://schemas.microsoft.com/office/powerpoint/2010/main" val="3009043558"/>
+        <p14:creationId xmlns:p14="http://schemas.microsoft.com/office/powerpoint/2010/main" val="474572721"/>
       </p:ext>
     </p:extLst>
   </p:cSld>
@@ -10282,7 +8387,7 @@
           <p:nvPr/>
         </p:nvPicPr>
         <p:blipFill>
-          <a:blip r:embed="rId4">
+          <a:blip r:embed="rId4" cstate="print">
             <a:extLst>
               <a:ext uri="{28A0092B-C50C-407E-A947-70E740481C1C}">
                 <a14:useLocalDpi xmlns:a14="http://schemas.microsoft.com/office/drawing/2010/main" val="0"/>
@@ -14462,7 +12567,7 @@
           <a:p>
             <a:r>
               <a:rPr lang="en-US" sz="2800" i="1" dirty="0"/>
-              <a:t>Baseline Model Structure  (RNN + LSTM)</a:t>
+              <a:t>Baseline Model Structure  (CNN + LSTM)</a:t>
             </a:r>
           </a:p>
         </p:txBody>
@@ -14540,6 +12645,57 @@
             <a:endParaRPr lang="en-US" sz="3600" b="1" dirty="0">
               <a:latin typeface="+mj-lt"/>
             </a:endParaRPr>
+          </a:p>
+        </p:txBody>
+      </p:sp>
+      <p:sp>
+        <p:nvSpPr>
+          <p:cNvPr id="9" name="Rectangle 8">
+            <a:extLst>
+              <a:ext uri="{FF2B5EF4-FFF2-40B4-BE49-F238E27FC236}">
+                <a16:creationId xmlns:a16="http://schemas.microsoft.com/office/drawing/2014/main" id="{84251EF6-90AB-497E-8A4C-7BCAF233393F}"/>
+              </a:ext>
+            </a:extLst>
+          </p:cNvPr>
+          <p:cNvSpPr/>
+          <p:nvPr/>
+        </p:nvSpPr>
+        <p:spPr>
+          <a:xfrm>
+            <a:off x="7396482" y="5879439"/>
+            <a:ext cx="6789174" cy="338554"/>
+          </a:xfrm>
+          <a:prstGeom prst="rect">
+            <a:avLst/>
+          </a:prstGeom>
+        </p:spPr>
+        <p:txBody>
+          <a:bodyPr wrap="square">
+            <a:spAutoFit/>
+          </a:bodyPr>
+          <a:lstStyle/>
+          <a:p>
+            <a:r>
+              <a:rPr lang="fr-FR" sz="1600" dirty="0"/>
+              <a:t>Sources: Image </a:t>
+            </a:r>
+            <a:r>
+              <a:rPr lang="fr-FR" sz="1600" dirty="0" err="1"/>
+              <a:t>adapted</a:t>
+            </a:r>
+            <a:r>
+              <a:rPr lang="fr-FR" sz="1600" dirty="0"/>
+              <a:t> </a:t>
+            </a:r>
+            <a:r>
+              <a:rPr lang="fr-FR" sz="1600" dirty="0" err="1"/>
+              <a:t>from</a:t>
+            </a:r>
+            <a:r>
+              <a:rPr lang="fr-FR" sz="1600" dirty="0"/>
+              <a:t> Lu, X. et al. (2018).</a:t>
+            </a:r>
+            <a:endParaRPr lang="en-US" sz="1600" dirty="0"/>
           </a:p>
         </p:txBody>
       </p:sp>
@@ -14642,7 +12798,7 @@
           <a:p>
             <a:r>
               <a:rPr lang="en-US" sz="2800" b="1" i="1" dirty="0"/>
-              <a:t>Attention Model Structure (RNN + Attention + LSTM)</a:t>
+              <a:t>Attention Model Structure (CNN + Attention + LSTM)</a:t>
             </a:r>
           </a:p>
         </p:txBody>
@@ -14675,7 +12831,7 @@
         </p:blipFill>
         <p:spPr>
           <a:xfrm>
-            <a:off x="1011730" y="2425287"/>
+            <a:off x="1011730" y="2448339"/>
             <a:ext cx="9585932" cy="3244604"/>
           </a:xfrm>
           <a:prstGeom prst="rect">
@@ -14720,6 +12876,45 @@
             <a:endParaRPr lang="en-US" sz="3600" b="1" dirty="0">
               <a:latin typeface="+mj-lt"/>
             </a:endParaRPr>
+          </a:p>
+        </p:txBody>
+      </p:sp>
+      <p:sp>
+        <p:nvSpPr>
+          <p:cNvPr id="9" name="Rectangle 8">
+            <a:extLst>
+              <a:ext uri="{FF2B5EF4-FFF2-40B4-BE49-F238E27FC236}">
+                <a16:creationId xmlns:a16="http://schemas.microsoft.com/office/drawing/2014/main" id="{11A661CF-35F1-4213-81C4-E0E83E130934}"/>
+              </a:ext>
+            </a:extLst>
+          </p:cNvPr>
+          <p:cNvSpPr/>
+          <p:nvPr/>
+        </p:nvSpPr>
+        <p:spPr>
+          <a:xfrm>
+            <a:off x="7396482" y="5879439"/>
+            <a:ext cx="6789174" cy="338554"/>
+          </a:xfrm>
+          <a:prstGeom prst="rect">
+            <a:avLst/>
+          </a:prstGeom>
+        </p:spPr>
+        <p:txBody>
+          <a:bodyPr wrap="square">
+            <a:spAutoFit/>
+          </a:bodyPr>
+          <a:lstStyle/>
+          <a:p>
+            <a:r>
+              <a:rPr lang="en-US" sz="1600" dirty="0"/>
+              <a:t>Sources: Image adapted from Zhang, X. et al. (2019).</a:t>
+            </a:r>
+            <a:r>
+              <a:rPr lang="fr-FR" sz="1600" dirty="0"/>
+              <a:t> </a:t>
+            </a:r>
+            <a:endParaRPr lang="en-US" sz="1600" dirty="0"/>
           </a:p>
         </p:txBody>
       </p:sp>
@@ -14822,7 +13017,7 @@
           <a:p>
             <a:r>
               <a:rPr lang="en-US" sz="3000" b="1" i="1" dirty="0"/>
-              <a:t>Multi Attention Model Structure (RNN + Multi-Attention+ LSTM)</a:t>
+              <a:t>Multi Attention Model Structure (CNN + Multi-Attention+ LSTM)</a:t>
             </a:r>
           </a:p>
         </p:txBody>
@@ -14855,7 +13050,7 @@
         </p:blipFill>
         <p:spPr>
           <a:xfrm>
-            <a:off x="1474573" y="2271310"/>
+            <a:off x="1474573" y="2102033"/>
             <a:ext cx="8113341" cy="3851702"/>
           </a:xfrm>
           <a:prstGeom prst="rect">
@@ -14900,6 +13095,40 @@
             <a:endParaRPr lang="en-US" sz="3600" b="1" dirty="0">
               <a:latin typeface="+mj-lt"/>
             </a:endParaRPr>
+          </a:p>
+        </p:txBody>
+      </p:sp>
+      <p:sp>
+        <p:nvSpPr>
+          <p:cNvPr id="2" name="Rectangle 1">
+            <a:extLst>
+              <a:ext uri="{FF2B5EF4-FFF2-40B4-BE49-F238E27FC236}">
+                <a16:creationId xmlns:a16="http://schemas.microsoft.com/office/drawing/2014/main" id="{3A7C62BE-1B81-45E4-8798-A8AAC201B5BF}"/>
+              </a:ext>
+            </a:extLst>
+          </p:cNvPr>
+          <p:cNvSpPr/>
+          <p:nvPr/>
+        </p:nvSpPr>
+        <p:spPr>
+          <a:xfrm>
+            <a:off x="7819104" y="5953735"/>
+            <a:ext cx="6789174" cy="338554"/>
+          </a:xfrm>
+          <a:prstGeom prst="rect">
+            <a:avLst/>
+          </a:prstGeom>
+        </p:spPr>
+        <p:txBody>
+          <a:bodyPr wrap="square">
+            <a:spAutoFit/>
+          </a:bodyPr>
+          <a:lstStyle/>
+          <a:p>
+            <a:r>
+              <a:rPr lang="en-US" sz="1600" dirty="0"/>
+              <a:t>Sources: Image adapted from Li, Y. et al. (2020).</a:t>
+            </a:r>
           </a:p>
         </p:txBody>
       </p:sp>

--- a/docs/final_presentation.pptx
+++ b/docs/final_presentation.pptx
@@ -6627,7 +6627,7 @@
             </a:r>
             <a:r>
               <a:rPr lang="en-US" dirty="0"/>
-              <a:t>: : Evaluation Metrics</a:t>
+              <a:t>: Evaluation Metrics</a:t>
             </a:r>
           </a:p>
         </p:txBody>
@@ -6852,8 +6852,8 @@
         </p:nvSpPr>
         <p:spPr>
           <a:xfrm>
-            <a:off x="1051564" y="243934"/>
-            <a:ext cx="11140436" cy="1325563"/>
+            <a:off x="1140052" y="325048"/>
+            <a:ext cx="9930636" cy="1325563"/>
           </a:xfrm>
         </p:spPr>
         <p:txBody>
@@ -6866,7 +6866,7 @@
                   <a:prstClr val="black"/>
                 </a:solidFill>
               </a:rPr>
-              <a:t>Evaluation scores from the best model of each structure</a:t>
+              <a:t>The Baseline Model Shows The Best Performance</a:t>
             </a:r>
             <a:endParaRPr lang="en-US" dirty="0"/>
           </a:p>
@@ -6934,10 +6934,10 @@
       </p:sp>
       <p:pic>
         <p:nvPicPr>
-          <p:cNvPr id="9" name="Picture 8">
+          <p:cNvPr id="2" name="Picture 1">
             <a:extLst>
               <a:ext uri="{FF2B5EF4-FFF2-40B4-BE49-F238E27FC236}">
-                <a16:creationId xmlns:a16="http://schemas.microsoft.com/office/drawing/2014/main" id="{AC90C3CF-D4EF-488A-932B-D5389BBB9605}"/>
+                <a16:creationId xmlns:a16="http://schemas.microsoft.com/office/drawing/2014/main" id="{1B521F4E-E8D1-4078-91F9-1AE1E520F517}"/>
               </a:ext>
             </a:extLst>
           </p:cNvPr>
@@ -6954,8 +6954,8 @@
         </p:blipFill>
         <p:spPr>
           <a:xfrm>
-            <a:off x="5114055" y="1620772"/>
-            <a:ext cx="6749319" cy="4138849"/>
+            <a:off x="5191432" y="1613740"/>
+            <a:ext cx="6558450" cy="4084017"/>
           </a:xfrm>
           <a:prstGeom prst="rect">
             <a:avLst/>
@@ -7060,12 +7060,8 @@
           <a:lstStyle/>
           <a:p>
             <a:r>
-              <a:rPr lang="en-US" sz="3600" b="1" dirty="0">
-                <a:solidFill>
-                  <a:prstClr val="black"/>
-                </a:solidFill>
-              </a:rPr>
-              <a:t>Evaluation scores from the best model of each structure</a:t>
+              <a:rPr lang="en-US" dirty="0"/>
+              <a:t>Models Show Poor Generalization Capabilities</a:t>
             </a:r>
             <a:endParaRPr lang="en-US" sz="3600" b="1" dirty="0"/>
           </a:p>
@@ -7073,10 +7069,10 @@
       </p:sp>
       <p:sp>
         <p:nvSpPr>
-          <p:cNvPr id="7" name="TextBox 6">
+          <p:cNvPr id="11" name="TextBox 10">
             <a:extLst>
               <a:ext uri="{FF2B5EF4-FFF2-40B4-BE49-F238E27FC236}">
-                <a16:creationId xmlns:a16="http://schemas.microsoft.com/office/drawing/2014/main" id="{F1B81E3C-A6FF-4346-92A6-F2077641832B}"/>
+                <a16:creationId xmlns:a16="http://schemas.microsoft.com/office/drawing/2014/main" id="{F44A93B5-C8A9-4089-A8A9-51475FDE2A1B}"/>
               </a:ext>
             </a:extLst>
           </p:cNvPr>
@@ -7085,8 +7081,8 @@
         </p:nvSpPr>
         <p:spPr>
           <a:xfrm>
-            <a:off x="804223" y="2481147"/>
-            <a:ext cx="4382161" cy="892552"/>
+            <a:off x="575980" y="1546168"/>
+            <a:ext cx="4615452" cy="892552"/>
           </a:xfrm>
           <a:prstGeom prst="rect">
             <a:avLst/>
@@ -7099,9 +7095,13 @@
           </a:bodyPr>
           <a:lstStyle/>
           <a:p>
+            <a:pPr marL="457200" indent="-457200">
+              <a:buFont typeface="Arial" panose="020B0604020202020204" pitchFamily="34" charset="0"/>
+              <a:buChar char="•"/>
+            </a:pPr>
             <a:r>
               <a:rPr lang="en-US" sz="2600" dirty="0"/>
-              <a:t>Test data and train data are from </a:t>
+              <a:t>Test data and train data are from the </a:t>
             </a:r>
             <a:r>
               <a:rPr lang="en-US" sz="2600" b="1" dirty="0"/>
@@ -7114,47 +7114,12 @@
           </a:p>
         </p:txBody>
       </p:sp>
-      <p:sp>
-        <p:nvSpPr>
-          <p:cNvPr id="8" name="TextBox 7">
+      <p:pic>
+        <p:nvPicPr>
+          <p:cNvPr id="2" name="Picture 1">
             <a:extLst>
               <a:ext uri="{FF2B5EF4-FFF2-40B4-BE49-F238E27FC236}">
-                <a16:creationId xmlns:a16="http://schemas.microsoft.com/office/drawing/2014/main" id="{13AC1009-D7F3-E74B-8E01-EC694A547454}"/>
-              </a:ext>
-            </a:extLst>
-          </p:cNvPr>
-          <p:cNvSpPr txBox="1"/>
-          <p:nvPr/>
-        </p:nvSpPr>
-        <p:spPr>
-          <a:xfrm>
-            <a:off x="804223" y="1730485"/>
-            <a:ext cx="4221990" cy="492443"/>
-          </a:xfrm>
-          <a:prstGeom prst="rect">
-            <a:avLst/>
-          </a:prstGeom>
-          <a:noFill/>
-        </p:spPr>
-        <p:txBody>
-          <a:bodyPr wrap="none" rtlCol="0">
-            <a:spAutoFit/>
-          </a:bodyPr>
-          <a:lstStyle/>
-          <a:p>
-            <a:r>
-              <a:rPr lang="en-US" sz="2600" b="1" dirty="0"/>
-              <a:t>Testing Model Generalization</a:t>
-            </a:r>
-          </a:p>
-        </p:txBody>
-      </p:sp>
-      <p:pic>
-        <p:nvPicPr>
-          <p:cNvPr id="10" name="Picture 9">
-            <a:extLst>
-              <a:ext uri="{FF2B5EF4-FFF2-40B4-BE49-F238E27FC236}">
-                <a16:creationId xmlns:a16="http://schemas.microsoft.com/office/drawing/2014/main" id="{70C88513-638D-4C4B-88E7-D3E2CA46499E}"/>
+                <a16:creationId xmlns:a16="http://schemas.microsoft.com/office/drawing/2014/main" id="{B914C00B-6202-4040-952E-C92339880A45}"/>
               </a:ext>
             </a:extLst>
           </p:cNvPr>
@@ -7171,8 +7136,8 @@
         </p:blipFill>
         <p:spPr>
           <a:xfrm>
-            <a:off x="4908224" y="1480816"/>
-            <a:ext cx="6704906" cy="4191335"/>
+            <a:off x="5191431" y="1517855"/>
+            <a:ext cx="6603225" cy="4160274"/>
           </a:xfrm>
           <a:prstGeom prst="rect">
             <a:avLst/>
@@ -12567,7 +12532,7 @@
           <a:p>
             <a:r>
               <a:rPr lang="en-US" sz="2800" i="1" dirty="0"/>
-              <a:t>Baseline Model Structure  (CNN + LSTM)</a:t>
+              <a:t>Baseline Model Architecture  (CNN + LSTM)</a:t>
             </a:r>
           </a:p>
         </p:txBody>
@@ -12798,7 +12763,15 @@
           <a:p>
             <a:r>
               <a:rPr lang="en-US" sz="2800" b="1" i="1" dirty="0"/>
-              <a:t>Attention Model Structure (CNN + Attention + LSTM)</a:t>
+              <a:t>Attention Model </a:t>
+            </a:r>
+            <a:r>
+              <a:rPr lang="en-US" sz="2800" i="1" dirty="0"/>
+              <a:t>Architecture</a:t>
+            </a:r>
+            <a:r>
+              <a:rPr lang="en-US" sz="2800" b="1" i="1" dirty="0"/>
+              <a:t> (CNN + Attention + LSTM)</a:t>
             </a:r>
           </a:p>
         </p:txBody>
@@ -13016,8 +12989,16 @@
           <a:lstStyle/>
           <a:p>
             <a:r>
-              <a:rPr lang="en-US" sz="3000" b="1" i="1" dirty="0"/>
-              <a:t>Multi Attention Model Structure (CNN + Multi-Attention+ LSTM)</a:t>
+              <a:rPr lang="en-US" sz="2800" b="1" i="1" dirty="0"/>
+              <a:t>Multi Attention Model </a:t>
+            </a:r>
+            <a:r>
+              <a:rPr lang="en-US" sz="2800" i="1" dirty="0"/>
+              <a:t>Architecture </a:t>
+            </a:r>
+            <a:r>
+              <a:rPr lang="en-US" sz="2800" b="1" i="1" dirty="0"/>
+              <a:t>(CNN + Multi-Attention+ LSTM)</a:t>
             </a:r>
           </a:p>
         </p:txBody>

--- a/docs/final_presentation.pptx
+++ b/docs/final_presentation.pptx
@@ -6,7 +6,7 @@
     <p:sldMasterId id="2147483691" r:id="rId2"/>
   </p:sldMasterIdLst>
   <p:notesMasterIdLst>
-    <p:notesMasterId r:id="rId29"/>
+    <p:notesMasterId r:id="rId30"/>
   </p:notesMasterIdLst>
   <p:sldIdLst>
     <p:sldId id="266" r:id="rId3"/>
@@ -19,7 +19,7 @@
     <p:sldId id="283" r:id="rId10"/>
     <p:sldId id="284" r:id="rId11"/>
     <p:sldId id="267" r:id="rId12"/>
-    <p:sldId id="272" r:id="rId13"/>
+    <p:sldId id="291" r:id="rId13"/>
     <p:sldId id="286" r:id="rId14"/>
     <p:sldId id="287" r:id="rId15"/>
     <p:sldId id="285" r:id="rId16"/>
@@ -34,7 +34,8 @@
     <p:sldId id="277" r:id="rId25"/>
     <p:sldId id="278" r:id="rId26"/>
     <p:sldId id="279" r:id="rId27"/>
-    <p:sldId id="280" r:id="rId28"/>
+    <p:sldId id="290" r:id="rId28"/>
+    <p:sldId id="280" r:id="rId29"/>
   </p:sldIdLst>
   <p:sldSz cx="12192000" cy="6858000"/>
   <p:notesSz cx="6858000" cy="9144000"/>
@@ -226,7 +227,7 @@
           <a:p>
             <a:fld id="{9F3E5AB5-D5FD-0845-9CB2-99DF1E920971}" type="datetimeFigureOut">
               <a:rPr lang="en-US" smtClean="0"/>
-              <a:t>6/17/2020</a:t>
+              <a:t>6/17/20</a:t>
             </a:fld>
             <a:endParaRPr lang="en-US"/>
           </a:p>
@@ -726,6 +727,174 @@
           <a:p>
             <a:fld id="{E0E11F9F-4161-854B-AB4C-7AC012B37293}" type="slidenum">
               <a:rPr lang="en-US" smtClean="0"/>
+              <a:t>10</a:t>
+            </a:fld>
+            <a:endParaRPr lang="en-US"/>
+          </a:p>
+        </p:txBody>
+      </p:sp>
+    </p:spTree>
+    <p:extLst>
+      <p:ext uri="{BB962C8B-B14F-4D97-AF65-F5344CB8AC3E}">
+        <p14:creationId xmlns:p14="http://schemas.microsoft.com/office/powerpoint/2010/main" val="1810472305"/>
+      </p:ext>
+    </p:extLst>
+  </p:cSld>
+  <p:clrMapOvr>
+    <a:masterClrMapping/>
+  </p:clrMapOvr>
+</p:notes>
+</file>
+
+<file path=ppt/notesSlides/notesSlide4.xml><?xml version="1.0" encoding="utf-8"?>
+<p:notes xmlns:a="http://schemas.openxmlformats.org/drawingml/2006/main" xmlns:r="http://schemas.openxmlformats.org/officeDocument/2006/relationships" xmlns:p="http://schemas.openxmlformats.org/presentationml/2006/main">
+  <p:cSld>
+    <p:spTree>
+      <p:nvGrpSpPr>
+        <p:cNvPr id="1" name=""/>
+        <p:cNvGrpSpPr/>
+        <p:nvPr/>
+      </p:nvGrpSpPr>
+      <p:grpSpPr>
+        <a:xfrm>
+          <a:off x="0" y="0"/>
+          <a:ext cx="0" cy="0"/>
+          <a:chOff x="0" y="0"/>
+          <a:chExt cx="0" cy="0"/>
+        </a:xfrm>
+      </p:grpSpPr>
+      <p:sp>
+        <p:nvSpPr>
+          <p:cNvPr id="2" name="Slide Image Placeholder 1"/>
+          <p:cNvSpPr>
+            <a:spLocks noGrp="1" noRot="1" noChangeAspect="1"/>
+          </p:cNvSpPr>
+          <p:nvPr>
+            <p:ph type="sldImg"/>
+          </p:nvPr>
+        </p:nvSpPr>
+        <p:spPr/>
+      </p:sp>
+      <p:sp>
+        <p:nvSpPr>
+          <p:cNvPr id="3" name="Notes Placeholder 2"/>
+          <p:cNvSpPr>
+            <a:spLocks noGrp="1"/>
+          </p:cNvSpPr>
+          <p:nvPr>
+            <p:ph type="body" idx="1"/>
+          </p:nvPr>
+        </p:nvSpPr>
+        <p:spPr/>
+        <p:txBody>
+          <a:bodyPr/>
+          <a:lstStyle/>
+          <a:p>
+            <a:endParaRPr lang="en-US" dirty="0"/>
+          </a:p>
+        </p:txBody>
+      </p:sp>
+      <p:sp>
+        <p:nvSpPr>
+          <p:cNvPr id="4" name="Slide Number Placeholder 3"/>
+          <p:cNvSpPr>
+            <a:spLocks noGrp="1"/>
+          </p:cNvSpPr>
+          <p:nvPr>
+            <p:ph type="sldNum" sz="quarter" idx="5"/>
+          </p:nvPr>
+        </p:nvSpPr>
+        <p:spPr/>
+        <p:txBody>
+          <a:bodyPr/>
+          <a:lstStyle/>
+          <a:p>
+            <a:fld id="{E0E11F9F-4161-854B-AB4C-7AC012B37293}" type="slidenum">
+              <a:rPr lang="en-US" smtClean="0"/>
+              <a:t>11</a:t>
+            </a:fld>
+            <a:endParaRPr lang="en-US"/>
+          </a:p>
+        </p:txBody>
+      </p:sp>
+    </p:spTree>
+    <p:extLst>
+      <p:ext uri="{BB962C8B-B14F-4D97-AF65-F5344CB8AC3E}">
+        <p14:creationId xmlns:p14="http://schemas.microsoft.com/office/powerpoint/2010/main" val="42680508"/>
+      </p:ext>
+    </p:extLst>
+  </p:cSld>
+  <p:clrMapOvr>
+    <a:masterClrMapping/>
+  </p:clrMapOvr>
+</p:notes>
+</file>
+
+<file path=ppt/notesSlides/notesSlide5.xml><?xml version="1.0" encoding="utf-8"?>
+<p:notes xmlns:a="http://schemas.openxmlformats.org/drawingml/2006/main" xmlns:r="http://schemas.openxmlformats.org/officeDocument/2006/relationships" xmlns:p="http://schemas.openxmlformats.org/presentationml/2006/main">
+  <p:cSld>
+    <p:spTree>
+      <p:nvGrpSpPr>
+        <p:cNvPr id="1" name=""/>
+        <p:cNvGrpSpPr/>
+        <p:nvPr/>
+      </p:nvGrpSpPr>
+      <p:grpSpPr>
+        <a:xfrm>
+          <a:off x="0" y="0"/>
+          <a:ext cx="0" cy="0"/>
+          <a:chOff x="0" y="0"/>
+          <a:chExt cx="0" cy="0"/>
+        </a:xfrm>
+      </p:grpSpPr>
+      <p:sp>
+        <p:nvSpPr>
+          <p:cNvPr id="2" name="Slide Image Placeholder 1"/>
+          <p:cNvSpPr>
+            <a:spLocks noGrp="1" noRot="1" noChangeAspect="1"/>
+          </p:cNvSpPr>
+          <p:nvPr>
+            <p:ph type="sldImg"/>
+          </p:nvPr>
+        </p:nvSpPr>
+        <p:spPr/>
+      </p:sp>
+      <p:sp>
+        <p:nvSpPr>
+          <p:cNvPr id="3" name="Notes Placeholder 2"/>
+          <p:cNvSpPr>
+            <a:spLocks noGrp="1"/>
+          </p:cNvSpPr>
+          <p:nvPr>
+            <p:ph type="body" idx="1"/>
+          </p:nvPr>
+        </p:nvSpPr>
+        <p:spPr/>
+        <p:txBody>
+          <a:bodyPr/>
+          <a:lstStyle/>
+          <a:p>
+            <a:endParaRPr lang="en-US" dirty="0"/>
+          </a:p>
+        </p:txBody>
+      </p:sp>
+      <p:sp>
+        <p:nvSpPr>
+          <p:cNvPr id="4" name="Slide Number Placeholder 3"/>
+          <p:cNvSpPr>
+            <a:spLocks noGrp="1"/>
+          </p:cNvSpPr>
+          <p:nvPr>
+            <p:ph type="sldNum" sz="quarter" idx="5"/>
+          </p:nvPr>
+        </p:nvSpPr>
+        <p:spPr/>
+        <p:txBody>
+          <a:bodyPr/>
+          <a:lstStyle/>
+          <a:p>
+            <a:fld id="{E0E11F9F-4161-854B-AB4C-7AC012B37293}" type="slidenum">
+              <a:rPr lang="en-US" smtClean="0"/>
               <a:t>19</a:t>
             </a:fld>
             <a:endParaRPr lang="en-US"/>
@@ -745,7 +914,91 @@
 </p:notes>
 </file>
 
-<file path=ppt/notesSlides/notesSlide4.xml><?xml version="1.0" encoding="utf-8"?>
+<file path=ppt/notesSlides/notesSlide6.xml><?xml version="1.0" encoding="utf-8"?>
+<p:notes xmlns:a="http://schemas.openxmlformats.org/drawingml/2006/main" xmlns:r="http://schemas.openxmlformats.org/officeDocument/2006/relationships" xmlns:p="http://schemas.openxmlformats.org/presentationml/2006/main">
+  <p:cSld>
+    <p:spTree>
+      <p:nvGrpSpPr>
+        <p:cNvPr id="1" name=""/>
+        <p:cNvGrpSpPr/>
+        <p:nvPr/>
+      </p:nvGrpSpPr>
+      <p:grpSpPr>
+        <a:xfrm>
+          <a:off x="0" y="0"/>
+          <a:ext cx="0" cy="0"/>
+          <a:chOff x="0" y="0"/>
+          <a:chExt cx="0" cy="0"/>
+        </a:xfrm>
+      </p:grpSpPr>
+      <p:sp>
+        <p:nvSpPr>
+          <p:cNvPr id="2" name="Slide Image Placeholder 1"/>
+          <p:cNvSpPr>
+            <a:spLocks noGrp="1" noRot="1" noChangeAspect="1"/>
+          </p:cNvSpPr>
+          <p:nvPr>
+            <p:ph type="sldImg"/>
+          </p:nvPr>
+        </p:nvSpPr>
+        <p:spPr/>
+      </p:sp>
+      <p:sp>
+        <p:nvSpPr>
+          <p:cNvPr id="3" name="Notes Placeholder 2"/>
+          <p:cNvSpPr>
+            <a:spLocks noGrp="1"/>
+          </p:cNvSpPr>
+          <p:nvPr>
+            <p:ph type="body" idx="1"/>
+          </p:nvPr>
+        </p:nvSpPr>
+        <p:spPr/>
+        <p:txBody>
+          <a:bodyPr/>
+          <a:lstStyle/>
+          <a:p>
+            <a:endParaRPr lang="en-US" dirty="0"/>
+          </a:p>
+        </p:txBody>
+      </p:sp>
+      <p:sp>
+        <p:nvSpPr>
+          <p:cNvPr id="4" name="Slide Number Placeholder 3"/>
+          <p:cNvSpPr>
+            <a:spLocks noGrp="1"/>
+          </p:cNvSpPr>
+          <p:nvPr>
+            <p:ph type="sldNum" sz="quarter" idx="5"/>
+          </p:nvPr>
+        </p:nvSpPr>
+        <p:spPr/>
+        <p:txBody>
+          <a:bodyPr/>
+          <a:lstStyle/>
+          <a:p>
+            <a:fld id="{E0E11F9F-4161-854B-AB4C-7AC012B37293}" type="slidenum">
+              <a:rPr lang="en-US" smtClean="0"/>
+              <a:t>21</a:t>
+            </a:fld>
+            <a:endParaRPr lang="en-US"/>
+          </a:p>
+        </p:txBody>
+      </p:sp>
+    </p:spTree>
+    <p:extLst>
+      <p:ext uri="{BB962C8B-B14F-4D97-AF65-F5344CB8AC3E}">
+        <p14:creationId xmlns:p14="http://schemas.microsoft.com/office/powerpoint/2010/main" val="3909080938"/>
+      </p:ext>
+    </p:extLst>
+  </p:cSld>
+  <p:clrMapOvr>
+    <a:masterClrMapping/>
+  </p:clrMapOvr>
+</p:notes>
+</file>
+
+<file path=ppt/notesSlides/notesSlide7.xml><?xml version="1.0" encoding="utf-8"?>
 <p:notes xmlns:a="http://schemas.openxmlformats.org/drawingml/2006/main" xmlns:r="http://schemas.openxmlformats.org/officeDocument/2006/relationships" xmlns:p="http://schemas.openxmlformats.org/presentationml/2006/main">
   <p:cSld>
     <p:spTree>
@@ -2611,7 +2864,7 @@
                 <a:ea typeface="+mn-ea"/>
                 <a:cs typeface="+mn-cs"/>
               </a:rPr>
-              <a:t>Use, duplication or disclosure of this document or any of the information or images contained herein is subject to the restrictions on the title page of this document. COPYRIGHT ©2018 Maxar Technologies  </a:t>
+              <a:t>Use, duplication or disclosure of this document or any of the information or images contained herein is subject to the restrictions on the title page of this document.  COPYRIGHT ©2020 MacDonald, Dettwiler and Associates Inc. (MDA). </a:t>
             </a:r>
             <a:endParaRPr kumimoji="0" lang="en-US" sz="700" b="0" i="0" u="none" strike="noStrike" kern="1200" cap="none" spc="0" normalizeH="0" baseline="0" noProof="0" dirty="0">
               <a:ln>
@@ -3669,7 +3922,7 @@
                 <a:ea typeface="+mn-ea"/>
                 <a:cs typeface="+mn-cs"/>
               </a:rPr>
-              <a:t>Use, duplication or disclosure of this document or any of the information or images contained herein is subject to the restrictions on the title page of this document. COPYRIGHT ©2018 Maxar Technologies  </a:t>
+              <a:t>Use, duplication or disclosure of this document or any of the information or images contained herein is subject to the restrictions on the title page of this document.  COPYRIGHT ©2020 MacDonald, Dettwiler and Associates Inc. (MDA). </a:t>
             </a:r>
             <a:endParaRPr kumimoji="0" lang="en-US" sz="700" b="0" i="0" u="none" strike="noStrike" kern="1200" cap="none" spc="0" normalizeH="0" baseline="0" noProof="0" dirty="0">
               <a:ln>
@@ -5188,7 +5441,7 @@
   <p:sldLayoutIdLst>
     <p:sldLayoutId id="2147483678" r:id="rId1"/>
   </p:sldLayoutIdLst>
-  <p:hf sldNum="0" hdr="0" dt="0"/>
+  <p:hf hdr="0" dt="0"/>
   <p:txStyles>
     <p:titleStyle>
       <a:lvl1pPr algn="l" defTabSz="914400" rtl="0" eaLnBrk="1" latinLnBrk="0" hangingPunct="1">
@@ -5992,7 +6245,7 @@
     <p:sldLayoutId id="2147483695" r:id="rId4"/>
     <p:sldLayoutId id="2147483696" r:id="rId5"/>
   </p:sldLayoutIdLst>
-  <p:hf sldNum="0" hdr="0" dt="0"/>
+  <p:hf hdr="0" dt="0"/>
   <p:txStyles>
     <p:titleStyle>
       <a:lvl1pPr algn="ctr" defTabSz="457200" rtl="0" eaLnBrk="1" latinLnBrk="0" hangingPunct="1">
@@ -6362,6 +6615,151 @@
           </a:p>
         </p:txBody>
       </p:sp>
+      <p:sp>
+        <p:nvSpPr>
+          <p:cNvPr id="5" name="Slide Number Placeholder 1">
+            <a:extLst>
+              <a:ext uri="{FF2B5EF4-FFF2-40B4-BE49-F238E27FC236}">
+                <a16:creationId xmlns:a16="http://schemas.microsoft.com/office/drawing/2014/main" id="{AA20A677-AA55-954B-B5DF-56556DAA6778}"/>
+              </a:ext>
+            </a:extLst>
+          </p:cNvPr>
+          <p:cNvSpPr txBox="1">
+            <a:spLocks/>
+          </p:cNvSpPr>
+          <p:nvPr/>
+        </p:nvSpPr>
+        <p:spPr>
+          <a:xfrm>
+            <a:off x="11695113" y="6430191"/>
+            <a:ext cx="496887" cy="365125"/>
+          </a:xfrm>
+          <a:prstGeom prst="rect">
+            <a:avLst/>
+          </a:prstGeom>
+        </p:spPr>
+        <p:txBody>
+          <a:bodyPr/>
+          <a:lstStyle>
+            <a:defPPr>
+              <a:defRPr lang="en-US"/>
+            </a:defPPr>
+            <a:lvl1pPr marL="0" algn="l" defTabSz="914400" rtl="0" eaLnBrk="1" latinLnBrk="0" hangingPunct="1">
+              <a:defRPr sz="1800" kern="1200">
+                <a:solidFill>
+                  <a:schemeClr val="tx1"/>
+                </a:solidFill>
+                <a:latin typeface="+mn-lt"/>
+                <a:ea typeface="+mn-ea"/>
+                <a:cs typeface="+mn-cs"/>
+              </a:defRPr>
+            </a:lvl1pPr>
+            <a:lvl2pPr marL="457200" algn="l" defTabSz="914400" rtl="0" eaLnBrk="1" latinLnBrk="0" hangingPunct="1">
+              <a:defRPr sz="1800" kern="1200">
+                <a:solidFill>
+                  <a:schemeClr val="tx1"/>
+                </a:solidFill>
+                <a:latin typeface="+mn-lt"/>
+                <a:ea typeface="+mn-ea"/>
+                <a:cs typeface="+mn-cs"/>
+              </a:defRPr>
+            </a:lvl2pPr>
+            <a:lvl3pPr marL="914400" algn="l" defTabSz="914400" rtl="0" eaLnBrk="1" latinLnBrk="0" hangingPunct="1">
+              <a:defRPr sz="1800" kern="1200">
+                <a:solidFill>
+                  <a:schemeClr val="tx1"/>
+                </a:solidFill>
+                <a:latin typeface="+mn-lt"/>
+                <a:ea typeface="+mn-ea"/>
+                <a:cs typeface="+mn-cs"/>
+              </a:defRPr>
+            </a:lvl3pPr>
+            <a:lvl4pPr marL="1371600" algn="l" defTabSz="914400" rtl="0" eaLnBrk="1" latinLnBrk="0" hangingPunct="1">
+              <a:defRPr sz="1800" kern="1200">
+                <a:solidFill>
+                  <a:schemeClr val="tx1"/>
+                </a:solidFill>
+                <a:latin typeface="+mn-lt"/>
+                <a:ea typeface="+mn-ea"/>
+                <a:cs typeface="+mn-cs"/>
+              </a:defRPr>
+            </a:lvl4pPr>
+            <a:lvl5pPr marL="1828800" algn="l" defTabSz="914400" rtl="0" eaLnBrk="1" latinLnBrk="0" hangingPunct="1">
+              <a:defRPr sz="1800" kern="1200">
+                <a:solidFill>
+                  <a:schemeClr val="tx1"/>
+                </a:solidFill>
+                <a:latin typeface="+mn-lt"/>
+                <a:ea typeface="+mn-ea"/>
+                <a:cs typeface="+mn-cs"/>
+              </a:defRPr>
+            </a:lvl5pPr>
+            <a:lvl6pPr marL="2286000" algn="l" defTabSz="914400" rtl="0" eaLnBrk="1" latinLnBrk="0" hangingPunct="1">
+              <a:defRPr sz="1800" kern="1200">
+                <a:solidFill>
+                  <a:schemeClr val="tx1"/>
+                </a:solidFill>
+                <a:latin typeface="+mn-lt"/>
+                <a:ea typeface="+mn-ea"/>
+                <a:cs typeface="+mn-cs"/>
+              </a:defRPr>
+            </a:lvl6pPr>
+            <a:lvl7pPr marL="2743200" algn="l" defTabSz="914400" rtl="0" eaLnBrk="1" latinLnBrk="0" hangingPunct="1">
+              <a:defRPr sz="1800" kern="1200">
+                <a:solidFill>
+                  <a:schemeClr val="tx1"/>
+                </a:solidFill>
+                <a:latin typeface="+mn-lt"/>
+                <a:ea typeface="+mn-ea"/>
+                <a:cs typeface="+mn-cs"/>
+              </a:defRPr>
+            </a:lvl7pPr>
+            <a:lvl8pPr marL="3200400" algn="l" defTabSz="914400" rtl="0" eaLnBrk="1" latinLnBrk="0" hangingPunct="1">
+              <a:defRPr sz="1800" kern="1200">
+                <a:solidFill>
+                  <a:schemeClr val="tx1"/>
+                </a:solidFill>
+                <a:latin typeface="+mn-lt"/>
+                <a:ea typeface="+mn-ea"/>
+                <a:cs typeface="+mn-cs"/>
+              </a:defRPr>
+            </a:lvl8pPr>
+            <a:lvl9pPr marL="3657600" algn="l" defTabSz="914400" rtl="0" eaLnBrk="1" latinLnBrk="0" hangingPunct="1">
+              <a:defRPr sz="1800" kern="1200">
+                <a:solidFill>
+                  <a:schemeClr val="tx1"/>
+                </a:solidFill>
+                <a:latin typeface="+mn-lt"/>
+                <a:ea typeface="+mn-ea"/>
+                <a:cs typeface="+mn-cs"/>
+              </a:defRPr>
+            </a:lvl9pPr>
+          </a:lstStyle>
+          <a:p>
+            <a:pPr algn="ctr">
+              <a:defRPr/>
+            </a:pPr>
+            <a:fld id="{48F63A3B-78C7-47BE-AE5E-E10140E04643}" type="slidenum">
+              <a:rPr lang="en-US" sz="1400" smtClean="0">
+                <a:solidFill>
+                  <a:prstClr val="white"/>
+                </a:solidFill>
+                <a:latin typeface="Calibri"/>
+              </a:rPr>
+              <a:pPr algn="ctr">
+                <a:defRPr/>
+              </a:pPr>
+              <a:t>1</a:t>
+            </a:fld>
+            <a:endParaRPr lang="en-US" sz="1400" dirty="0">
+              <a:solidFill>
+                <a:prstClr val="white"/>
+              </a:solidFill>
+              <a:latin typeface="Calibri"/>
+            </a:endParaRPr>
+          </a:p>
+        </p:txBody>
+      </p:sp>
     </p:spTree>
     <p:extLst>
       <p:ext uri="{BB962C8B-B14F-4D97-AF65-F5344CB8AC3E}">
@@ -6472,7 +6870,7 @@
               <a:buChar char="•"/>
             </a:pPr>
             <a:r>
-              <a:rPr lang="en-US" sz="2600" dirty="0"/>
+              <a:rPr lang="en-US" sz="2200" dirty="0"/>
               <a:t>Bleu 1-4</a:t>
             </a:r>
           </a:p>
@@ -6482,7 +6880,7 @@
               <a:buChar char="•"/>
             </a:pPr>
             <a:r>
-              <a:rPr lang="en-US" sz="2600" dirty="0"/>
+              <a:rPr lang="en-US" sz="2200" dirty="0"/>
               <a:t>Rouge L</a:t>
             </a:r>
           </a:p>
@@ -6492,10 +6890,10 @@
               <a:buChar char="•"/>
             </a:pPr>
             <a:r>
-              <a:rPr lang="en-US" sz="2600" dirty="0" err="1"/>
+              <a:rPr lang="en-US" sz="2200" dirty="0" err="1"/>
               <a:t>Meteror</a:t>
             </a:r>
-            <a:endParaRPr lang="en-US" sz="2600" dirty="0"/>
+            <a:endParaRPr lang="en-US" sz="2200" dirty="0"/>
           </a:p>
           <a:p>
             <a:pPr lvl="1">
@@ -6503,10 +6901,10 @@
               <a:buChar char="•"/>
             </a:pPr>
             <a:r>
-              <a:rPr lang="en-US" sz="2600" dirty="0" err="1"/>
+              <a:rPr lang="en-US" sz="2200" dirty="0" err="1"/>
               <a:t>CIDEr</a:t>
             </a:r>
-            <a:endParaRPr lang="en-US" sz="2600" dirty="0"/>
+            <a:endParaRPr lang="en-US" sz="2200" dirty="0"/>
           </a:p>
           <a:p>
             <a:pPr lvl="1">
@@ -6514,9 +6912,21 @@
               <a:buChar char="•"/>
             </a:pPr>
             <a:r>
+              <a:rPr lang="en-US" sz="2200" dirty="0"/>
+              <a:t>Commonly used in the community and research papers</a:t>
+            </a:r>
+          </a:p>
+          <a:p>
+            <a:r>
               <a:rPr lang="en-US" sz="2600" dirty="0"/>
-              <a:t>Commonly used in the community and research papers</a:t>
-            </a:r>
+              <a:t>Problem with N-gram based metrics</a:t>
+            </a:r>
+          </a:p>
+          <a:p>
+            <a:pPr marL="457200" lvl="1" indent="0">
+              <a:buNone/>
+            </a:pPr>
+            <a:endParaRPr lang="en-US" sz="2600" dirty="0"/>
           </a:p>
           <a:p>
             <a:pPr marL="0" indent="0">
@@ -6562,6 +6972,95 @@
               <a:t>MacDonald, Dettwiler and Associates Inc. (MDA). </a:t>
             </a:r>
             <a:endParaRPr lang="en-US" dirty="0"/>
+          </a:p>
+        </p:txBody>
+      </p:sp>
+      <p:sp>
+        <p:nvSpPr>
+          <p:cNvPr id="2" name="Slide Number Placeholder 1">
+            <a:extLst>
+              <a:ext uri="{FF2B5EF4-FFF2-40B4-BE49-F238E27FC236}">
+                <a16:creationId xmlns:a16="http://schemas.microsoft.com/office/drawing/2014/main" id="{7E4D583D-8D12-9244-8231-17B3A4AFCB06}"/>
+              </a:ext>
+            </a:extLst>
+          </p:cNvPr>
+          <p:cNvSpPr>
+            <a:spLocks noGrp="1"/>
+          </p:cNvSpPr>
+          <p:nvPr>
+            <p:ph type="sldNum" sz="quarter" idx="4"/>
+          </p:nvPr>
+        </p:nvSpPr>
+        <p:spPr/>
+        <p:txBody>
+          <a:bodyPr/>
+          <a:lstStyle/>
+          <a:p>
+            <a:pPr marL="0" marR="0" lvl="0" indent="0" algn="ctr" defTabSz="914400" rtl="0" eaLnBrk="1" fontAlgn="auto" latinLnBrk="0" hangingPunct="1">
+              <a:lnSpc>
+                <a:spcPct val="100000"/>
+              </a:lnSpc>
+              <a:spcBef>
+                <a:spcPts val="0"/>
+              </a:spcBef>
+              <a:spcAft>
+                <a:spcPts val="0"/>
+              </a:spcAft>
+              <a:buClrTx/>
+              <a:buSzTx/>
+              <a:buFontTx/>
+              <a:buNone/>
+              <a:tabLst/>
+              <a:defRPr/>
+            </a:pPr>
+            <a:fld id="{48F63A3B-78C7-47BE-AE5E-E10140E04643}" type="slidenum">
+              <a:rPr kumimoji="0" lang="en-US" sz="1400" b="0" i="0" u="none" strike="noStrike" kern="1200" cap="none" spc="0" normalizeH="0" baseline="0" noProof="0" smtClean="0">
+                <a:ln>
+                  <a:noFill/>
+                </a:ln>
+                <a:solidFill>
+                  <a:prstClr val="white"/>
+                </a:solidFill>
+                <a:effectLst/>
+                <a:uLnTx/>
+                <a:uFillTx/>
+                <a:latin typeface="Calibri"/>
+                <a:ea typeface="+mn-ea"/>
+                <a:cs typeface="+mn-cs"/>
+              </a:rPr>
+              <a:pPr marL="0" marR="0" lvl="0" indent="0" algn="ctr" defTabSz="914400" rtl="0" eaLnBrk="1" fontAlgn="auto" latinLnBrk="0" hangingPunct="1">
+                <a:lnSpc>
+                  <a:spcPct val="100000"/>
+                </a:lnSpc>
+                <a:spcBef>
+                  <a:spcPts val="0"/>
+                </a:spcBef>
+                <a:spcAft>
+                  <a:spcPts val="0"/>
+                </a:spcAft>
+                <a:buClrTx/>
+                <a:buSzTx/>
+                <a:buFontTx/>
+                <a:buNone/>
+                <a:tabLst/>
+                <a:defRPr/>
+              </a:pPr>
+              <a:t>10</a:t>
+            </a:fld>
+            <a:endParaRPr kumimoji="0" lang="en-US" sz="1400" b="0" i="0" u="none" strike="noStrike" kern="1200" cap="none" spc="0" normalizeH="0" baseline="0" noProof="0" dirty="0">
+              <a:ln>
+                <a:noFill/>
+              </a:ln>
+              <a:solidFill>
+                <a:prstClr val="white"/>
+              </a:solidFill>
+              <a:effectLst/>
+              <a:uLnTx/>
+              <a:uFillTx/>
+              <a:latin typeface="Calibri"/>
+              <a:ea typeface="+mn-ea"/>
+              <a:cs typeface="+mn-cs"/>
+            </a:endParaRPr>
           </a:p>
         </p:txBody>
       </p:sp>
@@ -6597,10 +7096,138 @@
       </p:grpSpPr>
       <p:sp>
         <p:nvSpPr>
-          <p:cNvPr id="3" name="Title 2">
+          <p:cNvPr id="5" name="Slide Number Placeholder 4">
             <a:extLst>
               <a:ext uri="{FF2B5EF4-FFF2-40B4-BE49-F238E27FC236}">
-                <a16:creationId xmlns:a16="http://schemas.microsoft.com/office/drawing/2014/main" id="{080A15B5-E576-B747-B007-A72F3777A4B5}"/>
+                <a16:creationId xmlns:a16="http://schemas.microsoft.com/office/drawing/2014/main" id="{28E633CE-A496-3A49-8DE6-EDF4A7FFA280}"/>
+              </a:ext>
+            </a:extLst>
+          </p:cNvPr>
+          <p:cNvSpPr>
+            <a:spLocks noGrp="1"/>
+          </p:cNvSpPr>
+          <p:nvPr>
+            <p:ph type="sldNum" sz="quarter" idx="4"/>
+          </p:nvPr>
+        </p:nvSpPr>
+        <p:spPr/>
+        <p:txBody>
+          <a:bodyPr/>
+          <a:lstStyle/>
+          <a:p>
+            <a:pPr marL="0" marR="0" lvl="0" indent="0" algn="ctr" defTabSz="914400" rtl="0" eaLnBrk="1" fontAlgn="auto" latinLnBrk="0" hangingPunct="1">
+              <a:lnSpc>
+                <a:spcPct val="100000"/>
+              </a:lnSpc>
+              <a:spcBef>
+                <a:spcPts val="0"/>
+              </a:spcBef>
+              <a:spcAft>
+                <a:spcPts val="0"/>
+              </a:spcAft>
+              <a:buClrTx/>
+              <a:buSzTx/>
+              <a:buFontTx/>
+              <a:buNone/>
+              <a:tabLst/>
+              <a:defRPr/>
+            </a:pPr>
+            <a:fld id="{48F63A3B-78C7-47BE-AE5E-E10140E04643}" type="slidenum">
+              <a:rPr kumimoji="0" lang="en-US" sz="1400" b="0" i="0" u="none" strike="noStrike" kern="1200" cap="none" spc="0" normalizeH="0" baseline="0" noProof="0" smtClean="0">
+                <a:ln>
+                  <a:noFill/>
+                </a:ln>
+                <a:solidFill>
+                  <a:prstClr val="white"/>
+                </a:solidFill>
+                <a:effectLst/>
+                <a:uLnTx/>
+                <a:uFillTx/>
+                <a:latin typeface="Calibri"/>
+                <a:ea typeface="+mn-ea"/>
+                <a:cs typeface="+mn-cs"/>
+              </a:rPr>
+              <a:pPr marL="0" marR="0" lvl="0" indent="0" algn="ctr" defTabSz="914400" rtl="0" eaLnBrk="1" fontAlgn="auto" latinLnBrk="0" hangingPunct="1">
+                <a:lnSpc>
+                  <a:spcPct val="100000"/>
+                </a:lnSpc>
+                <a:spcBef>
+                  <a:spcPts val="0"/>
+                </a:spcBef>
+                <a:spcAft>
+                  <a:spcPts val="0"/>
+                </a:spcAft>
+                <a:buClrTx/>
+                <a:buSzTx/>
+                <a:buFontTx/>
+                <a:buNone/>
+                <a:tabLst/>
+                <a:defRPr/>
+              </a:pPr>
+              <a:t>11</a:t>
+            </a:fld>
+            <a:endParaRPr kumimoji="0" lang="en-US" sz="1400" b="0" i="0" u="none" strike="noStrike" kern="1200" cap="none" spc="0" normalizeH="0" baseline="0" noProof="0" dirty="0">
+              <a:ln>
+                <a:noFill/>
+              </a:ln>
+              <a:solidFill>
+                <a:prstClr val="white"/>
+              </a:solidFill>
+              <a:effectLst/>
+              <a:uLnTx/>
+              <a:uFillTx/>
+              <a:latin typeface="Calibri"/>
+              <a:ea typeface="+mn-ea"/>
+              <a:cs typeface="+mn-cs"/>
+            </a:endParaRPr>
+          </a:p>
+        </p:txBody>
+      </p:sp>
+      <p:sp>
+        <p:nvSpPr>
+          <p:cNvPr id="6" name="Footer Placeholder 5">
+            <a:extLst>
+              <a:ext uri="{FF2B5EF4-FFF2-40B4-BE49-F238E27FC236}">
+                <a16:creationId xmlns:a16="http://schemas.microsoft.com/office/drawing/2014/main" id="{AF9642E4-C807-8245-9E47-E26D29B2D105}"/>
+              </a:ext>
+            </a:extLst>
+          </p:cNvPr>
+          <p:cNvSpPr>
+            <a:spLocks noGrp="1"/>
+          </p:cNvSpPr>
+          <p:nvPr>
+            <p:ph type="ftr" sz="quarter" idx="3"/>
+          </p:nvPr>
+        </p:nvSpPr>
+        <p:spPr/>
+        <p:txBody>
+          <a:bodyPr/>
+          <a:lstStyle/>
+          <a:p>
+            <a:r>
+              <a:rPr lang="en-US"/>
+              <a:t>Use, duplication or disclosure of this document or any of the information or images contained herein is subject to the restrictions on the title page of this document. </a:t>
+            </a:r>
+          </a:p>
+          <a:p>
+            <a:r>
+              <a:rPr lang="en-US"/>
+              <a:t>COPYRIGHT ©2020 </a:t>
+            </a:r>
+            <a:r>
+              <a:rPr lang="en-CA"/>
+              <a:t>MacDonald, Dettwiler and Associates Inc. (MDA). </a:t>
+            </a:r>
+            <a:endParaRPr lang="en-US" dirty="0"/>
+          </a:p>
+        </p:txBody>
+      </p:sp>
+      <p:sp>
+        <p:nvSpPr>
+          <p:cNvPr id="7" name="Title 2">
+            <a:extLst>
+              <a:ext uri="{FF2B5EF4-FFF2-40B4-BE49-F238E27FC236}">
+                <a16:creationId xmlns:a16="http://schemas.microsoft.com/office/drawing/2014/main" id="{1559E81B-F275-0145-8E51-D1FA8253BC36}"/>
               </a:ext>
             </a:extLst>
           </p:cNvPr>
@@ -6613,7 +7240,7 @@
         </p:nvSpPr>
         <p:spPr>
           <a:xfrm>
-            <a:off x="1112066" y="253978"/>
+            <a:off x="1087392" y="242678"/>
             <a:ext cx="10017215" cy="716260"/>
           </a:xfrm>
         </p:spPr>
@@ -6634,28 +7261,29 @@
       </p:sp>
       <p:sp>
         <p:nvSpPr>
-          <p:cNvPr id="4" name="Content Placeholder 3">
+          <p:cNvPr id="8" name="Rectangle 7">
             <a:extLst>
               <a:ext uri="{FF2B5EF4-FFF2-40B4-BE49-F238E27FC236}">
-                <a16:creationId xmlns:a16="http://schemas.microsoft.com/office/drawing/2014/main" id="{208FB8C0-31AA-A248-B300-33329EFE891B}"/>
+                <a16:creationId xmlns:a16="http://schemas.microsoft.com/office/drawing/2014/main" id="{56FDC1A5-270C-1942-B4D0-9E4DA9294095}"/>
               </a:ext>
             </a:extLst>
           </p:cNvPr>
-          <p:cNvSpPr>
-            <a:spLocks noGrp="1"/>
-          </p:cNvSpPr>
-          <p:nvPr>
-            <p:ph sz="half" idx="13"/>
-          </p:nvPr>
+          <p:cNvSpPr/>
+          <p:nvPr/>
         </p:nvSpPr>
         <p:spPr>
           <a:xfrm>
-            <a:off x="1112066" y="1511695"/>
-            <a:ext cx="7070642" cy="4351338"/>
+            <a:off x="1087392" y="1316874"/>
+            <a:ext cx="8268643" cy="1231106"/>
           </a:xfrm>
+          <a:prstGeom prst="rect">
+            <a:avLst/>
+          </a:prstGeom>
         </p:spPr>
         <p:txBody>
-          <a:bodyPr/>
+          <a:bodyPr wrap="square">
+            <a:spAutoFit/>
+          </a:bodyPr>
           <a:lstStyle/>
           <a:p>
             <a:r>
@@ -6669,16 +7297,8 @@
               <a:buChar char="•"/>
             </a:pPr>
             <a:r>
-              <a:rPr lang="en-US" sz="2600" dirty="0"/>
-              <a:t>SPICE: </a:t>
-            </a:r>
-            <a:r>
-              <a:rPr lang="en-CA" sz="2600" dirty="0"/>
-              <a:t>semantic </a:t>
-            </a:r>
-            <a:r>
-              <a:rPr lang="en-US" sz="2600" dirty="0"/>
-              <a:t>scene graph</a:t>
+              <a:rPr lang="en-US" sz="2400" dirty="0"/>
+              <a:t>Universal Sentence Encoder Similarity</a:t>
             </a:r>
           </a:p>
           <a:p>
@@ -6687,60 +7307,27 @@
               <a:buChar char="•"/>
             </a:pPr>
             <a:r>
-              <a:rPr lang="en-US" sz="2600" dirty="0"/>
-              <a:t>Universal Sentence Encoder Similarity</a:t>
-            </a:r>
-          </a:p>
-          <a:p>
-            <a:endParaRPr lang="en-US" dirty="0"/>
-          </a:p>
-        </p:txBody>
-      </p:sp>
-      <p:sp>
-        <p:nvSpPr>
-          <p:cNvPr id="5" name="Footer Placeholder 4">
+              <a:rPr lang="en-US" sz="2400" dirty="0"/>
+              <a:t>SPICE: </a:t>
+            </a:r>
+            <a:r>
+              <a:rPr lang="en-CA" sz="2400" dirty="0"/>
+              <a:t>semantic </a:t>
+            </a:r>
+            <a:r>
+              <a:rPr lang="en-US" sz="2400" dirty="0"/>
+              <a:t>scene graph</a:t>
+            </a:r>
+            <a:endParaRPr lang="en-US" sz="2600" dirty="0"/>
+          </a:p>
+        </p:txBody>
+      </p:sp>
+      <p:pic>
+        <p:nvPicPr>
+          <p:cNvPr id="9" name="Picture 8">
             <a:extLst>
               <a:ext uri="{FF2B5EF4-FFF2-40B4-BE49-F238E27FC236}">
-                <a16:creationId xmlns:a16="http://schemas.microsoft.com/office/drawing/2014/main" id="{27546011-A305-C840-80B3-181DE9DE0892}"/>
-              </a:ext>
-            </a:extLst>
-          </p:cNvPr>
-          <p:cNvSpPr>
-            <a:spLocks noGrp="1"/>
-          </p:cNvSpPr>
-          <p:nvPr>
-            <p:ph type="ftr" sz="quarter" idx="3"/>
-          </p:nvPr>
-        </p:nvSpPr>
-        <p:spPr/>
-        <p:txBody>
-          <a:bodyPr/>
-          <a:lstStyle/>
-          <a:p>
-            <a:r>
-              <a:rPr lang="en-US"/>
-              <a:t>Use, duplication or disclosure of this document or any of the information or images contained herein is subject to the restrictions on the title page of this document. </a:t>
-            </a:r>
-          </a:p>
-          <a:p>
-            <a:r>
-              <a:rPr lang="en-US"/>
-              <a:t>COPYRIGHT ©2020 </a:t>
-            </a:r>
-            <a:r>
-              <a:rPr lang="en-CA"/>
-              <a:t>MacDonald, Dettwiler and Associates Inc. (MDA). </a:t>
-            </a:r>
-            <a:endParaRPr lang="en-US" dirty="0"/>
-          </a:p>
-        </p:txBody>
-      </p:sp>
-      <p:pic>
-        <p:nvPicPr>
-          <p:cNvPr id="6" name="Picture 5">
-            <a:extLst>
-              <a:ext uri="{FF2B5EF4-FFF2-40B4-BE49-F238E27FC236}">
-                <a16:creationId xmlns:a16="http://schemas.microsoft.com/office/drawing/2014/main" id="{CC009A8B-C648-5645-862D-E70E3D599938}"/>
+                <a16:creationId xmlns:a16="http://schemas.microsoft.com/office/drawing/2014/main" id="{F3C27187-F2E5-FB4A-A14D-F831F6AC8F51}"/>
               </a:ext>
             </a:extLst>
           </p:cNvPr>
@@ -6750,25 +7337,132 @@
           <p:nvPr/>
         </p:nvPicPr>
         <p:blipFill>
-          <a:blip r:embed="rId2"/>
+          <a:blip r:embed="rId3"/>
           <a:stretch>
             <a:fillRect/>
           </a:stretch>
         </p:blipFill>
         <p:spPr>
           <a:xfrm>
-            <a:off x="3093677" y="2933362"/>
-            <a:ext cx="5397500" cy="3200400"/>
+            <a:off x="6537180" y="958938"/>
+            <a:ext cx="5637710" cy="4964400"/>
           </a:xfrm>
           <a:prstGeom prst="rect">
             <a:avLst/>
           </a:prstGeom>
         </p:spPr>
       </p:pic>
+      <p:sp>
+        <p:nvSpPr>
+          <p:cNvPr id="10" name="TextBox 9">
+            <a:extLst>
+              <a:ext uri="{FF2B5EF4-FFF2-40B4-BE49-F238E27FC236}">
+                <a16:creationId xmlns:a16="http://schemas.microsoft.com/office/drawing/2014/main" id="{E4B1EB1C-3E50-534F-92B0-962EC95112C5}"/>
+              </a:ext>
+            </a:extLst>
+          </p:cNvPr>
+          <p:cNvSpPr txBox="1"/>
+          <p:nvPr/>
+        </p:nvSpPr>
+        <p:spPr>
+          <a:xfrm>
+            <a:off x="2404313" y="3198962"/>
+            <a:ext cx="2703882" cy="2554545"/>
+          </a:xfrm>
+          <a:prstGeom prst="rect">
+            <a:avLst/>
+          </a:prstGeom>
+        </p:spPr>
+        <p:style>
+          <a:lnRef idx="2">
+            <a:schemeClr val="accent1"/>
+          </a:lnRef>
+          <a:fillRef idx="1">
+            <a:schemeClr val="lt1"/>
+          </a:fillRef>
+          <a:effectRef idx="0">
+            <a:schemeClr val="accent1"/>
+          </a:effectRef>
+          <a:fontRef idx="minor">
+            <a:schemeClr val="dk1"/>
+          </a:fontRef>
+        </p:style>
+        <p:txBody>
+          <a:bodyPr wrap="none" rtlCol="0">
+            <a:spAutoFit/>
+          </a:bodyPr>
+          <a:lstStyle/>
+          <a:p>
+            <a:r>
+              <a:rPr lang="en-US" sz="2000" dirty="0"/>
+              <a:t>N-gram based metrics:</a:t>
+            </a:r>
+          </a:p>
+          <a:p>
+            <a:pPr marL="457200" indent="-457200">
+              <a:buFont typeface="Arial" panose="020B0604020202020204" pitchFamily="34" charset="0"/>
+              <a:buChar char="•"/>
+            </a:pPr>
+            <a:r>
+              <a:rPr lang="en-US" sz="2000" dirty="0"/>
+              <a:t>BLEU-1 score = 0.74</a:t>
+            </a:r>
+          </a:p>
+          <a:p>
+            <a:pPr marL="457200" indent="-457200">
+              <a:buFont typeface="Arial" panose="020B0604020202020204" pitchFamily="34" charset="0"/>
+              <a:buChar char="•"/>
+            </a:pPr>
+            <a:r>
+              <a:rPr lang="en-US" sz="2000" dirty="0"/>
+              <a:t>BLEU-2 score = 0.46</a:t>
+            </a:r>
+          </a:p>
+          <a:p>
+            <a:pPr marL="457200" indent="-457200">
+              <a:buFont typeface="Arial" panose="020B0604020202020204" pitchFamily="34" charset="0"/>
+              <a:buChar char="•"/>
+            </a:pPr>
+            <a:r>
+              <a:rPr lang="en-US" sz="2000" dirty="0"/>
+              <a:t>BLEU-3 score  = 0</a:t>
+            </a:r>
+          </a:p>
+          <a:p>
+            <a:pPr marL="457200" indent="-457200">
+              <a:buFont typeface="Arial" panose="020B0604020202020204" pitchFamily="34" charset="0"/>
+              <a:buChar char="•"/>
+            </a:pPr>
+            <a:r>
+              <a:rPr lang="en-US" sz="2000" dirty="0"/>
+              <a:t>BLEU-4 score = 0</a:t>
+            </a:r>
+          </a:p>
+          <a:p>
+            <a:endParaRPr lang="en-US" sz="2000" dirty="0"/>
+          </a:p>
+          <a:p>
+            <a:r>
+              <a:rPr lang="en-US" sz="2000" dirty="0"/>
+              <a:t>Semantic based metric:</a:t>
+            </a:r>
+          </a:p>
+          <a:p>
+            <a:pPr marL="457200" indent="-457200">
+              <a:buFont typeface="Arial" panose="020B0604020202020204" pitchFamily="34" charset="0"/>
+              <a:buChar char="•"/>
+            </a:pPr>
+            <a:r>
+              <a:rPr lang="en-US" sz="2000" dirty="0"/>
+              <a:t>SPICE score = 0.3</a:t>
+            </a:r>
+          </a:p>
+        </p:txBody>
+      </p:sp>
     </p:spTree>
     <p:extLst>
       <p:ext uri="{BB962C8B-B14F-4D97-AF65-F5344CB8AC3E}">
-        <p14:creationId xmlns:p14="http://schemas.microsoft.com/office/powerpoint/2010/main" val="3996265033"/>
+        <p14:creationId xmlns:p14="http://schemas.microsoft.com/office/powerpoint/2010/main" val="1139063250"/>
       </p:ext>
     </p:extLst>
   </p:cSld>
@@ -6962,6 +7656,95 @@
           </a:prstGeom>
         </p:spPr>
       </p:pic>
+      <p:sp>
+        <p:nvSpPr>
+          <p:cNvPr id="3" name="Slide Number Placeholder 2">
+            <a:extLst>
+              <a:ext uri="{FF2B5EF4-FFF2-40B4-BE49-F238E27FC236}">
+                <a16:creationId xmlns:a16="http://schemas.microsoft.com/office/drawing/2014/main" id="{2A2443AF-F992-9A4A-BF28-8CEDB25AA85B}"/>
+              </a:ext>
+            </a:extLst>
+          </p:cNvPr>
+          <p:cNvSpPr>
+            <a:spLocks noGrp="1"/>
+          </p:cNvSpPr>
+          <p:nvPr>
+            <p:ph type="sldNum" sz="quarter" idx="4"/>
+          </p:nvPr>
+        </p:nvSpPr>
+        <p:spPr/>
+        <p:txBody>
+          <a:bodyPr/>
+          <a:lstStyle/>
+          <a:p>
+            <a:pPr marL="0" marR="0" lvl="0" indent="0" algn="ctr" defTabSz="914400" rtl="0" eaLnBrk="1" fontAlgn="auto" latinLnBrk="0" hangingPunct="1">
+              <a:lnSpc>
+                <a:spcPct val="100000"/>
+              </a:lnSpc>
+              <a:spcBef>
+                <a:spcPts val="0"/>
+              </a:spcBef>
+              <a:spcAft>
+                <a:spcPts val="0"/>
+              </a:spcAft>
+              <a:buClrTx/>
+              <a:buSzTx/>
+              <a:buFontTx/>
+              <a:buNone/>
+              <a:tabLst/>
+              <a:defRPr/>
+            </a:pPr>
+            <a:fld id="{48F63A3B-78C7-47BE-AE5E-E10140E04643}" type="slidenum">
+              <a:rPr kumimoji="0" lang="en-US" sz="1400" b="0" i="0" u="none" strike="noStrike" kern="1200" cap="none" spc="0" normalizeH="0" baseline="0" noProof="0" smtClean="0">
+                <a:ln>
+                  <a:noFill/>
+                </a:ln>
+                <a:solidFill>
+                  <a:prstClr val="white"/>
+                </a:solidFill>
+                <a:effectLst/>
+                <a:uLnTx/>
+                <a:uFillTx/>
+                <a:latin typeface="Calibri"/>
+                <a:ea typeface="+mn-ea"/>
+                <a:cs typeface="+mn-cs"/>
+              </a:rPr>
+              <a:pPr marL="0" marR="0" lvl="0" indent="0" algn="ctr" defTabSz="914400" rtl="0" eaLnBrk="1" fontAlgn="auto" latinLnBrk="0" hangingPunct="1">
+                <a:lnSpc>
+                  <a:spcPct val="100000"/>
+                </a:lnSpc>
+                <a:spcBef>
+                  <a:spcPts val="0"/>
+                </a:spcBef>
+                <a:spcAft>
+                  <a:spcPts val="0"/>
+                </a:spcAft>
+                <a:buClrTx/>
+                <a:buSzTx/>
+                <a:buFontTx/>
+                <a:buNone/>
+                <a:tabLst/>
+                <a:defRPr/>
+              </a:pPr>
+              <a:t>12</a:t>
+            </a:fld>
+            <a:endParaRPr kumimoji="0" lang="en-US" sz="1400" b="0" i="0" u="none" strike="noStrike" kern="1200" cap="none" spc="0" normalizeH="0" baseline="0" noProof="0" dirty="0">
+              <a:ln>
+                <a:noFill/>
+              </a:ln>
+              <a:solidFill>
+                <a:prstClr val="white"/>
+              </a:solidFill>
+              <a:effectLst/>
+              <a:uLnTx/>
+              <a:uFillTx/>
+              <a:latin typeface="Calibri"/>
+              <a:ea typeface="+mn-ea"/>
+              <a:cs typeface="+mn-cs"/>
+            </a:endParaRPr>
+          </a:p>
+        </p:txBody>
+      </p:sp>
     </p:spTree>
     <p:extLst>
       <p:ext uri="{BB962C8B-B14F-4D97-AF65-F5344CB8AC3E}">
@@ -7144,6 +7927,95 @@
           </a:prstGeom>
         </p:spPr>
       </p:pic>
+      <p:sp>
+        <p:nvSpPr>
+          <p:cNvPr id="3" name="Slide Number Placeholder 2">
+            <a:extLst>
+              <a:ext uri="{FF2B5EF4-FFF2-40B4-BE49-F238E27FC236}">
+                <a16:creationId xmlns:a16="http://schemas.microsoft.com/office/drawing/2014/main" id="{2B540613-1E64-984F-BFA0-ACAACD617A51}"/>
+              </a:ext>
+            </a:extLst>
+          </p:cNvPr>
+          <p:cNvSpPr>
+            <a:spLocks noGrp="1"/>
+          </p:cNvSpPr>
+          <p:nvPr>
+            <p:ph type="sldNum" sz="quarter" idx="4"/>
+          </p:nvPr>
+        </p:nvSpPr>
+        <p:spPr/>
+        <p:txBody>
+          <a:bodyPr/>
+          <a:lstStyle/>
+          <a:p>
+            <a:pPr marL="0" marR="0" lvl="0" indent="0" algn="ctr" defTabSz="914400" rtl="0" eaLnBrk="1" fontAlgn="auto" latinLnBrk="0" hangingPunct="1">
+              <a:lnSpc>
+                <a:spcPct val="100000"/>
+              </a:lnSpc>
+              <a:spcBef>
+                <a:spcPts val="0"/>
+              </a:spcBef>
+              <a:spcAft>
+                <a:spcPts val="0"/>
+              </a:spcAft>
+              <a:buClrTx/>
+              <a:buSzTx/>
+              <a:buFontTx/>
+              <a:buNone/>
+              <a:tabLst/>
+              <a:defRPr/>
+            </a:pPr>
+            <a:fld id="{48F63A3B-78C7-47BE-AE5E-E10140E04643}" type="slidenum">
+              <a:rPr kumimoji="0" lang="en-US" sz="1400" b="0" i="0" u="none" strike="noStrike" kern="1200" cap="none" spc="0" normalizeH="0" baseline="0" noProof="0" smtClean="0">
+                <a:ln>
+                  <a:noFill/>
+                </a:ln>
+                <a:solidFill>
+                  <a:prstClr val="white"/>
+                </a:solidFill>
+                <a:effectLst/>
+                <a:uLnTx/>
+                <a:uFillTx/>
+                <a:latin typeface="Calibri"/>
+                <a:ea typeface="+mn-ea"/>
+                <a:cs typeface="+mn-cs"/>
+              </a:rPr>
+              <a:pPr marL="0" marR="0" lvl="0" indent="0" algn="ctr" defTabSz="914400" rtl="0" eaLnBrk="1" fontAlgn="auto" latinLnBrk="0" hangingPunct="1">
+                <a:lnSpc>
+                  <a:spcPct val="100000"/>
+                </a:lnSpc>
+                <a:spcBef>
+                  <a:spcPts val="0"/>
+                </a:spcBef>
+                <a:spcAft>
+                  <a:spcPts val="0"/>
+                </a:spcAft>
+                <a:buClrTx/>
+                <a:buSzTx/>
+                <a:buFontTx/>
+                <a:buNone/>
+                <a:tabLst/>
+                <a:defRPr/>
+              </a:pPr>
+              <a:t>13</a:t>
+            </a:fld>
+            <a:endParaRPr kumimoji="0" lang="en-US" sz="1400" b="0" i="0" u="none" strike="noStrike" kern="1200" cap="none" spc="0" normalizeH="0" baseline="0" noProof="0" dirty="0">
+              <a:ln>
+                <a:noFill/>
+              </a:ln>
+              <a:solidFill>
+                <a:prstClr val="white"/>
+              </a:solidFill>
+              <a:effectLst/>
+              <a:uLnTx/>
+              <a:uFillTx/>
+              <a:latin typeface="Calibri"/>
+              <a:ea typeface="+mn-ea"/>
+              <a:cs typeface="+mn-cs"/>
+            </a:endParaRPr>
+          </a:p>
+        </p:txBody>
+      </p:sp>
     </p:spTree>
     <p:extLst>
       <p:ext uri="{BB962C8B-B14F-4D97-AF65-F5344CB8AC3E}">
@@ -7304,6 +8176,95 @@
           </a:p>
         </p:txBody>
       </p:sp>
+      <p:sp>
+        <p:nvSpPr>
+          <p:cNvPr id="2" name="Slide Number Placeholder 1">
+            <a:extLst>
+              <a:ext uri="{FF2B5EF4-FFF2-40B4-BE49-F238E27FC236}">
+                <a16:creationId xmlns:a16="http://schemas.microsoft.com/office/drawing/2014/main" id="{80CF1BC1-925C-C34D-ABFD-540F3FBB3A1F}"/>
+              </a:ext>
+            </a:extLst>
+          </p:cNvPr>
+          <p:cNvSpPr>
+            <a:spLocks noGrp="1"/>
+          </p:cNvSpPr>
+          <p:nvPr>
+            <p:ph type="sldNum" sz="quarter" idx="4"/>
+          </p:nvPr>
+        </p:nvSpPr>
+        <p:spPr/>
+        <p:txBody>
+          <a:bodyPr/>
+          <a:lstStyle/>
+          <a:p>
+            <a:pPr marL="0" marR="0" lvl="0" indent="0" algn="ctr" defTabSz="914400" rtl="0" eaLnBrk="1" fontAlgn="auto" latinLnBrk="0" hangingPunct="1">
+              <a:lnSpc>
+                <a:spcPct val="100000"/>
+              </a:lnSpc>
+              <a:spcBef>
+                <a:spcPts val="0"/>
+              </a:spcBef>
+              <a:spcAft>
+                <a:spcPts val="0"/>
+              </a:spcAft>
+              <a:buClrTx/>
+              <a:buSzTx/>
+              <a:buFontTx/>
+              <a:buNone/>
+              <a:tabLst/>
+              <a:defRPr/>
+            </a:pPr>
+            <a:fld id="{48F63A3B-78C7-47BE-AE5E-E10140E04643}" type="slidenum">
+              <a:rPr kumimoji="0" lang="en-US" sz="1400" b="0" i="0" u="none" strike="noStrike" kern="1200" cap="none" spc="0" normalizeH="0" baseline="0" noProof="0" smtClean="0">
+                <a:ln>
+                  <a:noFill/>
+                </a:ln>
+                <a:solidFill>
+                  <a:prstClr val="white"/>
+                </a:solidFill>
+                <a:effectLst/>
+                <a:uLnTx/>
+                <a:uFillTx/>
+                <a:latin typeface="Calibri"/>
+                <a:ea typeface="+mn-ea"/>
+                <a:cs typeface="+mn-cs"/>
+              </a:rPr>
+              <a:pPr marL="0" marR="0" lvl="0" indent="0" algn="ctr" defTabSz="914400" rtl="0" eaLnBrk="1" fontAlgn="auto" latinLnBrk="0" hangingPunct="1">
+                <a:lnSpc>
+                  <a:spcPct val="100000"/>
+                </a:lnSpc>
+                <a:spcBef>
+                  <a:spcPts val="0"/>
+                </a:spcBef>
+                <a:spcAft>
+                  <a:spcPts val="0"/>
+                </a:spcAft>
+                <a:buClrTx/>
+                <a:buSzTx/>
+                <a:buFontTx/>
+                <a:buNone/>
+                <a:tabLst/>
+                <a:defRPr/>
+              </a:pPr>
+              <a:t>14</a:t>
+            </a:fld>
+            <a:endParaRPr kumimoji="0" lang="en-US" sz="1400" b="0" i="0" u="none" strike="noStrike" kern="1200" cap="none" spc="0" normalizeH="0" baseline="0" noProof="0" dirty="0">
+              <a:ln>
+                <a:noFill/>
+              </a:ln>
+              <a:solidFill>
+                <a:prstClr val="white"/>
+              </a:solidFill>
+              <a:effectLst/>
+              <a:uLnTx/>
+              <a:uFillTx/>
+              <a:latin typeface="Calibri"/>
+              <a:ea typeface="+mn-ea"/>
+              <a:cs typeface="+mn-cs"/>
+            </a:endParaRPr>
+          </a:p>
+        </p:txBody>
+      </p:sp>
     </p:spTree>
     <p:extLst>
       <p:ext uri="{BB962C8B-B14F-4D97-AF65-F5344CB8AC3E}">
@@ -7488,6 +8449,95 @@
               <a:rPr lang="en-US" sz="2600" dirty="0"/>
               <a:t>Improving attention structures</a:t>
             </a:r>
+          </a:p>
+        </p:txBody>
+      </p:sp>
+      <p:sp>
+        <p:nvSpPr>
+          <p:cNvPr id="2" name="Slide Number Placeholder 1">
+            <a:extLst>
+              <a:ext uri="{FF2B5EF4-FFF2-40B4-BE49-F238E27FC236}">
+                <a16:creationId xmlns:a16="http://schemas.microsoft.com/office/drawing/2014/main" id="{3E27DD56-0D1C-3B42-90A2-B42760EF4A27}"/>
+              </a:ext>
+            </a:extLst>
+          </p:cNvPr>
+          <p:cNvSpPr>
+            <a:spLocks noGrp="1"/>
+          </p:cNvSpPr>
+          <p:nvPr>
+            <p:ph type="sldNum" sz="quarter" idx="4"/>
+          </p:nvPr>
+        </p:nvSpPr>
+        <p:spPr/>
+        <p:txBody>
+          <a:bodyPr/>
+          <a:lstStyle/>
+          <a:p>
+            <a:pPr marL="0" marR="0" lvl="0" indent="0" algn="ctr" defTabSz="914400" rtl="0" eaLnBrk="1" fontAlgn="auto" latinLnBrk="0" hangingPunct="1">
+              <a:lnSpc>
+                <a:spcPct val="100000"/>
+              </a:lnSpc>
+              <a:spcBef>
+                <a:spcPts val="0"/>
+              </a:spcBef>
+              <a:spcAft>
+                <a:spcPts val="0"/>
+              </a:spcAft>
+              <a:buClrTx/>
+              <a:buSzTx/>
+              <a:buFontTx/>
+              <a:buNone/>
+              <a:tabLst/>
+              <a:defRPr/>
+            </a:pPr>
+            <a:fld id="{48F63A3B-78C7-47BE-AE5E-E10140E04643}" type="slidenum">
+              <a:rPr kumimoji="0" lang="en-US" sz="1400" b="0" i="0" u="none" strike="noStrike" kern="1200" cap="none" spc="0" normalizeH="0" baseline="0" noProof="0" smtClean="0">
+                <a:ln>
+                  <a:noFill/>
+                </a:ln>
+                <a:solidFill>
+                  <a:prstClr val="white"/>
+                </a:solidFill>
+                <a:effectLst/>
+                <a:uLnTx/>
+                <a:uFillTx/>
+                <a:latin typeface="Calibri"/>
+                <a:ea typeface="+mn-ea"/>
+                <a:cs typeface="+mn-cs"/>
+              </a:rPr>
+              <a:pPr marL="0" marR="0" lvl="0" indent="0" algn="ctr" defTabSz="914400" rtl="0" eaLnBrk="1" fontAlgn="auto" latinLnBrk="0" hangingPunct="1">
+                <a:lnSpc>
+                  <a:spcPct val="100000"/>
+                </a:lnSpc>
+                <a:spcBef>
+                  <a:spcPts val="0"/>
+                </a:spcBef>
+                <a:spcAft>
+                  <a:spcPts val="0"/>
+                </a:spcAft>
+                <a:buClrTx/>
+                <a:buSzTx/>
+                <a:buFontTx/>
+                <a:buNone/>
+                <a:tabLst/>
+                <a:defRPr/>
+              </a:pPr>
+              <a:t>15</a:t>
+            </a:fld>
+            <a:endParaRPr kumimoji="0" lang="en-US" sz="1400" b="0" i="0" u="none" strike="noStrike" kern="1200" cap="none" spc="0" normalizeH="0" baseline="0" noProof="0" dirty="0">
+              <a:ln>
+                <a:noFill/>
+              </a:ln>
+              <a:solidFill>
+                <a:prstClr val="white"/>
+              </a:solidFill>
+              <a:effectLst/>
+              <a:uLnTx/>
+              <a:uFillTx/>
+              <a:latin typeface="Calibri"/>
+              <a:ea typeface="+mn-ea"/>
+              <a:cs typeface="+mn-cs"/>
+            </a:endParaRPr>
           </a:p>
         </p:txBody>
       </p:sp>
@@ -7675,6 +8725,95 @@
           </a:prstGeom>
         </p:spPr>
       </p:pic>
+      <p:sp>
+        <p:nvSpPr>
+          <p:cNvPr id="2" name="Slide Number Placeholder 1">
+            <a:extLst>
+              <a:ext uri="{FF2B5EF4-FFF2-40B4-BE49-F238E27FC236}">
+                <a16:creationId xmlns:a16="http://schemas.microsoft.com/office/drawing/2014/main" id="{B5B59658-E916-044B-827A-9DE486E8DC54}"/>
+              </a:ext>
+            </a:extLst>
+          </p:cNvPr>
+          <p:cNvSpPr>
+            <a:spLocks noGrp="1"/>
+          </p:cNvSpPr>
+          <p:nvPr>
+            <p:ph type="sldNum" sz="quarter" idx="4"/>
+          </p:nvPr>
+        </p:nvSpPr>
+        <p:spPr/>
+        <p:txBody>
+          <a:bodyPr/>
+          <a:lstStyle/>
+          <a:p>
+            <a:pPr marL="0" marR="0" lvl="0" indent="0" algn="ctr" defTabSz="914400" rtl="0" eaLnBrk="1" fontAlgn="auto" latinLnBrk="0" hangingPunct="1">
+              <a:lnSpc>
+                <a:spcPct val="100000"/>
+              </a:lnSpc>
+              <a:spcBef>
+                <a:spcPts val="0"/>
+              </a:spcBef>
+              <a:spcAft>
+                <a:spcPts val="0"/>
+              </a:spcAft>
+              <a:buClrTx/>
+              <a:buSzTx/>
+              <a:buFontTx/>
+              <a:buNone/>
+              <a:tabLst/>
+              <a:defRPr/>
+            </a:pPr>
+            <a:fld id="{48F63A3B-78C7-47BE-AE5E-E10140E04643}" type="slidenum">
+              <a:rPr kumimoji="0" lang="en-US" sz="1400" b="0" i="0" u="none" strike="noStrike" kern="1200" cap="none" spc="0" normalizeH="0" baseline="0" noProof="0" smtClean="0">
+                <a:ln>
+                  <a:noFill/>
+                </a:ln>
+                <a:solidFill>
+                  <a:prstClr val="white"/>
+                </a:solidFill>
+                <a:effectLst/>
+                <a:uLnTx/>
+                <a:uFillTx/>
+                <a:latin typeface="Calibri"/>
+                <a:ea typeface="+mn-ea"/>
+                <a:cs typeface="+mn-cs"/>
+              </a:rPr>
+              <a:pPr marL="0" marR="0" lvl="0" indent="0" algn="ctr" defTabSz="914400" rtl="0" eaLnBrk="1" fontAlgn="auto" latinLnBrk="0" hangingPunct="1">
+                <a:lnSpc>
+                  <a:spcPct val="100000"/>
+                </a:lnSpc>
+                <a:spcBef>
+                  <a:spcPts val="0"/>
+                </a:spcBef>
+                <a:spcAft>
+                  <a:spcPts val="0"/>
+                </a:spcAft>
+                <a:buClrTx/>
+                <a:buSzTx/>
+                <a:buFontTx/>
+                <a:buNone/>
+                <a:tabLst/>
+                <a:defRPr/>
+              </a:pPr>
+              <a:t>16</a:t>
+            </a:fld>
+            <a:endParaRPr kumimoji="0" lang="en-US" sz="1400" b="0" i="0" u="none" strike="noStrike" kern="1200" cap="none" spc="0" normalizeH="0" baseline="0" noProof="0" dirty="0">
+              <a:ln>
+                <a:noFill/>
+              </a:ln>
+              <a:solidFill>
+                <a:prstClr val="white"/>
+              </a:solidFill>
+              <a:effectLst/>
+              <a:uLnTx/>
+              <a:uFillTx/>
+              <a:latin typeface="Calibri"/>
+              <a:ea typeface="+mn-ea"/>
+              <a:cs typeface="+mn-cs"/>
+            </a:endParaRPr>
+          </a:p>
+        </p:txBody>
+      </p:sp>
     </p:spTree>
     <p:extLst>
       <p:ext uri="{BB962C8B-B14F-4D97-AF65-F5344CB8AC3E}">
@@ -7891,6 +9030,95 @@
           </a:prstGeom>
         </p:spPr>
       </p:pic>
+      <p:sp>
+        <p:nvSpPr>
+          <p:cNvPr id="2" name="Slide Number Placeholder 1">
+            <a:extLst>
+              <a:ext uri="{FF2B5EF4-FFF2-40B4-BE49-F238E27FC236}">
+                <a16:creationId xmlns:a16="http://schemas.microsoft.com/office/drawing/2014/main" id="{5D470C85-7342-4740-9A34-DDC2DCE1361B}"/>
+              </a:ext>
+            </a:extLst>
+          </p:cNvPr>
+          <p:cNvSpPr>
+            <a:spLocks noGrp="1"/>
+          </p:cNvSpPr>
+          <p:nvPr>
+            <p:ph type="sldNum" sz="quarter" idx="4"/>
+          </p:nvPr>
+        </p:nvSpPr>
+        <p:spPr/>
+        <p:txBody>
+          <a:bodyPr/>
+          <a:lstStyle/>
+          <a:p>
+            <a:pPr marL="0" marR="0" lvl="0" indent="0" algn="ctr" defTabSz="914400" rtl="0" eaLnBrk="1" fontAlgn="auto" latinLnBrk="0" hangingPunct="1">
+              <a:lnSpc>
+                <a:spcPct val="100000"/>
+              </a:lnSpc>
+              <a:spcBef>
+                <a:spcPts val="0"/>
+              </a:spcBef>
+              <a:spcAft>
+                <a:spcPts val="0"/>
+              </a:spcAft>
+              <a:buClrTx/>
+              <a:buSzTx/>
+              <a:buFontTx/>
+              <a:buNone/>
+              <a:tabLst/>
+              <a:defRPr/>
+            </a:pPr>
+            <a:fld id="{48F63A3B-78C7-47BE-AE5E-E10140E04643}" type="slidenum">
+              <a:rPr kumimoji="0" lang="en-US" sz="1400" b="0" i="0" u="none" strike="noStrike" kern="1200" cap="none" spc="0" normalizeH="0" baseline="0" noProof="0" smtClean="0">
+                <a:ln>
+                  <a:noFill/>
+                </a:ln>
+                <a:solidFill>
+                  <a:prstClr val="white"/>
+                </a:solidFill>
+                <a:effectLst/>
+                <a:uLnTx/>
+                <a:uFillTx/>
+                <a:latin typeface="Calibri"/>
+                <a:ea typeface="+mn-ea"/>
+                <a:cs typeface="+mn-cs"/>
+              </a:rPr>
+              <a:pPr marL="0" marR="0" lvl="0" indent="0" algn="ctr" defTabSz="914400" rtl="0" eaLnBrk="1" fontAlgn="auto" latinLnBrk="0" hangingPunct="1">
+                <a:lnSpc>
+                  <a:spcPct val="100000"/>
+                </a:lnSpc>
+                <a:spcBef>
+                  <a:spcPts val="0"/>
+                </a:spcBef>
+                <a:spcAft>
+                  <a:spcPts val="0"/>
+                </a:spcAft>
+                <a:buClrTx/>
+                <a:buSzTx/>
+                <a:buFontTx/>
+                <a:buNone/>
+                <a:tabLst/>
+                <a:defRPr/>
+              </a:pPr>
+              <a:t>17</a:t>
+            </a:fld>
+            <a:endParaRPr kumimoji="0" lang="en-US" sz="1400" b="0" i="0" u="none" strike="noStrike" kern="1200" cap="none" spc="0" normalizeH="0" baseline="0" noProof="0" dirty="0">
+              <a:ln>
+                <a:noFill/>
+              </a:ln>
+              <a:solidFill>
+                <a:prstClr val="white"/>
+              </a:solidFill>
+              <a:effectLst/>
+              <a:uLnTx/>
+              <a:uFillTx/>
+              <a:latin typeface="Calibri"/>
+              <a:ea typeface="+mn-ea"/>
+              <a:cs typeface="+mn-cs"/>
+            </a:endParaRPr>
+          </a:p>
+        </p:txBody>
+      </p:sp>
     </p:spTree>
     <p:extLst>
       <p:ext uri="{BB962C8B-B14F-4D97-AF65-F5344CB8AC3E}">
@@ -8112,6 +9340,95 @@
           </a:prstGeom>
         </p:spPr>
       </p:pic>
+      <p:sp>
+        <p:nvSpPr>
+          <p:cNvPr id="2" name="Slide Number Placeholder 1">
+            <a:extLst>
+              <a:ext uri="{FF2B5EF4-FFF2-40B4-BE49-F238E27FC236}">
+                <a16:creationId xmlns:a16="http://schemas.microsoft.com/office/drawing/2014/main" id="{D747DDDC-BDF3-6A42-8C2E-020D682FF87E}"/>
+              </a:ext>
+            </a:extLst>
+          </p:cNvPr>
+          <p:cNvSpPr>
+            <a:spLocks noGrp="1"/>
+          </p:cNvSpPr>
+          <p:nvPr>
+            <p:ph type="sldNum" sz="quarter" idx="4"/>
+          </p:nvPr>
+        </p:nvSpPr>
+        <p:spPr/>
+        <p:txBody>
+          <a:bodyPr/>
+          <a:lstStyle/>
+          <a:p>
+            <a:pPr marL="0" marR="0" lvl="0" indent="0" algn="ctr" defTabSz="914400" rtl="0" eaLnBrk="1" fontAlgn="auto" latinLnBrk="0" hangingPunct="1">
+              <a:lnSpc>
+                <a:spcPct val="100000"/>
+              </a:lnSpc>
+              <a:spcBef>
+                <a:spcPts val="0"/>
+              </a:spcBef>
+              <a:spcAft>
+                <a:spcPts val="0"/>
+              </a:spcAft>
+              <a:buClrTx/>
+              <a:buSzTx/>
+              <a:buFontTx/>
+              <a:buNone/>
+              <a:tabLst/>
+              <a:defRPr/>
+            </a:pPr>
+            <a:fld id="{48F63A3B-78C7-47BE-AE5E-E10140E04643}" type="slidenum">
+              <a:rPr kumimoji="0" lang="en-US" sz="1400" b="0" i="0" u="none" strike="noStrike" kern="1200" cap="none" spc="0" normalizeH="0" baseline="0" noProof="0" smtClean="0">
+                <a:ln>
+                  <a:noFill/>
+                </a:ln>
+                <a:solidFill>
+                  <a:prstClr val="white"/>
+                </a:solidFill>
+                <a:effectLst/>
+                <a:uLnTx/>
+                <a:uFillTx/>
+                <a:latin typeface="Calibri"/>
+                <a:ea typeface="+mn-ea"/>
+                <a:cs typeface="+mn-cs"/>
+              </a:rPr>
+              <a:pPr marL="0" marR="0" lvl="0" indent="0" algn="ctr" defTabSz="914400" rtl="0" eaLnBrk="1" fontAlgn="auto" latinLnBrk="0" hangingPunct="1">
+                <a:lnSpc>
+                  <a:spcPct val="100000"/>
+                </a:lnSpc>
+                <a:spcBef>
+                  <a:spcPts val="0"/>
+                </a:spcBef>
+                <a:spcAft>
+                  <a:spcPts val="0"/>
+                </a:spcAft>
+                <a:buClrTx/>
+                <a:buSzTx/>
+                <a:buFontTx/>
+                <a:buNone/>
+                <a:tabLst/>
+                <a:defRPr/>
+              </a:pPr>
+              <a:t>18</a:t>
+            </a:fld>
+            <a:endParaRPr kumimoji="0" lang="en-US" sz="1400" b="0" i="0" u="none" strike="noStrike" kern="1200" cap="none" spc="0" normalizeH="0" baseline="0" noProof="0" dirty="0">
+              <a:ln>
+                <a:noFill/>
+              </a:ln>
+              <a:solidFill>
+                <a:prstClr val="white"/>
+              </a:solidFill>
+              <a:effectLst/>
+              <a:uLnTx/>
+              <a:uFillTx/>
+              <a:latin typeface="Calibri"/>
+              <a:ea typeface="+mn-ea"/>
+              <a:cs typeface="+mn-cs"/>
+            </a:endParaRPr>
+          </a:p>
+        </p:txBody>
+      </p:sp>
     </p:spTree>
     <p:extLst>
       <p:ext uri="{BB962C8B-B14F-4D97-AF65-F5344CB8AC3E}">
@@ -8373,6 +9690,186 @@
           </a:prstGeom>
         </p:spPr>
       </p:pic>
+      <p:sp>
+        <p:nvSpPr>
+          <p:cNvPr id="2" name="Slide Number Placeholder 1">
+            <a:extLst>
+              <a:ext uri="{FF2B5EF4-FFF2-40B4-BE49-F238E27FC236}">
+                <a16:creationId xmlns:a16="http://schemas.microsoft.com/office/drawing/2014/main" id="{5D8DAA17-9C34-A84C-B050-1E18A102AD3F}"/>
+              </a:ext>
+            </a:extLst>
+          </p:cNvPr>
+          <p:cNvSpPr>
+            <a:spLocks noGrp="1"/>
+          </p:cNvSpPr>
+          <p:nvPr>
+            <p:ph type="sldNum" sz="quarter" idx="4"/>
+          </p:nvPr>
+        </p:nvSpPr>
+        <p:spPr/>
+        <p:txBody>
+          <a:bodyPr/>
+          <a:lstStyle/>
+          <a:p>
+            <a:pPr marL="0" marR="0" lvl="0" indent="0" algn="ctr" defTabSz="914400" rtl="0" eaLnBrk="1" fontAlgn="auto" latinLnBrk="0" hangingPunct="1">
+              <a:lnSpc>
+                <a:spcPct val="100000"/>
+              </a:lnSpc>
+              <a:spcBef>
+                <a:spcPts val="0"/>
+              </a:spcBef>
+              <a:spcAft>
+                <a:spcPts val="0"/>
+              </a:spcAft>
+              <a:buClrTx/>
+              <a:buSzTx/>
+              <a:buFontTx/>
+              <a:buNone/>
+              <a:tabLst/>
+              <a:defRPr/>
+            </a:pPr>
+            <a:fld id="{48F63A3B-78C7-47BE-AE5E-E10140E04643}" type="slidenum">
+              <a:rPr kumimoji="0" lang="en-US" sz="1400" b="0" i="0" u="none" strike="noStrike" kern="1200" cap="none" spc="0" normalizeH="0" baseline="0" noProof="0" smtClean="0">
+                <a:ln>
+                  <a:noFill/>
+                </a:ln>
+                <a:solidFill>
+                  <a:prstClr val="white"/>
+                </a:solidFill>
+                <a:effectLst/>
+                <a:uLnTx/>
+                <a:uFillTx/>
+                <a:latin typeface="Calibri"/>
+                <a:ea typeface="+mn-ea"/>
+                <a:cs typeface="+mn-cs"/>
+              </a:rPr>
+              <a:pPr marL="0" marR="0" lvl="0" indent="0" algn="ctr" defTabSz="914400" rtl="0" eaLnBrk="1" fontAlgn="auto" latinLnBrk="0" hangingPunct="1">
+                <a:lnSpc>
+                  <a:spcPct val="100000"/>
+                </a:lnSpc>
+                <a:spcBef>
+                  <a:spcPts val="0"/>
+                </a:spcBef>
+                <a:spcAft>
+                  <a:spcPts val="0"/>
+                </a:spcAft>
+                <a:buClrTx/>
+                <a:buSzTx/>
+                <a:buFontTx/>
+                <a:buNone/>
+                <a:tabLst/>
+                <a:defRPr/>
+              </a:pPr>
+              <a:t>19</a:t>
+            </a:fld>
+            <a:endParaRPr kumimoji="0" lang="en-US" sz="1400" b="0" i="0" u="none" strike="noStrike" kern="1200" cap="none" spc="0" normalizeH="0" baseline="0" noProof="0" dirty="0">
+              <a:ln>
+                <a:noFill/>
+              </a:ln>
+              <a:solidFill>
+                <a:prstClr val="white"/>
+              </a:solidFill>
+              <a:effectLst/>
+              <a:uLnTx/>
+              <a:uFillTx/>
+              <a:latin typeface="Calibri"/>
+              <a:ea typeface="+mn-ea"/>
+              <a:cs typeface="+mn-cs"/>
+            </a:endParaRPr>
+          </a:p>
+        </p:txBody>
+      </p:sp>
+      <p:sp>
+        <p:nvSpPr>
+          <p:cNvPr id="7" name="Rectangle 6">
+            <a:extLst>
+              <a:ext uri="{FF2B5EF4-FFF2-40B4-BE49-F238E27FC236}">
+                <a16:creationId xmlns:a16="http://schemas.microsoft.com/office/drawing/2014/main" id="{979F95C3-72A4-9246-AAD0-D40F5AD240BD}"/>
+              </a:ext>
+            </a:extLst>
+          </p:cNvPr>
+          <p:cNvSpPr/>
+          <p:nvPr/>
+        </p:nvSpPr>
+        <p:spPr>
+          <a:xfrm>
+            <a:off x="1087392" y="5945949"/>
+            <a:ext cx="6096000" cy="323165"/>
+          </a:xfrm>
+          <a:prstGeom prst="rect">
+            <a:avLst/>
+          </a:prstGeom>
+        </p:spPr>
+        <p:txBody>
+          <a:bodyPr>
+            <a:spAutoFit/>
+          </a:bodyPr>
+          <a:lstStyle/>
+          <a:p>
+            <a:r>
+              <a:rPr lang="en-US" sz="1500" dirty="0">
+                <a:solidFill>
+                  <a:schemeClr val="bg1">
+                    <a:lumMod val="50000"/>
+                  </a:schemeClr>
+                </a:solidFill>
+              </a:rPr>
+              <a:t>Sources: </a:t>
+            </a:r>
+            <a:r>
+              <a:rPr lang="en-US" sz="1500" dirty="0">
+                <a:solidFill>
+                  <a:schemeClr val="bg1">
+                    <a:lumMod val="50000"/>
+                  </a:schemeClr>
+                </a:solidFill>
+                <a:hlinkClick r:id="rId5">
+                  <a:extLst>
+                    <a:ext uri="{A12FA001-AC4F-418D-AE19-62706E023703}">
+                      <ahyp:hlinkClr xmlns:ahyp="http://schemas.microsoft.com/office/drawing/2018/hyperlinkcolor" val="tx"/>
+                    </a:ext>
+                  </a:extLst>
+                </a:hlinkClick>
+              </a:rPr>
+              <a:t>AWS logo</a:t>
+            </a:r>
+            <a:r>
+              <a:rPr lang="en-US" sz="1500" dirty="0">
+                <a:solidFill>
+                  <a:schemeClr val="bg1">
+                    <a:lumMod val="50000"/>
+                  </a:schemeClr>
+                </a:solidFill>
+              </a:rPr>
+              <a:t>, </a:t>
+            </a:r>
+            <a:r>
+              <a:rPr lang="en-US" sz="1500" dirty="0">
+                <a:solidFill>
+                  <a:schemeClr val="bg1">
+                    <a:lumMod val="50000"/>
+                  </a:schemeClr>
+                </a:solidFill>
+                <a:hlinkClick r:id="rId6">
+                  <a:extLst>
+                    <a:ext uri="{A12FA001-AC4F-418D-AE19-62706E023703}">
+                      <ahyp:hlinkClr xmlns:ahyp="http://schemas.microsoft.com/office/drawing/2018/hyperlinkcolor" val="tx"/>
+                    </a:ext>
+                  </a:extLst>
+                </a:hlinkClick>
+              </a:rPr>
+              <a:t>Pytorch logo</a:t>
+            </a:r>
+            <a:endParaRPr lang="en-US" sz="1500" dirty="0">
+              <a:solidFill>
+                <a:schemeClr val="bg1">
+                  <a:lumMod val="50000"/>
+                </a:schemeClr>
+              </a:solidFill>
+            </a:endParaRPr>
+          </a:p>
+        </p:txBody>
+      </p:sp>
     </p:spTree>
     <p:extLst>
       <p:ext uri="{BB962C8B-B14F-4D97-AF65-F5344CB8AC3E}">
@@ -8820,6 +10317,159 @@
           </a:ln>
         </p:spPr>
       </p:pic>
+      <p:sp>
+        <p:nvSpPr>
+          <p:cNvPr id="2" name="Slide Number Placeholder 1">
+            <a:extLst>
+              <a:ext uri="{FF2B5EF4-FFF2-40B4-BE49-F238E27FC236}">
+                <a16:creationId xmlns:a16="http://schemas.microsoft.com/office/drawing/2014/main" id="{C5ED7218-7790-A749-AA86-7B91BE3A80B4}"/>
+              </a:ext>
+            </a:extLst>
+          </p:cNvPr>
+          <p:cNvSpPr>
+            <a:spLocks noGrp="1"/>
+          </p:cNvSpPr>
+          <p:nvPr>
+            <p:ph type="sldNum" sz="quarter" idx="4"/>
+          </p:nvPr>
+        </p:nvSpPr>
+        <p:spPr/>
+        <p:txBody>
+          <a:bodyPr/>
+          <a:lstStyle/>
+          <a:p>
+            <a:pPr marL="0" marR="0" lvl="0" indent="0" algn="ctr" defTabSz="914400" rtl="0" eaLnBrk="1" fontAlgn="auto" latinLnBrk="0" hangingPunct="1">
+              <a:lnSpc>
+                <a:spcPct val="100000"/>
+              </a:lnSpc>
+              <a:spcBef>
+                <a:spcPts val="0"/>
+              </a:spcBef>
+              <a:spcAft>
+                <a:spcPts val="0"/>
+              </a:spcAft>
+              <a:buClrTx/>
+              <a:buSzTx/>
+              <a:buFontTx/>
+              <a:buNone/>
+              <a:tabLst/>
+              <a:defRPr/>
+            </a:pPr>
+            <a:fld id="{48F63A3B-78C7-47BE-AE5E-E10140E04643}" type="slidenum">
+              <a:rPr kumimoji="0" lang="en-US" sz="1400" b="0" i="0" u="none" strike="noStrike" kern="1200" cap="none" spc="0" normalizeH="0" baseline="0" noProof="0" smtClean="0">
+                <a:ln>
+                  <a:noFill/>
+                </a:ln>
+                <a:solidFill>
+                  <a:prstClr val="white"/>
+                </a:solidFill>
+                <a:effectLst/>
+                <a:uLnTx/>
+                <a:uFillTx/>
+                <a:latin typeface="Calibri"/>
+                <a:ea typeface="+mn-ea"/>
+                <a:cs typeface="+mn-cs"/>
+              </a:rPr>
+              <a:pPr marL="0" marR="0" lvl="0" indent="0" algn="ctr" defTabSz="914400" rtl="0" eaLnBrk="1" fontAlgn="auto" latinLnBrk="0" hangingPunct="1">
+                <a:lnSpc>
+                  <a:spcPct val="100000"/>
+                </a:lnSpc>
+                <a:spcBef>
+                  <a:spcPts val="0"/>
+                </a:spcBef>
+                <a:spcAft>
+                  <a:spcPts val="0"/>
+                </a:spcAft>
+                <a:buClrTx/>
+                <a:buSzTx/>
+                <a:buFontTx/>
+                <a:buNone/>
+                <a:tabLst/>
+                <a:defRPr/>
+              </a:pPr>
+              <a:t>2</a:t>
+            </a:fld>
+            <a:endParaRPr kumimoji="0" lang="en-US" sz="1400" b="0" i="0" u="none" strike="noStrike" kern="1200" cap="none" spc="0" normalizeH="0" baseline="0" noProof="0" dirty="0">
+              <a:ln>
+                <a:noFill/>
+              </a:ln>
+              <a:solidFill>
+                <a:prstClr val="white"/>
+              </a:solidFill>
+              <a:effectLst/>
+              <a:uLnTx/>
+              <a:uFillTx/>
+              <a:latin typeface="Calibri"/>
+              <a:ea typeface="+mn-ea"/>
+              <a:cs typeface="+mn-cs"/>
+            </a:endParaRPr>
+          </a:p>
+        </p:txBody>
+      </p:sp>
+      <p:sp>
+        <p:nvSpPr>
+          <p:cNvPr id="3" name="Rectangle 2">
+            <a:extLst>
+              <a:ext uri="{FF2B5EF4-FFF2-40B4-BE49-F238E27FC236}">
+                <a16:creationId xmlns:a16="http://schemas.microsoft.com/office/drawing/2014/main" id="{16D3EB49-1277-5D40-995A-1547372F4694}"/>
+              </a:ext>
+            </a:extLst>
+          </p:cNvPr>
+          <p:cNvSpPr/>
+          <p:nvPr/>
+        </p:nvSpPr>
+        <p:spPr>
+          <a:xfrm>
+            <a:off x="1177105" y="5962200"/>
+            <a:ext cx="9647954" cy="323165"/>
+          </a:xfrm>
+          <a:prstGeom prst="rect">
+            <a:avLst/>
+          </a:prstGeom>
+        </p:spPr>
+        <p:txBody>
+          <a:bodyPr wrap="square">
+            <a:spAutoFit/>
+          </a:bodyPr>
+          <a:lstStyle/>
+          <a:p>
+            <a:r>
+              <a:rPr lang="en-US" sz="1500" dirty="0">
+                <a:solidFill>
+                  <a:schemeClr val="bg1">
+                    <a:lumMod val="50000"/>
+                  </a:schemeClr>
+                </a:solidFill>
+              </a:rPr>
+              <a:t>Sources: Image adapted </a:t>
+            </a:r>
+            <a:r>
+              <a:rPr lang="en-US" sz="1500" dirty="0">
+                <a:solidFill>
+                  <a:schemeClr val="bg1">
+                    <a:lumMod val="50000"/>
+                  </a:schemeClr>
+                </a:solidFill>
+                <a:hlinkClick r:id="rId5">
+                  <a:extLst>
+                    <a:ext uri="{A12FA001-AC4F-418D-AE19-62706E023703}">
+                      <ahyp:hlinkClr xmlns:ahyp="http://schemas.microsoft.com/office/drawing/2018/hyperlinkcolor" val="tx"/>
+                    </a:ext>
+                  </a:extLst>
+                </a:hlinkClick>
+              </a:rPr>
+              <a:t>RSICD_optimal dataset</a:t>
+            </a:r>
+            <a:endParaRPr lang="en-US" sz="1500" dirty="0">
+              <a:solidFill>
+                <a:schemeClr val="bg1">
+                  <a:lumMod val="50000"/>
+                </a:schemeClr>
+              </a:solidFill>
+            </a:endParaRPr>
+          </a:p>
+        </p:txBody>
+      </p:sp>
     </p:spTree>
     <p:extLst>
       <p:ext uri="{BB962C8B-B14F-4D97-AF65-F5344CB8AC3E}">
@@ -9222,6 +10872,95 @@
           </a:p>
         </p:txBody>
       </p:sp>
+      <p:sp>
+        <p:nvSpPr>
+          <p:cNvPr id="2" name="Slide Number Placeholder 1">
+            <a:extLst>
+              <a:ext uri="{FF2B5EF4-FFF2-40B4-BE49-F238E27FC236}">
+                <a16:creationId xmlns:a16="http://schemas.microsoft.com/office/drawing/2014/main" id="{A4C97213-5AB7-344C-A91E-7C7DDC35CF92}"/>
+              </a:ext>
+            </a:extLst>
+          </p:cNvPr>
+          <p:cNvSpPr>
+            <a:spLocks noGrp="1"/>
+          </p:cNvSpPr>
+          <p:nvPr>
+            <p:ph type="sldNum" sz="quarter" idx="4"/>
+          </p:nvPr>
+        </p:nvSpPr>
+        <p:spPr/>
+        <p:txBody>
+          <a:bodyPr/>
+          <a:lstStyle/>
+          <a:p>
+            <a:pPr marL="0" marR="0" lvl="0" indent="0" algn="ctr" defTabSz="914400" rtl="0" eaLnBrk="1" fontAlgn="auto" latinLnBrk="0" hangingPunct="1">
+              <a:lnSpc>
+                <a:spcPct val="100000"/>
+              </a:lnSpc>
+              <a:spcBef>
+                <a:spcPts val="0"/>
+              </a:spcBef>
+              <a:spcAft>
+                <a:spcPts val="0"/>
+              </a:spcAft>
+              <a:buClrTx/>
+              <a:buSzTx/>
+              <a:buFontTx/>
+              <a:buNone/>
+              <a:tabLst/>
+              <a:defRPr/>
+            </a:pPr>
+            <a:fld id="{48F63A3B-78C7-47BE-AE5E-E10140E04643}" type="slidenum">
+              <a:rPr kumimoji="0" lang="en-US" sz="1400" b="0" i="0" u="none" strike="noStrike" kern="1200" cap="none" spc="0" normalizeH="0" baseline="0" noProof="0" smtClean="0">
+                <a:ln>
+                  <a:noFill/>
+                </a:ln>
+                <a:solidFill>
+                  <a:prstClr val="white"/>
+                </a:solidFill>
+                <a:effectLst/>
+                <a:uLnTx/>
+                <a:uFillTx/>
+                <a:latin typeface="Calibri"/>
+                <a:ea typeface="+mn-ea"/>
+                <a:cs typeface="+mn-cs"/>
+              </a:rPr>
+              <a:pPr marL="0" marR="0" lvl="0" indent="0" algn="ctr" defTabSz="914400" rtl="0" eaLnBrk="1" fontAlgn="auto" latinLnBrk="0" hangingPunct="1">
+                <a:lnSpc>
+                  <a:spcPct val="100000"/>
+                </a:lnSpc>
+                <a:spcBef>
+                  <a:spcPts val="0"/>
+                </a:spcBef>
+                <a:spcAft>
+                  <a:spcPts val="0"/>
+                </a:spcAft>
+                <a:buClrTx/>
+                <a:buSzTx/>
+                <a:buFontTx/>
+                <a:buNone/>
+                <a:tabLst/>
+                <a:defRPr/>
+              </a:pPr>
+              <a:t>20</a:t>
+            </a:fld>
+            <a:endParaRPr kumimoji="0" lang="en-US" sz="1400" b="0" i="0" u="none" strike="noStrike" kern="1200" cap="none" spc="0" normalizeH="0" baseline="0" noProof="0" dirty="0">
+              <a:ln>
+                <a:noFill/>
+              </a:ln>
+              <a:solidFill>
+                <a:prstClr val="white"/>
+              </a:solidFill>
+              <a:effectLst/>
+              <a:uLnTx/>
+              <a:uFillTx/>
+              <a:latin typeface="Calibri"/>
+              <a:ea typeface="+mn-ea"/>
+              <a:cs typeface="+mn-cs"/>
+            </a:endParaRPr>
+          </a:p>
+        </p:txBody>
+      </p:sp>
     </p:spTree>
     <p:extLst>
       <p:ext uri="{BB962C8B-B14F-4D97-AF65-F5344CB8AC3E}">
@@ -9352,7 +11091,7 @@
           <p:nvPr/>
         </p:nvPicPr>
         <p:blipFill>
-          <a:blip r:embed="rId2">
+          <a:blip r:embed="rId3">
             <a:alphaModFix/>
           </a:blip>
           <a:stretch>
@@ -9386,7 +11125,7 @@
           <p:nvPr/>
         </p:nvPicPr>
         <p:blipFill>
-          <a:blip r:embed="rId3">
+          <a:blip r:embed="rId4">
             <a:alphaModFix/>
           </a:blip>
           <a:stretch>
@@ -9420,7 +11159,7 @@
           <p:nvPr/>
         </p:nvPicPr>
         <p:blipFill>
-          <a:blip r:embed="rId4">
+          <a:blip r:embed="rId5">
             <a:alphaModFix/>
           </a:blip>
           <a:stretch>
@@ -9522,7 +11261,7 @@
           <p:nvPr/>
         </p:nvPicPr>
         <p:blipFill>
-          <a:blip r:embed="rId5">
+          <a:blip r:embed="rId6">
             <a:alphaModFix/>
           </a:blip>
           <a:stretch>
@@ -9628,7 +11367,7 @@
           <p:nvPr/>
         </p:nvPicPr>
         <p:blipFill>
-          <a:blip r:embed="rId6">
+          <a:blip r:embed="rId7">
             <a:alphaModFix/>
           </a:blip>
           <a:stretch>
@@ -9718,6 +11457,237 @@
               <a:t> </a:t>
             </a:r>
             <a:endParaRPr/>
+          </a:p>
+        </p:txBody>
+      </p:sp>
+      <p:sp>
+        <p:nvSpPr>
+          <p:cNvPr id="2" name="Slide Number Placeholder 1">
+            <a:extLst>
+              <a:ext uri="{FF2B5EF4-FFF2-40B4-BE49-F238E27FC236}">
+                <a16:creationId xmlns:a16="http://schemas.microsoft.com/office/drawing/2014/main" id="{C8B5B1D7-BAAC-D44E-AB92-0097E209FE9D}"/>
+              </a:ext>
+            </a:extLst>
+          </p:cNvPr>
+          <p:cNvSpPr>
+            <a:spLocks noGrp="1"/>
+          </p:cNvSpPr>
+          <p:nvPr>
+            <p:ph type="sldNum" sz="quarter" idx="4"/>
+          </p:nvPr>
+        </p:nvSpPr>
+        <p:spPr/>
+        <p:txBody>
+          <a:bodyPr/>
+          <a:lstStyle/>
+          <a:p>
+            <a:pPr marL="0" marR="0" lvl="0" indent="0" algn="ctr" defTabSz="914400" rtl="0" eaLnBrk="1" fontAlgn="auto" latinLnBrk="0" hangingPunct="1">
+              <a:lnSpc>
+                <a:spcPct val="100000"/>
+              </a:lnSpc>
+              <a:spcBef>
+                <a:spcPts val="0"/>
+              </a:spcBef>
+              <a:spcAft>
+                <a:spcPts val="0"/>
+              </a:spcAft>
+              <a:buClrTx/>
+              <a:buSzTx/>
+              <a:buFontTx/>
+              <a:buNone/>
+              <a:tabLst/>
+              <a:defRPr/>
+            </a:pPr>
+            <a:fld id="{48F63A3B-78C7-47BE-AE5E-E10140E04643}" type="slidenum">
+              <a:rPr kumimoji="0" lang="en-US" sz="1400" b="0" i="0" u="none" strike="noStrike" kern="1200" cap="none" spc="0" normalizeH="0" baseline="0" noProof="0" smtClean="0">
+                <a:ln>
+                  <a:noFill/>
+                </a:ln>
+                <a:solidFill>
+                  <a:prstClr val="white"/>
+                </a:solidFill>
+                <a:effectLst/>
+                <a:uLnTx/>
+                <a:uFillTx/>
+                <a:latin typeface="Calibri"/>
+                <a:ea typeface="+mn-ea"/>
+                <a:cs typeface="+mn-cs"/>
+              </a:rPr>
+              <a:pPr marL="0" marR="0" lvl="0" indent="0" algn="ctr" defTabSz="914400" rtl="0" eaLnBrk="1" fontAlgn="auto" latinLnBrk="0" hangingPunct="1">
+                <a:lnSpc>
+                  <a:spcPct val="100000"/>
+                </a:lnSpc>
+                <a:spcBef>
+                  <a:spcPts val="0"/>
+                </a:spcBef>
+                <a:spcAft>
+                  <a:spcPts val="0"/>
+                </a:spcAft>
+                <a:buClrTx/>
+                <a:buSzTx/>
+                <a:buFontTx/>
+                <a:buNone/>
+                <a:tabLst/>
+                <a:defRPr/>
+              </a:pPr>
+              <a:t>21</a:t>
+            </a:fld>
+            <a:endParaRPr kumimoji="0" lang="en-US" sz="1400" b="0" i="0" u="none" strike="noStrike" kern="1200" cap="none" spc="0" normalizeH="0" baseline="0" noProof="0" dirty="0">
+              <a:ln>
+                <a:noFill/>
+              </a:ln>
+              <a:solidFill>
+                <a:prstClr val="white"/>
+              </a:solidFill>
+              <a:effectLst/>
+              <a:uLnTx/>
+              <a:uFillTx/>
+              <a:latin typeface="Calibri"/>
+              <a:ea typeface="+mn-ea"/>
+              <a:cs typeface="+mn-cs"/>
+            </a:endParaRPr>
+          </a:p>
+        </p:txBody>
+      </p:sp>
+      <p:sp>
+        <p:nvSpPr>
+          <p:cNvPr id="15" name="Rectangle 14">
+            <a:extLst>
+              <a:ext uri="{FF2B5EF4-FFF2-40B4-BE49-F238E27FC236}">
+                <a16:creationId xmlns:a16="http://schemas.microsoft.com/office/drawing/2014/main" id="{286ED51A-3070-1549-9D0B-D10D33859167}"/>
+              </a:ext>
+            </a:extLst>
+          </p:cNvPr>
+          <p:cNvSpPr/>
+          <p:nvPr/>
+        </p:nvSpPr>
+        <p:spPr>
+          <a:xfrm>
+            <a:off x="901861" y="5796826"/>
+            <a:ext cx="6096000" cy="323165"/>
+          </a:xfrm>
+          <a:prstGeom prst="rect">
+            <a:avLst/>
+          </a:prstGeom>
+        </p:spPr>
+        <p:txBody>
+          <a:bodyPr>
+            <a:spAutoFit/>
+          </a:bodyPr>
+          <a:lstStyle/>
+          <a:p>
+            <a:r>
+              <a:rPr lang="en-US" sz="1500" dirty="0">
+                <a:solidFill>
+                  <a:schemeClr val="bg1">
+                    <a:lumMod val="50000"/>
+                  </a:schemeClr>
+                </a:solidFill>
+              </a:rPr>
+              <a:t>Sources: </a:t>
+            </a:r>
+            <a:r>
+              <a:rPr lang="en-US" sz="1500" dirty="0">
+                <a:solidFill>
+                  <a:schemeClr val="bg1">
+                    <a:lumMod val="50000"/>
+                  </a:schemeClr>
+                </a:solidFill>
+                <a:hlinkClick r:id="rId8"/>
+              </a:rPr>
+              <a:t>HTML logo</a:t>
+            </a:r>
+            <a:r>
+              <a:rPr lang="en-US" sz="1500" dirty="0">
+                <a:solidFill>
+                  <a:schemeClr val="bg1">
+                    <a:lumMod val="50000"/>
+                  </a:schemeClr>
+                </a:solidFill>
+              </a:rPr>
+              <a:t>, </a:t>
+            </a:r>
+            <a:r>
+              <a:rPr lang="en-US" sz="1500" dirty="0">
+                <a:solidFill>
+                  <a:schemeClr val="bg1">
+                    <a:lumMod val="50000"/>
+                  </a:schemeClr>
+                </a:solidFill>
+                <a:hlinkClick r:id="rId9"/>
+              </a:rPr>
+              <a:t>CSS logo</a:t>
+            </a:r>
+            <a:r>
+              <a:rPr lang="en-US" sz="1500" dirty="0">
+                <a:solidFill>
+                  <a:schemeClr val="bg1">
+                    <a:lumMod val="50000"/>
+                  </a:schemeClr>
+                </a:solidFill>
+              </a:rPr>
+              <a:t>, </a:t>
+            </a:r>
+            <a:r>
+              <a:rPr lang="en-US" sz="1500" dirty="0">
+                <a:solidFill>
+                  <a:schemeClr val="bg1">
+                    <a:lumMod val="50000"/>
+                  </a:schemeClr>
+                </a:solidFill>
+                <a:hlinkClick r:id="rId10"/>
+              </a:rPr>
+              <a:t>Javascript logo</a:t>
+            </a:r>
+            <a:r>
+              <a:rPr lang="en-US" sz="1500" dirty="0">
+                <a:solidFill>
+                  <a:schemeClr val="bg1">
+                    <a:lumMod val="50000"/>
+                  </a:schemeClr>
+                </a:solidFill>
+              </a:rPr>
+              <a:t> , </a:t>
+            </a:r>
+            <a:r>
+              <a:rPr lang="en-US" sz="1500" dirty="0">
+                <a:solidFill>
+                  <a:schemeClr val="bg1">
+                    <a:lumMod val="50000"/>
+                  </a:schemeClr>
+                </a:solidFill>
+                <a:hlinkClick r:id="rId11"/>
+              </a:rPr>
+              <a:t>django logo</a:t>
+            </a:r>
+            <a:r>
+              <a:rPr lang="en-US" sz="1500" dirty="0">
+                <a:solidFill>
+                  <a:schemeClr val="bg1">
+                    <a:lumMod val="50000"/>
+                  </a:schemeClr>
+                </a:solidFill>
+              </a:rPr>
+              <a:t>, </a:t>
+            </a:r>
+            <a:r>
+              <a:rPr lang="en-US" sz="1500" dirty="0">
+                <a:solidFill>
+                  <a:schemeClr val="bg1">
+                    <a:lumMod val="50000"/>
+                  </a:schemeClr>
+                </a:solidFill>
+                <a:hlinkClick r:id="rId12"/>
+              </a:rPr>
+              <a:t>S3 logo</a:t>
+            </a:r>
+            <a:endParaRPr lang="en-US" sz="1500" dirty="0">
+              <a:solidFill>
+                <a:schemeClr val="bg1">
+                  <a:lumMod val="50000"/>
+                </a:schemeClr>
+              </a:solidFill>
+            </a:endParaRPr>
           </a:p>
         </p:txBody>
       </p:sp>
@@ -9857,6 +11827,95 @@
           </a:p>
         </p:txBody>
       </p:sp>
+      <p:sp>
+        <p:nvSpPr>
+          <p:cNvPr id="4" name="Slide Number Placeholder 3">
+            <a:extLst>
+              <a:ext uri="{FF2B5EF4-FFF2-40B4-BE49-F238E27FC236}">
+                <a16:creationId xmlns:a16="http://schemas.microsoft.com/office/drawing/2014/main" id="{13AC6B81-75C6-0644-9399-327EE8894DE9}"/>
+              </a:ext>
+            </a:extLst>
+          </p:cNvPr>
+          <p:cNvSpPr>
+            <a:spLocks noGrp="1"/>
+          </p:cNvSpPr>
+          <p:nvPr>
+            <p:ph type="sldNum" sz="quarter" idx="4"/>
+          </p:nvPr>
+        </p:nvSpPr>
+        <p:spPr/>
+        <p:txBody>
+          <a:bodyPr/>
+          <a:lstStyle/>
+          <a:p>
+            <a:pPr marL="0" marR="0" lvl="0" indent="0" algn="ctr" defTabSz="914400" rtl="0" eaLnBrk="1" fontAlgn="auto" latinLnBrk="0" hangingPunct="1">
+              <a:lnSpc>
+                <a:spcPct val="100000"/>
+              </a:lnSpc>
+              <a:spcBef>
+                <a:spcPts val="0"/>
+              </a:spcBef>
+              <a:spcAft>
+                <a:spcPts val="0"/>
+              </a:spcAft>
+              <a:buClrTx/>
+              <a:buSzTx/>
+              <a:buFontTx/>
+              <a:buNone/>
+              <a:tabLst/>
+              <a:defRPr/>
+            </a:pPr>
+            <a:fld id="{48F63A3B-78C7-47BE-AE5E-E10140E04643}" type="slidenum">
+              <a:rPr kumimoji="0" lang="en-US" sz="1400" b="0" i="0" u="none" strike="noStrike" kern="1200" cap="none" spc="0" normalizeH="0" baseline="0" noProof="0" smtClean="0">
+                <a:ln>
+                  <a:noFill/>
+                </a:ln>
+                <a:solidFill>
+                  <a:prstClr val="white"/>
+                </a:solidFill>
+                <a:effectLst/>
+                <a:uLnTx/>
+                <a:uFillTx/>
+                <a:latin typeface="Calibri"/>
+                <a:ea typeface="+mn-ea"/>
+                <a:cs typeface="+mn-cs"/>
+              </a:rPr>
+              <a:pPr marL="0" marR="0" lvl="0" indent="0" algn="ctr" defTabSz="914400" rtl="0" eaLnBrk="1" fontAlgn="auto" latinLnBrk="0" hangingPunct="1">
+                <a:lnSpc>
+                  <a:spcPct val="100000"/>
+                </a:lnSpc>
+                <a:spcBef>
+                  <a:spcPts val="0"/>
+                </a:spcBef>
+                <a:spcAft>
+                  <a:spcPts val="0"/>
+                </a:spcAft>
+                <a:buClrTx/>
+                <a:buSzTx/>
+                <a:buFontTx/>
+                <a:buNone/>
+                <a:tabLst/>
+                <a:defRPr/>
+              </a:pPr>
+              <a:t>22</a:t>
+            </a:fld>
+            <a:endParaRPr kumimoji="0" lang="en-US" sz="1400" b="0" i="0" u="none" strike="noStrike" kern="1200" cap="none" spc="0" normalizeH="0" baseline="0" noProof="0" dirty="0">
+              <a:ln>
+                <a:noFill/>
+              </a:ln>
+              <a:solidFill>
+                <a:prstClr val="white"/>
+              </a:solidFill>
+              <a:effectLst/>
+              <a:uLnTx/>
+              <a:uFillTx/>
+              <a:latin typeface="Calibri"/>
+              <a:ea typeface="+mn-ea"/>
+              <a:cs typeface="+mn-cs"/>
+            </a:endParaRPr>
+          </a:p>
+        </p:txBody>
+      </p:sp>
     </p:spTree>
     <p:extLst>
       <p:ext uri="{BB962C8B-B14F-4D97-AF65-F5344CB8AC3E}">
@@ -10196,6 +12255,95 @@
           </a:p>
         </p:txBody>
       </p:sp>
+      <p:sp>
+        <p:nvSpPr>
+          <p:cNvPr id="2" name="Slide Number Placeholder 1">
+            <a:extLst>
+              <a:ext uri="{FF2B5EF4-FFF2-40B4-BE49-F238E27FC236}">
+                <a16:creationId xmlns:a16="http://schemas.microsoft.com/office/drawing/2014/main" id="{193F63F5-C40D-DD4E-B178-4DDE49B16C3A}"/>
+              </a:ext>
+            </a:extLst>
+          </p:cNvPr>
+          <p:cNvSpPr>
+            <a:spLocks noGrp="1"/>
+          </p:cNvSpPr>
+          <p:nvPr>
+            <p:ph type="sldNum" sz="quarter" idx="4"/>
+          </p:nvPr>
+        </p:nvSpPr>
+        <p:spPr/>
+        <p:txBody>
+          <a:bodyPr/>
+          <a:lstStyle/>
+          <a:p>
+            <a:pPr marL="0" marR="0" lvl="0" indent="0" algn="ctr" defTabSz="914400" rtl="0" eaLnBrk="1" fontAlgn="auto" latinLnBrk="0" hangingPunct="1">
+              <a:lnSpc>
+                <a:spcPct val="100000"/>
+              </a:lnSpc>
+              <a:spcBef>
+                <a:spcPts val="0"/>
+              </a:spcBef>
+              <a:spcAft>
+                <a:spcPts val="0"/>
+              </a:spcAft>
+              <a:buClrTx/>
+              <a:buSzTx/>
+              <a:buFontTx/>
+              <a:buNone/>
+              <a:tabLst/>
+              <a:defRPr/>
+            </a:pPr>
+            <a:fld id="{48F63A3B-78C7-47BE-AE5E-E10140E04643}" type="slidenum">
+              <a:rPr kumimoji="0" lang="en-US" sz="1400" b="0" i="0" u="none" strike="noStrike" kern="1200" cap="none" spc="0" normalizeH="0" baseline="0" noProof="0" smtClean="0">
+                <a:ln>
+                  <a:noFill/>
+                </a:ln>
+                <a:solidFill>
+                  <a:prstClr val="white"/>
+                </a:solidFill>
+                <a:effectLst/>
+                <a:uLnTx/>
+                <a:uFillTx/>
+                <a:latin typeface="Calibri"/>
+                <a:ea typeface="+mn-ea"/>
+                <a:cs typeface="+mn-cs"/>
+              </a:rPr>
+              <a:pPr marL="0" marR="0" lvl="0" indent="0" algn="ctr" defTabSz="914400" rtl="0" eaLnBrk="1" fontAlgn="auto" latinLnBrk="0" hangingPunct="1">
+                <a:lnSpc>
+                  <a:spcPct val="100000"/>
+                </a:lnSpc>
+                <a:spcBef>
+                  <a:spcPts val="0"/>
+                </a:spcBef>
+                <a:spcAft>
+                  <a:spcPts val="0"/>
+                </a:spcAft>
+                <a:buClrTx/>
+                <a:buSzTx/>
+                <a:buFontTx/>
+                <a:buNone/>
+                <a:tabLst/>
+                <a:defRPr/>
+              </a:pPr>
+              <a:t>23</a:t>
+            </a:fld>
+            <a:endParaRPr kumimoji="0" lang="en-US" sz="1400" b="0" i="0" u="none" strike="noStrike" kern="1200" cap="none" spc="0" normalizeH="0" baseline="0" noProof="0" dirty="0">
+              <a:ln>
+                <a:noFill/>
+              </a:ln>
+              <a:solidFill>
+                <a:prstClr val="white"/>
+              </a:solidFill>
+              <a:effectLst/>
+              <a:uLnTx/>
+              <a:uFillTx/>
+              <a:latin typeface="Calibri"/>
+              <a:ea typeface="+mn-ea"/>
+              <a:cs typeface="+mn-cs"/>
+            </a:endParaRPr>
+          </a:p>
+        </p:txBody>
+      </p:sp>
     </p:spTree>
     <p:extLst>
       <p:ext uri="{BB962C8B-B14F-4D97-AF65-F5344CB8AC3E}">
@@ -10585,6 +12733,95 @@
           </a:p>
         </p:txBody>
       </p:sp>
+      <p:sp>
+        <p:nvSpPr>
+          <p:cNvPr id="2" name="Slide Number Placeholder 1">
+            <a:extLst>
+              <a:ext uri="{FF2B5EF4-FFF2-40B4-BE49-F238E27FC236}">
+                <a16:creationId xmlns:a16="http://schemas.microsoft.com/office/drawing/2014/main" id="{3398FC02-A818-CB4C-BCF4-37F351CF7C09}"/>
+              </a:ext>
+            </a:extLst>
+          </p:cNvPr>
+          <p:cNvSpPr>
+            <a:spLocks noGrp="1"/>
+          </p:cNvSpPr>
+          <p:nvPr>
+            <p:ph type="sldNum" sz="quarter" idx="4"/>
+          </p:nvPr>
+        </p:nvSpPr>
+        <p:spPr/>
+        <p:txBody>
+          <a:bodyPr/>
+          <a:lstStyle/>
+          <a:p>
+            <a:pPr marL="0" marR="0" lvl="0" indent="0" algn="ctr" defTabSz="914400" rtl="0" eaLnBrk="1" fontAlgn="auto" latinLnBrk="0" hangingPunct="1">
+              <a:lnSpc>
+                <a:spcPct val="100000"/>
+              </a:lnSpc>
+              <a:spcBef>
+                <a:spcPts val="0"/>
+              </a:spcBef>
+              <a:spcAft>
+                <a:spcPts val="0"/>
+              </a:spcAft>
+              <a:buClrTx/>
+              <a:buSzTx/>
+              <a:buFontTx/>
+              <a:buNone/>
+              <a:tabLst/>
+              <a:defRPr/>
+            </a:pPr>
+            <a:fld id="{48F63A3B-78C7-47BE-AE5E-E10140E04643}" type="slidenum">
+              <a:rPr kumimoji="0" lang="en-US" sz="1400" b="0" i="0" u="none" strike="noStrike" kern="1200" cap="none" spc="0" normalizeH="0" baseline="0" noProof="0" smtClean="0">
+                <a:ln>
+                  <a:noFill/>
+                </a:ln>
+                <a:solidFill>
+                  <a:prstClr val="white"/>
+                </a:solidFill>
+                <a:effectLst/>
+                <a:uLnTx/>
+                <a:uFillTx/>
+                <a:latin typeface="Calibri"/>
+                <a:ea typeface="+mn-ea"/>
+                <a:cs typeface="+mn-cs"/>
+              </a:rPr>
+              <a:pPr marL="0" marR="0" lvl="0" indent="0" algn="ctr" defTabSz="914400" rtl="0" eaLnBrk="1" fontAlgn="auto" latinLnBrk="0" hangingPunct="1">
+                <a:lnSpc>
+                  <a:spcPct val="100000"/>
+                </a:lnSpc>
+                <a:spcBef>
+                  <a:spcPts val="0"/>
+                </a:spcBef>
+                <a:spcAft>
+                  <a:spcPts val="0"/>
+                </a:spcAft>
+                <a:buClrTx/>
+                <a:buSzTx/>
+                <a:buFontTx/>
+                <a:buNone/>
+                <a:tabLst/>
+                <a:defRPr/>
+              </a:pPr>
+              <a:t>24</a:t>
+            </a:fld>
+            <a:endParaRPr kumimoji="0" lang="en-US" sz="1400" b="0" i="0" u="none" strike="noStrike" kern="1200" cap="none" spc="0" normalizeH="0" baseline="0" noProof="0" dirty="0">
+              <a:ln>
+                <a:noFill/>
+              </a:ln>
+              <a:solidFill>
+                <a:prstClr val="white"/>
+              </a:solidFill>
+              <a:effectLst/>
+              <a:uLnTx/>
+              <a:uFillTx/>
+              <a:latin typeface="Calibri"/>
+              <a:ea typeface="+mn-ea"/>
+              <a:cs typeface="+mn-cs"/>
+            </a:endParaRPr>
+          </a:p>
+        </p:txBody>
+      </p:sp>
     </p:spTree>
     <p:extLst>
       <p:ext uri="{BB962C8B-B14F-4D97-AF65-F5344CB8AC3E}">
@@ -10952,6 +13189,95 @@
           </a:p>
         </p:txBody>
       </p:sp>
+      <p:sp>
+        <p:nvSpPr>
+          <p:cNvPr id="2" name="Slide Number Placeholder 1">
+            <a:extLst>
+              <a:ext uri="{FF2B5EF4-FFF2-40B4-BE49-F238E27FC236}">
+                <a16:creationId xmlns:a16="http://schemas.microsoft.com/office/drawing/2014/main" id="{D6D8C6A6-5919-914D-B383-FD2F5BDCCAB9}"/>
+              </a:ext>
+            </a:extLst>
+          </p:cNvPr>
+          <p:cNvSpPr>
+            <a:spLocks noGrp="1"/>
+          </p:cNvSpPr>
+          <p:nvPr>
+            <p:ph type="sldNum" sz="quarter" idx="4"/>
+          </p:nvPr>
+        </p:nvSpPr>
+        <p:spPr/>
+        <p:txBody>
+          <a:bodyPr/>
+          <a:lstStyle/>
+          <a:p>
+            <a:pPr marL="0" marR="0" lvl="0" indent="0" algn="ctr" defTabSz="914400" rtl="0" eaLnBrk="1" fontAlgn="auto" latinLnBrk="0" hangingPunct="1">
+              <a:lnSpc>
+                <a:spcPct val="100000"/>
+              </a:lnSpc>
+              <a:spcBef>
+                <a:spcPts val="0"/>
+              </a:spcBef>
+              <a:spcAft>
+                <a:spcPts val="0"/>
+              </a:spcAft>
+              <a:buClrTx/>
+              <a:buSzTx/>
+              <a:buFontTx/>
+              <a:buNone/>
+              <a:tabLst/>
+              <a:defRPr/>
+            </a:pPr>
+            <a:fld id="{48F63A3B-78C7-47BE-AE5E-E10140E04643}" type="slidenum">
+              <a:rPr kumimoji="0" lang="en-US" sz="1400" b="0" i="0" u="none" strike="noStrike" kern="1200" cap="none" spc="0" normalizeH="0" baseline="0" noProof="0" smtClean="0">
+                <a:ln>
+                  <a:noFill/>
+                </a:ln>
+                <a:solidFill>
+                  <a:prstClr val="white"/>
+                </a:solidFill>
+                <a:effectLst/>
+                <a:uLnTx/>
+                <a:uFillTx/>
+                <a:latin typeface="Calibri"/>
+                <a:ea typeface="+mn-ea"/>
+                <a:cs typeface="+mn-cs"/>
+              </a:rPr>
+              <a:pPr marL="0" marR="0" lvl="0" indent="0" algn="ctr" defTabSz="914400" rtl="0" eaLnBrk="1" fontAlgn="auto" latinLnBrk="0" hangingPunct="1">
+                <a:lnSpc>
+                  <a:spcPct val="100000"/>
+                </a:lnSpc>
+                <a:spcBef>
+                  <a:spcPts val="0"/>
+                </a:spcBef>
+                <a:spcAft>
+                  <a:spcPts val="0"/>
+                </a:spcAft>
+                <a:buClrTx/>
+                <a:buSzTx/>
+                <a:buFontTx/>
+                <a:buNone/>
+                <a:tabLst/>
+                <a:defRPr/>
+              </a:pPr>
+              <a:t>25</a:t>
+            </a:fld>
+            <a:endParaRPr kumimoji="0" lang="en-US" sz="1400" b="0" i="0" u="none" strike="noStrike" kern="1200" cap="none" spc="0" normalizeH="0" baseline="0" noProof="0" dirty="0">
+              <a:ln>
+                <a:noFill/>
+              </a:ln>
+              <a:solidFill>
+                <a:prstClr val="white"/>
+              </a:solidFill>
+              <a:effectLst/>
+              <a:uLnTx/>
+              <a:uFillTx/>
+              <a:latin typeface="Calibri"/>
+              <a:ea typeface="+mn-ea"/>
+              <a:cs typeface="+mn-cs"/>
+            </a:endParaRPr>
+          </a:p>
+        </p:txBody>
+      </p:sp>
     </p:spTree>
     <p:extLst>
       <p:ext uri="{BB962C8B-B14F-4D97-AF65-F5344CB8AC3E}">
@@ -10984,6 +13310,299 @@
       </p:grpSpPr>
       <p:sp>
         <p:nvSpPr>
+          <p:cNvPr id="3" name="Title 2">
+            <a:extLst>
+              <a:ext uri="{FF2B5EF4-FFF2-40B4-BE49-F238E27FC236}">
+                <a16:creationId xmlns:a16="http://schemas.microsoft.com/office/drawing/2014/main" id="{396CC717-2667-C845-880E-8BCE90721232}"/>
+              </a:ext>
+            </a:extLst>
+          </p:cNvPr>
+          <p:cNvSpPr>
+            <a:spLocks noGrp="1"/>
+          </p:cNvSpPr>
+          <p:nvPr>
+            <p:ph type="title"/>
+          </p:nvPr>
+        </p:nvSpPr>
+        <p:spPr>
+          <a:xfrm>
+            <a:off x="1087392" y="370903"/>
+            <a:ext cx="10017215" cy="716260"/>
+          </a:xfrm>
+        </p:spPr>
+        <p:txBody>
+          <a:bodyPr/>
+          <a:lstStyle/>
+          <a:p>
+            <a:r>
+              <a:rPr lang="en-US" dirty="0"/>
+              <a:t>References</a:t>
+            </a:r>
+          </a:p>
+        </p:txBody>
+      </p:sp>
+      <p:sp>
+        <p:nvSpPr>
+          <p:cNvPr id="5" name="Slide Number Placeholder 4">
+            <a:extLst>
+              <a:ext uri="{FF2B5EF4-FFF2-40B4-BE49-F238E27FC236}">
+                <a16:creationId xmlns:a16="http://schemas.microsoft.com/office/drawing/2014/main" id="{9E803FFB-B20C-5748-B4F7-9D1740DB298C}"/>
+              </a:ext>
+            </a:extLst>
+          </p:cNvPr>
+          <p:cNvSpPr>
+            <a:spLocks noGrp="1"/>
+          </p:cNvSpPr>
+          <p:nvPr>
+            <p:ph type="sldNum" sz="quarter" idx="4"/>
+          </p:nvPr>
+        </p:nvSpPr>
+        <p:spPr/>
+        <p:txBody>
+          <a:bodyPr/>
+          <a:lstStyle/>
+          <a:p>
+            <a:pPr marL="0" marR="0" lvl="0" indent="0" algn="ctr" defTabSz="914400" rtl="0" eaLnBrk="1" fontAlgn="auto" latinLnBrk="0" hangingPunct="1">
+              <a:lnSpc>
+                <a:spcPct val="100000"/>
+              </a:lnSpc>
+              <a:spcBef>
+                <a:spcPts val="0"/>
+              </a:spcBef>
+              <a:spcAft>
+                <a:spcPts val="0"/>
+              </a:spcAft>
+              <a:buClrTx/>
+              <a:buSzTx/>
+              <a:buFontTx/>
+              <a:buNone/>
+              <a:tabLst/>
+              <a:defRPr/>
+            </a:pPr>
+            <a:fld id="{48F63A3B-78C7-47BE-AE5E-E10140E04643}" type="slidenum">
+              <a:rPr kumimoji="0" lang="en-US" sz="1400" b="0" i="0" u="none" strike="noStrike" kern="1200" cap="none" spc="0" normalizeH="0" baseline="0" noProof="0" smtClean="0">
+                <a:ln>
+                  <a:noFill/>
+                </a:ln>
+                <a:solidFill>
+                  <a:prstClr val="white"/>
+                </a:solidFill>
+                <a:effectLst/>
+                <a:uLnTx/>
+                <a:uFillTx/>
+                <a:latin typeface="Calibri"/>
+                <a:ea typeface="+mn-ea"/>
+                <a:cs typeface="+mn-cs"/>
+              </a:rPr>
+              <a:pPr marL="0" marR="0" lvl="0" indent="0" algn="ctr" defTabSz="914400" rtl="0" eaLnBrk="1" fontAlgn="auto" latinLnBrk="0" hangingPunct="1">
+                <a:lnSpc>
+                  <a:spcPct val="100000"/>
+                </a:lnSpc>
+                <a:spcBef>
+                  <a:spcPts val="0"/>
+                </a:spcBef>
+                <a:spcAft>
+                  <a:spcPts val="0"/>
+                </a:spcAft>
+                <a:buClrTx/>
+                <a:buSzTx/>
+                <a:buFontTx/>
+                <a:buNone/>
+                <a:tabLst/>
+                <a:defRPr/>
+              </a:pPr>
+              <a:t>26</a:t>
+            </a:fld>
+            <a:endParaRPr kumimoji="0" lang="en-US" sz="1400" b="0" i="0" u="none" strike="noStrike" kern="1200" cap="none" spc="0" normalizeH="0" baseline="0" noProof="0" dirty="0">
+              <a:ln>
+                <a:noFill/>
+              </a:ln>
+              <a:solidFill>
+                <a:prstClr val="white"/>
+              </a:solidFill>
+              <a:effectLst/>
+              <a:uLnTx/>
+              <a:uFillTx/>
+              <a:latin typeface="Calibri"/>
+              <a:ea typeface="+mn-ea"/>
+              <a:cs typeface="+mn-cs"/>
+            </a:endParaRPr>
+          </a:p>
+        </p:txBody>
+      </p:sp>
+      <p:sp>
+        <p:nvSpPr>
+          <p:cNvPr id="6" name="Footer Placeholder 5">
+            <a:extLst>
+              <a:ext uri="{FF2B5EF4-FFF2-40B4-BE49-F238E27FC236}">
+                <a16:creationId xmlns:a16="http://schemas.microsoft.com/office/drawing/2014/main" id="{03E3E6A8-AA33-FF43-BC5D-9F9A95D65FCC}"/>
+              </a:ext>
+            </a:extLst>
+          </p:cNvPr>
+          <p:cNvSpPr>
+            <a:spLocks noGrp="1"/>
+          </p:cNvSpPr>
+          <p:nvPr>
+            <p:ph type="ftr" sz="quarter" idx="3"/>
+          </p:nvPr>
+        </p:nvSpPr>
+        <p:spPr/>
+        <p:txBody>
+          <a:bodyPr/>
+          <a:lstStyle/>
+          <a:p>
+            <a:r>
+              <a:rPr lang="en-US"/>
+              <a:t>Use, duplication or disclosure of this document or any of the information or images contained herein is subject to the restrictions on the title page of this document. </a:t>
+            </a:r>
+          </a:p>
+          <a:p>
+            <a:r>
+              <a:rPr lang="en-US"/>
+              <a:t>COPYRIGHT ©2020 </a:t>
+            </a:r>
+            <a:r>
+              <a:rPr lang="en-CA"/>
+              <a:t>MacDonald, Dettwiler and Associates Inc. (MDA). </a:t>
+            </a:r>
+            <a:endParaRPr lang="en-US" dirty="0"/>
+          </a:p>
+        </p:txBody>
+      </p:sp>
+      <p:sp>
+        <p:nvSpPr>
+          <p:cNvPr id="7" name="Rectangle 6">
+            <a:extLst>
+              <a:ext uri="{FF2B5EF4-FFF2-40B4-BE49-F238E27FC236}">
+                <a16:creationId xmlns:a16="http://schemas.microsoft.com/office/drawing/2014/main" id="{E67AFE45-1446-5A4D-B590-F11993D542EA}"/>
+              </a:ext>
+            </a:extLst>
+          </p:cNvPr>
+          <p:cNvSpPr/>
+          <p:nvPr/>
+        </p:nvSpPr>
+        <p:spPr>
+          <a:xfrm>
+            <a:off x="848139" y="1245704"/>
+            <a:ext cx="10628243" cy="4247317"/>
+          </a:xfrm>
+          <a:prstGeom prst="rect">
+            <a:avLst/>
+          </a:prstGeom>
+        </p:spPr>
+        <p:txBody>
+          <a:bodyPr wrap="square">
+            <a:spAutoFit/>
+          </a:bodyPr>
+          <a:lstStyle/>
+          <a:p>
+            <a:r>
+              <a:rPr lang="en-US" dirty="0"/>
+              <a:t>1. B. Qu, X. Li, D. Tao, and X. Lu, “Deep semantic understanding of high resolution remote sensing image,” International Conference on Computer, Information and Telecommunication Systems, pp. 124–128, 2016</a:t>
+            </a:r>
+          </a:p>
+          <a:p>
+            <a:pPr marL="342900" indent="-342900">
+              <a:buAutoNum type="arabicPeriod"/>
+            </a:pPr>
+            <a:endParaRPr lang="en-US" dirty="0"/>
+          </a:p>
+          <a:p>
+            <a:r>
+              <a:rPr lang="en-US" dirty="0"/>
+              <a:t>2. Lu, X.; Wang, B.; Zheng, X.; Li, X. Exploring models and data for remote sensing image caption generation. IEEE Trans. </a:t>
+            </a:r>
+            <a:r>
+              <a:rPr lang="en-US" dirty="0" err="1"/>
+              <a:t>Geosci</a:t>
+            </a:r>
+            <a:r>
+              <a:rPr lang="en-US" dirty="0"/>
+              <a:t>. Remote Sens. 2018, 56, 2183–2195</a:t>
+            </a:r>
+          </a:p>
+          <a:p>
+            <a:endParaRPr lang="en-US" dirty="0"/>
+          </a:p>
+          <a:p>
+            <a:r>
+              <a:rPr lang="en-US" dirty="0"/>
+              <a:t>3. Zhang, X.; Wang, X.; Tang, X.; Zhou, H.; Li, C. Description Generation for Remote Sensing Images Using Attribute Attention Mechanism. Remote Sens. 2019, 11, 612</a:t>
+            </a:r>
+          </a:p>
+          <a:p>
+            <a:endParaRPr lang="en-US" dirty="0"/>
+          </a:p>
+          <a:p>
+            <a:r>
+              <a:rPr lang="en-US" dirty="0"/>
+              <a:t>4. Li, Y.; Fang, S.; Jiao, L.; Liu, R.; Shang, R. A Multi-Level Attention Model for Remote Sensing Image Captions. Remote Sens. 2020, 12, 939</a:t>
+            </a:r>
+          </a:p>
+          <a:p>
+            <a:endParaRPr lang="en-US" dirty="0"/>
+          </a:p>
+          <a:p>
+            <a:r>
+              <a:rPr lang="en-US" dirty="0"/>
+              <a:t>5. </a:t>
+            </a:r>
+            <a:r>
+              <a:rPr lang="en-CA" dirty="0"/>
+              <a:t>SPICE: Semantic Propositional Image Caption Evaluation. Peter Anderson, </a:t>
+            </a:r>
+            <a:r>
+              <a:rPr lang="en-CA" dirty="0" err="1"/>
+              <a:t>Basura</a:t>
+            </a:r>
+            <a:r>
+              <a:rPr lang="en-CA" dirty="0"/>
+              <a:t> Fernando, Mark Johnson and Stephen Gould. In </a:t>
+            </a:r>
+            <a:r>
+              <a:rPr lang="en-CA" i="1" dirty="0"/>
+              <a:t>Proceedings of the European Conference on Computer Vision (ECCV), Amsterdam, the Netherlands, October 2016</a:t>
+            </a:r>
+            <a:r>
+              <a:rPr lang="en-CA" dirty="0"/>
+              <a:t>.</a:t>
+            </a:r>
+            <a:endParaRPr lang="en-US" dirty="0"/>
+          </a:p>
+        </p:txBody>
+      </p:sp>
+    </p:spTree>
+    <p:extLst>
+      <p:ext uri="{BB962C8B-B14F-4D97-AF65-F5344CB8AC3E}">
+        <p14:creationId xmlns:p14="http://schemas.microsoft.com/office/powerpoint/2010/main" val="280327491"/>
+      </p:ext>
+    </p:extLst>
+  </p:cSld>
+  <p:clrMapOvr>
+    <a:masterClrMapping/>
+  </p:clrMapOvr>
+</p:sld>
+</file>
+
+<file path=ppt/slides/slide27.xml><?xml version="1.0" encoding="utf-8"?>
+<p:sld xmlns:a="http://schemas.openxmlformats.org/drawingml/2006/main" xmlns:r="http://schemas.openxmlformats.org/officeDocument/2006/relationships" xmlns:p="http://schemas.openxmlformats.org/presentationml/2006/main">
+  <p:cSld>
+    <p:spTree>
+      <p:nvGrpSpPr>
+        <p:cNvPr id="1" name=""/>
+        <p:cNvGrpSpPr/>
+        <p:nvPr/>
+      </p:nvGrpSpPr>
+      <p:grpSpPr>
+        <a:xfrm>
+          <a:off x="0" y="0"/>
+          <a:ext cx="0" cy="0"/>
+          <a:chOff x="0" y="0"/>
+          <a:chExt cx="0" cy="0"/>
+        </a:xfrm>
+      </p:grpSpPr>
+      <p:sp>
+        <p:nvSpPr>
           <p:cNvPr id="5" name="Footer Placeholder 4">
             <a:extLst>
               <a:ext uri="{FF2B5EF4-FFF2-40B4-BE49-F238E27FC236}">
@@ -11140,6 +13759,95 @@
               </a:rPr>
               <a:t>Questions?</a:t>
             </a:r>
+          </a:p>
+        </p:txBody>
+      </p:sp>
+      <p:sp>
+        <p:nvSpPr>
+          <p:cNvPr id="2" name="Slide Number Placeholder 1">
+            <a:extLst>
+              <a:ext uri="{FF2B5EF4-FFF2-40B4-BE49-F238E27FC236}">
+                <a16:creationId xmlns:a16="http://schemas.microsoft.com/office/drawing/2014/main" id="{6B37811A-04A6-EB47-B308-4C81E908B34A}"/>
+              </a:ext>
+            </a:extLst>
+          </p:cNvPr>
+          <p:cNvSpPr>
+            <a:spLocks noGrp="1"/>
+          </p:cNvSpPr>
+          <p:nvPr>
+            <p:ph type="sldNum" sz="quarter" idx="4"/>
+          </p:nvPr>
+        </p:nvSpPr>
+        <p:spPr/>
+        <p:txBody>
+          <a:bodyPr/>
+          <a:lstStyle/>
+          <a:p>
+            <a:pPr marL="0" marR="0" lvl="0" indent="0" algn="ctr" defTabSz="914400" rtl="0" eaLnBrk="1" fontAlgn="auto" latinLnBrk="0" hangingPunct="1">
+              <a:lnSpc>
+                <a:spcPct val="100000"/>
+              </a:lnSpc>
+              <a:spcBef>
+                <a:spcPts val="0"/>
+              </a:spcBef>
+              <a:spcAft>
+                <a:spcPts val="0"/>
+              </a:spcAft>
+              <a:buClrTx/>
+              <a:buSzTx/>
+              <a:buFontTx/>
+              <a:buNone/>
+              <a:tabLst/>
+              <a:defRPr/>
+            </a:pPr>
+            <a:fld id="{48F63A3B-78C7-47BE-AE5E-E10140E04643}" type="slidenum">
+              <a:rPr kumimoji="0" lang="en-US" sz="1400" b="0" i="0" u="none" strike="noStrike" kern="1200" cap="none" spc="0" normalizeH="0" baseline="0" noProof="0" smtClean="0">
+                <a:ln>
+                  <a:noFill/>
+                </a:ln>
+                <a:solidFill>
+                  <a:prstClr val="white"/>
+                </a:solidFill>
+                <a:effectLst/>
+                <a:uLnTx/>
+                <a:uFillTx/>
+                <a:latin typeface="Calibri"/>
+                <a:ea typeface="+mn-ea"/>
+                <a:cs typeface="+mn-cs"/>
+              </a:rPr>
+              <a:pPr marL="0" marR="0" lvl="0" indent="0" algn="ctr" defTabSz="914400" rtl="0" eaLnBrk="1" fontAlgn="auto" latinLnBrk="0" hangingPunct="1">
+                <a:lnSpc>
+                  <a:spcPct val="100000"/>
+                </a:lnSpc>
+                <a:spcBef>
+                  <a:spcPts val="0"/>
+                </a:spcBef>
+                <a:spcAft>
+                  <a:spcPts val="0"/>
+                </a:spcAft>
+                <a:buClrTx/>
+                <a:buSzTx/>
+                <a:buFontTx/>
+                <a:buNone/>
+                <a:tabLst/>
+                <a:defRPr/>
+              </a:pPr>
+              <a:t>27</a:t>
+            </a:fld>
+            <a:endParaRPr kumimoji="0" lang="en-US" sz="1400" b="0" i="0" u="none" strike="noStrike" kern="1200" cap="none" spc="0" normalizeH="0" baseline="0" noProof="0" dirty="0">
+              <a:ln>
+                <a:noFill/>
+              </a:ln>
+              <a:solidFill>
+                <a:prstClr val="white"/>
+              </a:solidFill>
+              <a:effectLst/>
+              <a:uLnTx/>
+              <a:uFillTx/>
+              <a:latin typeface="Calibri"/>
+              <a:ea typeface="+mn-ea"/>
+              <a:cs typeface="+mn-cs"/>
+            </a:endParaRPr>
           </a:p>
         </p:txBody>
       </p:sp>
@@ -11538,6 +14246,95 @@
           </a:p>
         </p:txBody>
       </p:sp>
+      <p:sp>
+        <p:nvSpPr>
+          <p:cNvPr id="2" name="Slide Number Placeholder 1">
+            <a:extLst>
+              <a:ext uri="{FF2B5EF4-FFF2-40B4-BE49-F238E27FC236}">
+                <a16:creationId xmlns:a16="http://schemas.microsoft.com/office/drawing/2014/main" id="{A14A81B5-F300-1041-B547-E3FED106BD25}"/>
+              </a:ext>
+            </a:extLst>
+          </p:cNvPr>
+          <p:cNvSpPr>
+            <a:spLocks noGrp="1"/>
+          </p:cNvSpPr>
+          <p:nvPr>
+            <p:ph type="sldNum" sz="quarter" idx="4"/>
+          </p:nvPr>
+        </p:nvSpPr>
+        <p:spPr/>
+        <p:txBody>
+          <a:bodyPr/>
+          <a:lstStyle/>
+          <a:p>
+            <a:pPr marL="0" marR="0" lvl="0" indent="0" algn="ctr" defTabSz="914400" rtl="0" eaLnBrk="1" fontAlgn="auto" latinLnBrk="0" hangingPunct="1">
+              <a:lnSpc>
+                <a:spcPct val="100000"/>
+              </a:lnSpc>
+              <a:spcBef>
+                <a:spcPts val="0"/>
+              </a:spcBef>
+              <a:spcAft>
+                <a:spcPts val="0"/>
+              </a:spcAft>
+              <a:buClrTx/>
+              <a:buSzTx/>
+              <a:buFontTx/>
+              <a:buNone/>
+              <a:tabLst/>
+              <a:defRPr/>
+            </a:pPr>
+            <a:fld id="{48F63A3B-78C7-47BE-AE5E-E10140E04643}" type="slidenum">
+              <a:rPr kumimoji="0" lang="en-US" sz="1400" b="0" i="0" u="none" strike="noStrike" kern="1200" cap="none" spc="0" normalizeH="0" baseline="0" noProof="0" smtClean="0">
+                <a:ln>
+                  <a:noFill/>
+                </a:ln>
+                <a:solidFill>
+                  <a:prstClr val="white"/>
+                </a:solidFill>
+                <a:effectLst/>
+                <a:uLnTx/>
+                <a:uFillTx/>
+                <a:latin typeface="Calibri"/>
+                <a:ea typeface="+mn-ea"/>
+                <a:cs typeface="+mn-cs"/>
+              </a:rPr>
+              <a:pPr marL="0" marR="0" lvl="0" indent="0" algn="ctr" defTabSz="914400" rtl="0" eaLnBrk="1" fontAlgn="auto" latinLnBrk="0" hangingPunct="1">
+                <a:lnSpc>
+                  <a:spcPct val="100000"/>
+                </a:lnSpc>
+                <a:spcBef>
+                  <a:spcPts val="0"/>
+                </a:spcBef>
+                <a:spcAft>
+                  <a:spcPts val="0"/>
+                </a:spcAft>
+                <a:buClrTx/>
+                <a:buSzTx/>
+                <a:buFontTx/>
+                <a:buNone/>
+                <a:tabLst/>
+                <a:defRPr/>
+              </a:pPr>
+              <a:t>3</a:t>
+            </a:fld>
+            <a:endParaRPr kumimoji="0" lang="en-US" sz="1400" b="0" i="0" u="none" strike="noStrike" kern="1200" cap="none" spc="0" normalizeH="0" baseline="0" noProof="0" dirty="0">
+              <a:ln>
+                <a:noFill/>
+              </a:ln>
+              <a:solidFill>
+                <a:prstClr val="white"/>
+              </a:solidFill>
+              <a:effectLst/>
+              <a:uLnTx/>
+              <a:uFillTx/>
+              <a:latin typeface="Calibri"/>
+              <a:ea typeface="+mn-ea"/>
+              <a:cs typeface="+mn-cs"/>
+            </a:endParaRPr>
+          </a:p>
+        </p:txBody>
+      </p:sp>
     </p:spTree>
     <p:extLst>
       <p:ext uri="{BB962C8B-B14F-4D97-AF65-F5344CB8AC3E}">
@@ -11958,6 +14755,95 @@
               <a:rPr lang="en-CA" sz="2400" dirty="0"/>
               <a:t>View previously generated image-caption pairs and evaluation scores</a:t>
             </a:r>
+          </a:p>
+        </p:txBody>
+      </p:sp>
+      <p:sp>
+        <p:nvSpPr>
+          <p:cNvPr id="2" name="Slide Number Placeholder 1">
+            <a:extLst>
+              <a:ext uri="{FF2B5EF4-FFF2-40B4-BE49-F238E27FC236}">
+                <a16:creationId xmlns:a16="http://schemas.microsoft.com/office/drawing/2014/main" id="{9AB7A5D4-29CE-FF44-BF4A-4E59F1BB414F}"/>
+              </a:ext>
+            </a:extLst>
+          </p:cNvPr>
+          <p:cNvSpPr>
+            <a:spLocks noGrp="1"/>
+          </p:cNvSpPr>
+          <p:nvPr>
+            <p:ph type="sldNum" sz="quarter" idx="4"/>
+          </p:nvPr>
+        </p:nvSpPr>
+        <p:spPr/>
+        <p:txBody>
+          <a:bodyPr/>
+          <a:lstStyle/>
+          <a:p>
+            <a:pPr marL="0" marR="0" lvl="0" indent="0" algn="ctr" defTabSz="914400" rtl="0" eaLnBrk="1" fontAlgn="auto" latinLnBrk="0" hangingPunct="1">
+              <a:lnSpc>
+                <a:spcPct val="100000"/>
+              </a:lnSpc>
+              <a:spcBef>
+                <a:spcPts val="0"/>
+              </a:spcBef>
+              <a:spcAft>
+                <a:spcPts val="0"/>
+              </a:spcAft>
+              <a:buClrTx/>
+              <a:buSzTx/>
+              <a:buFontTx/>
+              <a:buNone/>
+              <a:tabLst/>
+              <a:defRPr/>
+            </a:pPr>
+            <a:fld id="{48F63A3B-78C7-47BE-AE5E-E10140E04643}" type="slidenum">
+              <a:rPr kumimoji="0" lang="en-US" sz="1400" b="0" i="0" u="none" strike="noStrike" kern="1200" cap="none" spc="0" normalizeH="0" baseline="0" noProof="0" smtClean="0">
+                <a:ln>
+                  <a:noFill/>
+                </a:ln>
+                <a:solidFill>
+                  <a:prstClr val="white"/>
+                </a:solidFill>
+                <a:effectLst/>
+                <a:uLnTx/>
+                <a:uFillTx/>
+                <a:latin typeface="Calibri"/>
+                <a:ea typeface="+mn-ea"/>
+                <a:cs typeface="+mn-cs"/>
+              </a:rPr>
+              <a:pPr marL="0" marR="0" lvl="0" indent="0" algn="ctr" defTabSz="914400" rtl="0" eaLnBrk="1" fontAlgn="auto" latinLnBrk="0" hangingPunct="1">
+                <a:lnSpc>
+                  <a:spcPct val="100000"/>
+                </a:lnSpc>
+                <a:spcBef>
+                  <a:spcPts val="0"/>
+                </a:spcBef>
+                <a:spcAft>
+                  <a:spcPts val="0"/>
+                </a:spcAft>
+                <a:buClrTx/>
+                <a:buSzTx/>
+                <a:buFontTx/>
+                <a:buNone/>
+                <a:tabLst/>
+                <a:defRPr/>
+              </a:pPr>
+              <a:t>4</a:t>
+            </a:fld>
+            <a:endParaRPr kumimoji="0" lang="en-US" sz="1400" b="0" i="0" u="none" strike="noStrike" kern="1200" cap="none" spc="0" normalizeH="0" baseline="0" noProof="0" dirty="0">
+              <a:ln>
+                <a:noFill/>
+              </a:ln>
+              <a:solidFill>
+                <a:prstClr val="white"/>
+              </a:solidFill>
+              <a:effectLst/>
+              <a:uLnTx/>
+              <a:uFillTx/>
+              <a:latin typeface="Calibri"/>
+              <a:ea typeface="+mn-ea"/>
+              <a:cs typeface="+mn-cs"/>
+            </a:endParaRPr>
           </a:p>
         </p:txBody>
       </p:sp>
@@ -12433,6 +15319,135 @@
           </a:ln>
         </p:spPr>
       </p:pic>
+      <p:sp>
+        <p:nvSpPr>
+          <p:cNvPr id="2" name="Slide Number Placeholder 1">
+            <a:extLst>
+              <a:ext uri="{FF2B5EF4-FFF2-40B4-BE49-F238E27FC236}">
+                <a16:creationId xmlns:a16="http://schemas.microsoft.com/office/drawing/2014/main" id="{8924161D-9615-9A40-980E-951830061713}"/>
+              </a:ext>
+            </a:extLst>
+          </p:cNvPr>
+          <p:cNvSpPr>
+            <a:spLocks noGrp="1"/>
+          </p:cNvSpPr>
+          <p:nvPr>
+            <p:ph type="sldNum" sz="quarter" idx="4"/>
+          </p:nvPr>
+        </p:nvSpPr>
+        <p:spPr/>
+        <p:txBody>
+          <a:bodyPr/>
+          <a:lstStyle/>
+          <a:p>
+            <a:pPr marL="0" marR="0" lvl="0" indent="0" algn="ctr" defTabSz="914400" rtl="0" eaLnBrk="1" fontAlgn="auto" latinLnBrk="0" hangingPunct="1">
+              <a:lnSpc>
+                <a:spcPct val="100000"/>
+              </a:lnSpc>
+              <a:spcBef>
+                <a:spcPts val="0"/>
+              </a:spcBef>
+              <a:spcAft>
+                <a:spcPts val="0"/>
+              </a:spcAft>
+              <a:buClrTx/>
+              <a:buSzTx/>
+              <a:buFontTx/>
+              <a:buNone/>
+              <a:tabLst/>
+              <a:defRPr/>
+            </a:pPr>
+            <a:fld id="{48F63A3B-78C7-47BE-AE5E-E10140E04643}" type="slidenum">
+              <a:rPr kumimoji="0" lang="en-US" sz="1400" b="0" i="0" u="none" strike="noStrike" kern="1200" cap="none" spc="0" normalizeH="0" baseline="0" noProof="0" smtClean="0">
+                <a:ln>
+                  <a:noFill/>
+                </a:ln>
+                <a:solidFill>
+                  <a:prstClr val="white"/>
+                </a:solidFill>
+                <a:effectLst/>
+                <a:uLnTx/>
+                <a:uFillTx/>
+                <a:latin typeface="Calibri"/>
+                <a:ea typeface="+mn-ea"/>
+                <a:cs typeface="+mn-cs"/>
+              </a:rPr>
+              <a:pPr marL="0" marR="0" lvl="0" indent="0" algn="ctr" defTabSz="914400" rtl="0" eaLnBrk="1" fontAlgn="auto" latinLnBrk="0" hangingPunct="1">
+                <a:lnSpc>
+                  <a:spcPct val="100000"/>
+                </a:lnSpc>
+                <a:spcBef>
+                  <a:spcPts val="0"/>
+                </a:spcBef>
+                <a:spcAft>
+                  <a:spcPts val="0"/>
+                </a:spcAft>
+                <a:buClrTx/>
+                <a:buSzTx/>
+                <a:buFontTx/>
+                <a:buNone/>
+                <a:tabLst/>
+                <a:defRPr/>
+              </a:pPr>
+              <a:t>5</a:t>
+            </a:fld>
+            <a:endParaRPr kumimoji="0" lang="en-US" sz="1400" b="0" i="0" u="none" strike="noStrike" kern="1200" cap="none" spc="0" normalizeH="0" baseline="0" noProof="0" dirty="0">
+              <a:ln>
+                <a:noFill/>
+              </a:ln>
+              <a:solidFill>
+                <a:prstClr val="white"/>
+              </a:solidFill>
+              <a:effectLst/>
+              <a:uLnTx/>
+              <a:uFillTx/>
+              <a:latin typeface="Calibri"/>
+              <a:ea typeface="+mn-ea"/>
+              <a:cs typeface="+mn-cs"/>
+            </a:endParaRPr>
+          </a:p>
+        </p:txBody>
+      </p:sp>
+      <p:sp>
+        <p:nvSpPr>
+          <p:cNvPr id="10" name="Rectangle 9">
+            <a:extLst>
+              <a:ext uri="{FF2B5EF4-FFF2-40B4-BE49-F238E27FC236}">
+                <a16:creationId xmlns:a16="http://schemas.microsoft.com/office/drawing/2014/main" id="{0AA039ED-680F-6D43-9FE9-F9F3AF25B6C7}"/>
+              </a:ext>
+            </a:extLst>
+          </p:cNvPr>
+          <p:cNvSpPr/>
+          <p:nvPr/>
+        </p:nvSpPr>
+        <p:spPr>
+          <a:xfrm>
+            <a:off x="847812" y="5969894"/>
+            <a:ext cx="9647954" cy="323165"/>
+          </a:xfrm>
+          <a:prstGeom prst="rect">
+            <a:avLst/>
+          </a:prstGeom>
+        </p:spPr>
+        <p:txBody>
+          <a:bodyPr wrap="square">
+            <a:spAutoFit/>
+          </a:bodyPr>
+          <a:lstStyle/>
+          <a:p>
+            <a:r>
+              <a:rPr lang="en-US" sz="1500" dirty="0">
+                <a:solidFill>
+                  <a:schemeClr val="bg1">
+                    <a:lumMod val="50000"/>
+                  </a:schemeClr>
+                </a:solidFill>
+              </a:rPr>
+              <a:t>Sources: Image adapted from Lu, X. et al. (2018) [1]</a:t>
+            </a:r>
+          </a:p>
+        </p:txBody>
+      </p:sp>
     </p:spTree>
     <p:extLst>
       <p:ext uri="{BB962C8B-B14F-4D97-AF65-F5344CB8AC3E}">
@@ -12615,10 +15630,99 @@
       </p:sp>
       <p:sp>
         <p:nvSpPr>
-          <p:cNvPr id="9" name="Rectangle 8">
+          <p:cNvPr id="2" name="Slide Number Placeholder 1">
             <a:extLst>
               <a:ext uri="{FF2B5EF4-FFF2-40B4-BE49-F238E27FC236}">
-                <a16:creationId xmlns:a16="http://schemas.microsoft.com/office/drawing/2014/main" id="{84251EF6-90AB-497E-8A4C-7BCAF233393F}"/>
+                <a16:creationId xmlns:a16="http://schemas.microsoft.com/office/drawing/2014/main" id="{FE67722D-2AC6-D845-A22E-115939E80F6C}"/>
+              </a:ext>
+            </a:extLst>
+          </p:cNvPr>
+          <p:cNvSpPr>
+            <a:spLocks noGrp="1"/>
+          </p:cNvSpPr>
+          <p:nvPr>
+            <p:ph type="sldNum" sz="quarter" idx="4"/>
+          </p:nvPr>
+        </p:nvSpPr>
+        <p:spPr/>
+        <p:txBody>
+          <a:bodyPr/>
+          <a:lstStyle/>
+          <a:p>
+            <a:pPr marL="0" marR="0" lvl="0" indent="0" algn="ctr" defTabSz="914400" rtl="0" eaLnBrk="1" fontAlgn="auto" latinLnBrk="0" hangingPunct="1">
+              <a:lnSpc>
+                <a:spcPct val="100000"/>
+              </a:lnSpc>
+              <a:spcBef>
+                <a:spcPts val="0"/>
+              </a:spcBef>
+              <a:spcAft>
+                <a:spcPts val="0"/>
+              </a:spcAft>
+              <a:buClrTx/>
+              <a:buSzTx/>
+              <a:buFontTx/>
+              <a:buNone/>
+              <a:tabLst/>
+              <a:defRPr/>
+            </a:pPr>
+            <a:fld id="{48F63A3B-78C7-47BE-AE5E-E10140E04643}" type="slidenum">
+              <a:rPr kumimoji="0" lang="en-US" sz="1400" b="0" i="0" u="none" strike="noStrike" kern="1200" cap="none" spc="0" normalizeH="0" baseline="0" noProof="0" smtClean="0">
+                <a:ln>
+                  <a:noFill/>
+                </a:ln>
+                <a:solidFill>
+                  <a:prstClr val="white"/>
+                </a:solidFill>
+                <a:effectLst/>
+                <a:uLnTx/>
+                <a:uFillTx/>
+                <a:latin typeface="Calibri"/>
+                <a:ea typeface="+mn-ea"/>
+                <a:cs typeface="+mn-cs"/>
+              </a:rPr>
+              <a:pPr marL="0" marR="0" lvl="0" indent="0" algn="ctr" defTabSz="914400" rtl="0" eaLnBrk="1" fontAlgn="auto" latinLnBrk="0" hangingPunct="1">
+                <a:lnSpc>
+                  <a:spcPct val="100000"/>
+                </a:lnSpc>
+                <a:spcBef>
+                  <a:spcPts val="0"/>
+                </a:spcBef>
+                <a:spcAft>
+                  <a:spcPts val="0"/>
+                </a:spcAft>
+                <a:buClrTx/>
+                <a:buSzTx/>
+                <a:buFontTx/>
+                <a:buNone/>
+                <a:tabLst/>
+                <a:defRPr/>
+              </a:pPr>
+              <a:t>6</a:t>
+            </a:fld>
+            <a:endParaRPr kumimoji="0" lang="en-US" sz="1400" b="0" i="0" u="none" strike="noStrike" kern="1200" cap="none" spc="0" normalizeH="0" baseline="0" noProof="0" dirty="0">
+              <a:ln>
+                <a:noFill/>
+              </a:ln>
+              <a:solidFill>
+                <a:prstClr val="white"/>
+              </a:solidFill>
+              <a:effectLst/>
+              <a:uLnTx/>
+              <a:uFillTx/>
+              <a:latin typeface="Calibri"/>
+              <a:ea typeface="+mn-ea"/>
+              <a:cs typeface="+mn-cs"/>
+            </a:endParaRPr>
+          </a:p>
+        </p:txBody>
+      </p:sp>
+      <p:sp>
+        <p:nvSpPr>
+          <p:cNvPr id="10" name="Rectangle 9">
+            <a:extLst>
+              <a:ext uri="{FF2B5EF4-FFF2-40B4-BE49-F238E27FC236}">
+                <a16:creationId xmlns:a16="http://schemas.microsoft.com/office/drawing/2014/main" id="{070630D2-E3D9-D24B-BA25-0E7FE48FD492}"/>
               </a:ext>
             </a:extLst>
           </p:cNvPr>
@@ -12627,8 +15731,8 @@
         </p:nvSpPr>
         <p:spPr>
           <a:xfrm>
-            <a:off x="7396482" y="5879439"/>
-            <a:ext cx="6789174" cy="338554"/>
+            <a:off x="1231141" y="5851969"/>
+            <a:ext cx="9647954" cy="323165"/>
           </a:xfrm>
           <a:prstGeom prst="rect">
             <a:avLst/>
@@ -12641,26 +15745,15 @@
           <a:lstStyle/>
           <a:p>
             <a:r>
-              <a:rPr lang="fr-FR" sz="1600" dirty="0"/>
-              <a:t>Sources: Image </a:t>
-            </a:r>
-            <a:r>
-              <a:rPr lang="fr-FR" sz="1600" dirty="0" err="1"/>
-              <a:t>adapted</a:t>
-            </a:r>
-            <a:r>
-              <a:rPr lang="fr-FR" sz="1600" dirty="0"/>
-              <a:t> </a:t>
-            </a:r>
-            <a:r>
-              <a:rPr lang="fr-FR" sz="1600" dirty="0" err="1"/>
-              <a:t>from</a:t>
-            </a:r>
-            <a:r>
-              <a:rPr lang="fr-FR" sz="1600" dirty="0"/>
-              <a:t> Lu, X. et al. (2018).</a:t>
-            </a:r>
-            <a:endParaRPr lang="en-US" sz="1600" dirty="0"/>
+              <a:rPr lang="en-US" sz="1500" dirty="0">
+                <a:solidFill>
+                  <a:schemeClr val="bg1">
+                    <a:lumMod val="50000"/>
+                  </a:schemeClr>
+                </a:solidFill>
+              </a:rPr>
+              <a:t>Sources: Image adapted from Lu, X. et al. (2018) [2]</a:t>
+            </a:r>
           </a:p>
         </p:txBody>
       </p:sp>
@@ -12866,8 +15959,8 @@
         </p:nvSpPr>
         <p:spPr>
           <a:xfrm>
-            <a:off x="7396482" y="5879439"/>
-            <a:ext cx="6789174" cy="338554"/>
+            <a:off x="1231141" y="5887134"/>
+            <a:ext cx="6789174" cy="323165"/>
           </a:xfrm>
           <a:prstGeom prst="rect">
             <a:avLst/>
@@ -12880,14 +15973,121 @@
           <a:lstStyle/>
           <a:p>
             <a:r>
-              <a:rPr lang="en-US" sz="1600" dirty="0"/>
-              <a:t>Sources: Image adapted from Zhang, X. et al. (2019).</a:t>
-            </a:r>
-            <a:r>
-              <a:rPr lang="fr-FR" sz="1600" dirty="0"/>
+              <a:rPr lang="en-US" sz="1500" dirty="0">
+                <a:solidFill>
+                  <a:schemeClr val="bg1">
+                    <a:lumMod val="50000"/>
+                  </a:schemeClr>
+                </a:solidFill>
+              </a:rPr>
+              <a:t>Sources: Image adapted from Zhang, X. et al. (2019) [3]</a:t>
+            </a:r>
+            <a:r>
+              <a:rPr lang="fr-FR" sz="1500" dirty="0">
+                <a:solidFill>
+                  <a:schemeClr val="bg1">
+                    <a:lumMod val="50000"/>
+                  </a:schemeClr>
+                </a:solidFill>
+              </a:rPr>
               <a:t> </a:t>
             </a:r>
-            <a:endParaRPr lang="en-US" sz="1600" dirty="0"/>
+            <a:endParaRPr lang="en-US" sz="1500" dirty="0">
+              <a:solidFill>
+                <a:schemeClr val="bg1">
+                  <a:lumMod val="50000"/>
+                </a:schemeClr>
+              </a:solidFill>
+            </a:endParaRPr>
+          </a:p>
+        </p:txBody>
+      </p:sp>
+      <p:sp>
+        <p:nvSpPr>
+          <p:cNvPr id="2" name="Slide Number Placeholder 1">
+            <a:extLst>
+              <a:ext uri="{FF2B5EF4-FFF2-40B4-BE49-F238E27FC236}">
+                <a16:creationId xmlns:a16="http://schemas.microsoft.com/office/drawing/2014/main" id="{85486DAB-2D16-F74A-957C-A8A2ACE29A4A}"/>
+              </a:ext>
+            </a:extLst>
+          </p:cNvPr>
+          <p:cNvSpPr>
+            <a:spLocks noGrp="1"/>
+          </p:cNvSpPr>
+          <p:nvPr>
+            <p:ph type="sldNum" sz="quarter" idx="4"/>
+          </p:nvPr>
+        </p:nvSpPr>
+        <p:spPr/>
+        <p:txBody>
+          <a:bodyPr/>
+          <a:lstStyle/>
+          <a:p>
+            <a:pPr marL="0" marR="0" lvl="0" indent="0" algn="ctr" defTabSz="914400" rtl="0" eaLnBrk="1" fontAlgn="auto" latinLnBrk="0" hangingPunct="1">
+              <a:lnSpc>
+                <a:spcPct val="100000"/>
+              </a:lnSpc>
+              <a:spcBef>
+                <a:spcPts val="0"/>
+              </a:spcBef>
+              <a:spcAft>
+                <a:spcPts val="0"/>
+              </a:spcAft>
+              <a:buClrTx/>
+              <a:buSzTx/>
+              <a:buFontTx/>
+              <a:buNone/>
+              <a:tabLst/>
+              <a:defRPr/>
+            </a:pPr>
+            <a:fld id="{48F63A3B-78C7-47BE-AE5E-E10140E04643}" type="slidenum">
+              <a:rPr kumimoji="0" lang="en-US" sz="1400" b="0" i="0" u="none" strike="noStrike" kern="1200" cap="none" spc="0" normalizeH="0" baseline="0" noProof="0" smtClean="0">
+                <a:ln>
+                  <a:noFill/>
+                </a:ln>
+                <a:solidFill>
+                  <a:prstClr val="white"/>
+                </a:solidFill>
+                <a:effectLst/>
+                <a:uLnTx/>
+                <a:uFillTx/>
+                <a:latin typeface="Calibri"/>
+                <a:ea typeface="+mn-ea"/>
+                <a:cs typeface="+mn-cs"/>
+              </a:rPr>
+              <a:pPr marL="0" marR="0" lvl="0" indent="0" algn="ctr" defTabSz="914400" rtl="0" eaLnBrk="1" fontAlgn="auto" latinLnBrk="0" hangingPunct="1">
+                <a:lnSpc>
+                  <a:spcPct val="100000"/>
+                </a:lnSpc>
+                <a:spcBef>
+                  <a:spcPts val="0"/>
+                </a:spcBef>
+                <a:spcAft>
+                  <a:spcPts val="0"/>
+                </a:spcAft>
+                <a:buClrTx/>
+                <a:buSzTx/>
+                <a:buFontTx/>
+                <a:buNone/>
+                <a:tabLst/>
+                <a:defRPr/>
+              </a:pPr>
+              <a:t>7</a:t>
+            </a:fld>
+            <a:endParaRPr kumimoji="0" lang="en-US" sz="1400" b="0" i="0" u="none" strike="noStrike" kern="1200" cap="none" spc="0" normalizeH="0" baseline="0" noProof="0" dirty="0">
+              <a:ln>
+                <a:noFill/>
+              </a:ln>
+              <a:solidFill>
+                <a:prstClr val="white"/>
+              </a:solidFill>
+              <a:effectLst/>
+              <a:uLnTx/>
+              <a:uFillTx/>
+              <a:latin typeface="Calibri"/>
+              <a:ea typeface="+mn-ea"/>
+              <a:cs typeface="+mn-cs"/>
+            </a:endParaRPr>
           </a:p>
         </p:txBody>
       </p:sp>
@@ -13093,8 +16293,8 @@
         </p:nvSpPr>
         <p:spPr>
           <a:xfrm>
-            <a:off x="7819104" y="5953735"/>
-            <a:ext cx="6789174" cy="338554"/>
+            <a:off x="1231142" y="5943992"/>
+            <a:ext cx="6789174" cy="323165"/>
           </a:xfrm>
           <a:prstGeom prst="rect">
             <a:avLst/>
@@ -13107,9 +16307,104 @@
           <a:lstStyle/>
           <a:p>
             <a:r>
-              <a:rPr lang="en-US" sz="1600" dirty="0"/>
-              <a:t>Sources: Image adapted from Li, Y. et al. (2020).</a:t>
-            </a:r>
+              <a:rPr lang="en-US" sz="1500" dirty="0">
+                <a:solidFill>
+                  <a:schemeClr val="bg1">
+                    <a:lumMod val="50000"/>
+                  </a:schemeClr>
+                </a:solidFill>
+              </a:rPr>
+              <a:t>Sources: Image adapted from Li, Y. et al. (2020) [4]</a:t>
+            </a:r>
+          </a:p>
+        </p:txBody>
+      </p:sp>
+      <p:sp>
+        <p:nvSpPr>
+          <p:cNvPr id="3" name="Slide Number Placeholder 2">
+            <a:extLst>
+              <a:ext uri="{FF2B5EF4-FFF2-40B4-BE49-F238E27FC236}">
+                <a16:creationId xmlns:a16="http://schemas.microsoft.com/office/drawing/2014/main" id="{5B81E999-83BD-DC47-A4A7-1B599B2792E5}"/>
+              </a:ext>
+            </a:extLst>
+          </p:cNvPr>
+          <p:cNvSpPr>
+            <a:spLocks noGrp="1"/>
+          </p:cNvSpPr>
+          <p:nvPr>
+            <p:ph type="sldNum" sz="quarter" idx="4"/>
+          </p:nvPr>
+        </p:nvSpPr>
+        <p:spPr/>
+        <p:txBody>
+          <a:bodyPr/>
+          <a:lstStyle/>
+          <a:p>
+            <a:pPr marL="0" marR="0" lvl="0" indent="0" algn="ctr" defTabSz="914400" rtl="0" eaLnBrk="1" fontAlgn="auto" latinLnBrk="0" hangingPunct="1">
+              <a:lnSpc>
+                <a:spcPct val="100000"/>
+              </a:lnSpc>
+              <a:spcBef>
+                <a:spcPts val="0"/>
+              </a:spcBef>
+              <a:spcAft>
+                <a:spcPts val="0"/>
+              </a:spcAft>
+              <a:buClrTx/>
+              <a:buSzTx/>
+              <a:buFontTx/>
+              <a:buNone/>
+              <a:tabLst/>
+              <a:defRPr/>
+            </a:pPr>
+            <a:fld id="{48F63A3B-78C7-47BE-AE5E-E10140E04643}" type="slidenum">
+              <a:rPr kumimoji="0" lang="en-US" sz="1400" b="0" i="0" u="none" strike="noStrike" kern="1200" cap="none" spc="0" normalizeH="0" baseline="0" noProof="0" smtClean="0">
+                <a:ln>
+                  <a:noFill/>
+                </a:ln>
+                <a:solidFill>
+                  <a:prstClr val="white"/>
+                </a:solidFill>
+                <a:effectLst/>
+                <a:uLnTx/>
+                <a:uFillTx/>
+                <a:latin typeface="Calibri"/>
+                <a:ea typeface="+mn-ea"/>
+                <a:cs typeface="+mn-cs"/>
+              </a:rPr>
+              <a:pPr marL="0" marR="0" lvl="0" indent="0" algn="ctr" defTabSz="914400" rtl="0" eaLnBrk="1" fontAlgn="auto" latinLnBrk="0" hangingPunct="1">
+                <a:lnSpc>
+                  <a:spcPct val="100000"/>
+                </a:lnSpc>
+                <a:spcBef>
+                  <a:spcPts val="0"/>
+                </a:spcBef>
+                <a:spcAft>
+                  <a:spcPts val="0"/>
+                </a:spcAft>
+                <a:buClrTx/>
+                <a:buSzTx/>
+                <a:buFontTx/>
+                <a:buNone/>
+                <a:tabLst/>
+                <a:defRPr/>
+              </a:pPr>
+              <a:t>8</a:t>
+            </a:fld>
+            <a:endParaRPr kumimoji="0" lang="en-US" sz="1400" b="0" i="0" u="none" strike="noStrike" kern="1200" cap="none" spc="0" normalizeH="0" baseline="0" noProof="0" dirty="0">
+              <a:ln>
+                <a:noFill/>
+              </a:ln>
+              <a:solidFill>
+                <a:prstClr val="white"/>
+              </a:solidFill>
+              <a:effectLst/>
+              <a:uLnTx/>
+              <a:uFillTx/>
+              <a:latin typeface="Calibri"/>
+              <a:ea typeface="+mn-ea"/>
+              <a:cs typeface="+mn-cs"/>
+            </a:endParaRPr>
           </a:p>
         </p:txBody>
       </p:sp>
@@ -13447,6 +16742,95 @@
           </a:p>
         </p:txBody>
       </p:sp>
+      <p:sp>
+        <p:nvSpPr>
+          <p:cNvPr id="2" name="Slide Number Placeholder 1">
+            <a:extLst>
+              <a:ext uri="{FF2B5EF4-FFF2-40B4-BE49-F238E27FC236}">
+                <a16:creationId xmlns:a16="http://schemas.microsoft.com/office/drawing/2014/main" id="{7FFA643F-D736-9A40-86C7-A41DB5C10FF8}"/>
+              </a:ext>
+            </a:extLst>
+          </p:cNvPr>
+          <p:cNvSpPr>
+            <a:spLocks noGrp="1"/>
+          </p:cNvSpPr>
+          <p:nvPr>
+            <p:ph type="sldNum" sz="quarter" idx="4"/>
+          </p:nvPr>
+        </p:nvSpPr>
+        <p:spPr/>
+        <p:txBody>
+          <a:bodyPr/>
+          <a:lstStyle/>
+          <a:p>
+            <a:pPr marL="0" marR="0" lvl="0" indent="0" algn="ctr" defTabSz="914400" rtl="0" eaLnBrk="1" fontAlgn="auto" latinLnBrk="0" hangingPunct="1">
+              <a:lnSpc>
+                <a:spcPct val="100000"/>
+              </a:lnSpc>
+              <a:spcBef>
+                <a:spcPts val="0"/>
+              </a:spcBef>
+              <a:spcAft>
+                <a:spcPts val="0"/>
+              </a:spcAft>
+              <a:buClrTx/>
+              <a:buSzTx/>
+              <a:buFontTx/>
+              <a:buNone/>
+              <a:tabLst/>
+              <a:defRPr/>
+            </a:pPr>
+            <a:fld id="{48F63A3B-78C7-47BE-AE5E-E10140E04643}" type="slidenum">
+              <a:rPr kumimoji="0" lang="en-US" sz="1400" b="0" i="0" u="none" strike="noStrike" kern="1200" cap="none" spc="0" normalizeH="0" baseline="0" noProof="0" smtClean="0">
+                <a:ln>
+                  <a:noFill/>
+                </a:ln>
+                <a:solidFill>
+                  <a:prstClr val="white"/>
+                </a:solidFill>
+                <a:effectLst/>
+                <a:uLnTx/>
+                <a:uFillTx/>
+                <a:latin typeface="Calibri"/>
+                <a:ea typeface="+mn-ea"/>
+                <a:cs typeface="+mn-cs"/>
+              </a:rPr>
+              <a:pPr marL="0" marR="0" lvl="0" indent="0" algn="ctr" defTabSz="914400" rtl="0" eaLnBrk="1" fontAlgn="auto" latinLnBrk="0" hangingPunct="1">
+                <a:lnSpc>
+                  <a:spcPct val="100000"/>
+                </a:lnSpc>
+                <a:spcBef>
+                  <a:spcPts val="0"/>
+                </a:spcBef>
+                <a:spcAft>
+                  <a:spcPts val="0"/>
+                </a:spcAft>
+                <a:buClrTx/>
+                <a:buSzTx/>
+                <a:buFontTx/>
+                <a:buNone/>
+                <a:tabLst/>
+                <a:defRPr/>
+              </a:pPr>
+              <a:t>9</a:t>
+            </a:fld>
+            <a:endParaRPr kumimoji="0" lang="en-US" sz="1400" b="0" i="0" u="none" strike="noStrike" kern="1200" cap="none" spc="0" normalizeH="0" baseline="0" noProof="0" dirty="0">
+              <a:ln>
+                <a:noFill/>
+              </a:ln>
+              <a:solidFill>
+                <a:prstClr val="white"/>
+              </a:solidFill>
+              <a:effectLst/>
+              <a:uLnTx/>
+              <a:uFillTx/>
+              <a:latin typeface="Calibri"/>
+              <a:ea typeface="+mn-ea"/>
+              <a:cs typeface="+mn-cs"/>
+            </a:endParaRPr>
+          </a:p>
+        </p:txBody>
+      </p:sp>
     </p:spTree>
     <p:extLst>
       <p:ext uri="{BB962C8B-B14F-4D97-AF65-F5344CB8AC3E}">
@@ -13457,130 +16841,6 @@
   <p:clrMapOvr>
     <a:masterClrMapping/>
   </p:clrMapOvr>
-  <p:timing>
-    <p:tnLst>
-      <p:par>
-        <p:cTn id="1" dur="indefinite" restart="never" nodeType="tmRoot">
-          <p:childTnLst>
-            <p:seq concurrent="1" nextAc="seek">
-              <p:cTn id="2" dur="indefinite" nodeType="mainSeq">
-                <p:childTnLst>
-                  <p:par>
-                    <p:cTn id="3" fill="hold">
-                      <p:stCondLst>
-                        <p:cond delay="indefinite"/>
-                      </p:stCondLst>
-                      <p:childTnLst>
-                        <p:par>
-                          <p:cTn id="4" fill="hold">
-                            <p:stCondLst>
-                              <p:cond delay="0"/>
-                            </p:stCondLst>
-                            <p:childTnLst>
-                              <p:par>
-                                <p:cTn id="5" presetID="1" presetClass="entr" presetSubtype="0" fill="hold" grpId="0" nodeType="clickEffect">
-                                  <p:stCondLst>
-                                    <p:cond delay="0"/>
-                                  </p:stCondLst>
-                                  <p:childTnLst>
-                                    <p:set>
-                                      <p:cBhvr>
-                                        <p:cTn id="6" dur="1" fill="hold">
-                                          <p:stCondLst>
-                                            <p:cond delay="0"/>
-                                          </p:stCondLst>
-                                        </p:cTn>
-                                        <p:tgtEl>
-                                          <p:spTgt spid="9"/>
-                                        </p:tgtEl>
-                                        <p:attrNameLst>
-                                          <p:attrName>style.visibility</p:attrName>
-                                        </p:attrNameLst>
-                                      </p:cBhvr>
-                                      <p:to>
-                                        <p:strVal val="visible"/>
-                                      </p:to>
-                                    </p:set>
-                                  </p:childTnLst>
-                                </p:cTn>
-                              </p:par>
-                            </p:childTnLst>
-                          </p:cTn>
-                        </p:par>
-                      </p:childTnLst>
-                    </p:cTn>
-                  </p:par>
-                  <p:par>
-                    <p:cTn id="7" fill="hold">
-                      <p:stCondLst>
-                        <p:cond delay="indefinite"/>
-                      </p:stCondLst>
-                      <p:childTnLst>
-                        <p:par>
-                          <p:cTn id="8" fill="hold">
-                            <p:stCondLst>
-                              <p:cond delay="0"/>
-                            </p:stCondLst>
-                            <p:childTnLst>
-                              <p:par>
-                                <p:cTn id="9" presetID="1" presetClass="entr" presetSubtype="0" fill="hold" grpId="0" nodeType="clickEffect">
-                                  <p:stCondLst>
-                                    <p:cond delay="0"/>
-                                  </p:stCondLst>
-                                  <p:childTnLst>
-                                    <p:set>
-                                      <p:cBhvr>
-                                        <p:cTn id="10" dur="1" fill="hold">
-                                          <p:stCondLst>
-                                            <p:cond delay="0"/>
-                                          </p:stCondLst>
-                                        </p:cTn>
-                                        <p:tgtEl>
-                                          <p:spTgt spid="10"/>
-                                        </p:tgtEl>
-                                        <p:attrNameLst>
-                                          <p:attrName>style.visibility</p:attrName>
-                                        </p:attrNameLst>
-                                      </p:cBhvr>
-                                      <p:to>
-                                        <p:strVal val="visible"/>
-                                      </p:to>
-                                    </p:set>
-                                  </p:childTnLst>
-                                </p:cTn>
-                              </p:par>
-                            </p:childTnLst>
-                          </p:cTn>
-                        </p:par>
-                      </p:childTnLst>
-                    </p:cTn>
-                  </p:par>
-                </p:childTnLst>
-              </p:cTn>
-              <p:prevCondLst>
-                <p:cond evt="onPrev" delay="0">
-                  <p:tgtEl>
-                    <p:sldTgt/>
-                  </p:tgtEl>
-                </p:cond>
-              </p:prevCondLst>
-              <p:nextCondLst>
-                <p:cond evt="onNext" delay="0">
-                  <p:tgtEl>
-                    <p:sldTgt/>
-                  </p:tgtEl>
-                </p:cond>
-              </p:nextCondLst>
-            </p:seq>
-          </p:childTnLst>
-        </p:cTn>
-      </p:par>
-    </p:tnLst>
-    <p:bldLst>
-      <p:bldP spid="9" grpId="0"/>
-      <p:bldP spid="10" grpId="0"/>
-    </p:bldLst>
-  </p:timing>
 </p:sld>
 </file>
 
